--- a/proj_report/report.pptx
+++ b/proj_report/report.pptx
@@ -5,15 +5,18 @@
     <p:sldMasterId id="2147483660" r:id="rId1"/>
   </p:sldMasterIdLst>
   <p:notesMasterIdLst>
-    <p:notesMasterId r:id="rId8"/>
+    <p:notesMasterId r:id="rId11"/>
   </p:notesMasterIdLst>
   <p:sldIdLst>
-    <p:sldId id="2687" r:id="rId2"/>
-    <p:sldId id="2688" r:id="rId3"/>
-    <p:sldId id="2689" r:id="rId4"/>
-    <p:sldId id="2690" r:id="rId5"/>
-    <p:sldId id="2691" r:id="rId6"/>
-    <p:sldId id="2693" r:id="rId7"/>
+    <p:sldId id="2694" r:id="rId2"/>
+    <p:sldId id="270" r:id="rId3"/>
+    <p:sldId id="2687" r:id="rId4"/>
+    <p:sldId id="2688" r:id="rId5"/>
+    <p:sldId id="2695" r:id="rId6"/>
+    <p:sldId id="2689" r:id="rId7"/>
+    <p:sldId id="2691" r:id="rId8"/>
+    <p:sldId id="2696" r:id="rId9"/>
+    <p:sldId id="2693" r:id="rId10"/>
   </p:sldIdLst>
   <p:sldSz cx="12192000" cy="6858000"/>
   <p:notesSz cx="6858000" cy="9144000"/>
@@ -116,10 +119,14 @@
     <p:ext uri="{521415D9-36F7-43E2-AB2F-B90AF26B5E84}">
       <p14:sectionLst xmlns:p14="http://schemas.microsoft.com/office/powerpoint/2010/main">
         <p14:section name="封面" id="{55A5C58C-46BF-4A73-B360-A2B96908F527}">
-          <p14:sldIdLst/>
+          <p14:sldIdLst>
+            <p14:sldId id="2694"/>
+          </p14:sldIdLst>
         </p14:section>
         <p14:section name="目录" id="{9F6C27B9-F180-4DFB-8BE2-B2F9B570730D}">
-          <p14:sldIdLst/>
+          <p14:sldIdLst>
+            <p14:sldId id="270"/>
+          </p14:sldIdLst>
         </p14:section>
         <p14:section name="课程项目要求" id="{5EDB7092-89BB-4B75-865B-77930846A093}">
           <p14:sldIdLst>
@@ -129,6 +136,7 @@
         <p14:section name="神经网络算法分析" id="{CCDD4DEB-8BE6-4E08-850A-5082E740F74B}">
           <p14:sldIdLst>
             <p14:sldId id="2688"/>
+            <p14:sldId id="2695"/>
           </p14:sldIdLst>
         </p14:section>
         <p14:section name="加速器电路设计" id="{F7F2A30E-11C7-4E67-9AE9-656564E10FB1}">
@@ -136,14 +144,10 @@
             <p14:sldId id="2689"/>
           </p14:sldIdLst>
         </p14:section>
-        <p14:section name="仿真结果" id="{1809944A-006A-43BC-AC74-E95A9C3E37A4}">
-          <p14:sldIdLst>
-            <p14:sldId id="2690"/>
-          </p14:sldIdLst>
-        </p14:section>
-        <p14:section name="DC综合结果" id="{6DB42543-6038-427B-A731-9BAD8232F893}">
+        <p14:section name="仿真结果和DC综合结果" id="{6DB42543-6038-427B-A731-9BAD8232F893}">
           <p14:sldIdLst>
             <p14:sldId id="2691"/>
+            <p14:sldId id="2696"/>
           </p14:sldIdLst>
         </p14:section>
         <p14:section name="感谢" id="{036D4FE1-7A71-431E-B54E-56910EFCFEA5}">
@@ -7170,10 +7174,10 @@
       </p:grpSpPr>
       <p:sp>
         <p:nvSpPr>
-          <p:cNvPr id="2" name="Slide Number Placeholder 1">
-            <a:extLst>
-              <a:ext uri="{FF2B5EF4-FFF2-40B4-BE49-F238E27FC236}">
-                <a16:creationId xmlns:a16="http://schemas.microsoft.com/office/drawing/2014/main" id="{F33E8B23-6D79-4D76-9267-7BA6BB47324F}"/>
+          <p:cNvPr id="2" name="标题 1">
+            <a:extLst>
+              <a:ext uri="{FF2B5EF4-FFF2-40B4-BE49-F238E27FC236}">
+                <a16:creationId xmlns:a16="http://schemas.microsoft.com/office/drawing/2014/main" id="{D53A1F23-E78B-4970-8479-E32A65C10569}"/>
               </a:ext>
             </a:extLst>
           </p:cNvPr>
@@ -7181,7 +7185,7 @@
             <a:spLocks noGrp="1"/>
           </p:cNvSpPr>
           <p:nvPr>
-            <p:ph type="sldNum" sz="quarter" idx="10"/>
+            <p:ph type="title"/>
           </p:nvPr>
         </p:nvSpPr>
         <p:spPr/>
@@ -7189,21 +7193,56 @@
           <a:bodyPr/>
           <a:lstStyle/>
           <a:p>
-            <a:fld id="{6C53781C-E1F6-4315-A39D-61273F2E0596}" type="slidenum">
-              <a:rPr lang="zh-CN" altLang="en-US" smtClean="0"/>
-              <a:pPr/>
-              <a:t>1</a:t>
-            </a:fld>
-            <a:endParaRPr lang="zh-CN" altLang="en-US" dirty="0"/>
+            <a:r>
+              <a:rPr lang="zh-CN" altLang="en-US" dirty="0"/>
+              <a:t>基于</a:t>
+            </a:r>
+            <a:r>
+              <a:rPr lang="en-US" altLang="zh-CN" dirty="0"/>
+              <a:t>PE</a:t>
+            </a:r>
+            <a:r>
+              <a:rPr lang="zh-CN" altLang="en-US" dirty="0"/>
+              <a:t>阵列的神经网络加速器</a:t>
+            </a:r>
           </a:p>
         </p:txBody>
       </p:sp>
       <p:sp>
         <p:nvSpPr>
-          <p:cNvPr id="3" name="Text Placeholder 2">
-            <a:extLst>
-              <a:ext uri="{FF2B5EF4-FFF2-40B4-BE49-F238E27FC236}">
-                <a16:creationId xmlns:a16="http://schemas.microsoft.com/office/drawing/2014/main" id="{BDBB22C1-B888-497C-AB15-518855EC4ABF}"/>
+          <p:cNvPr id="3" name="内容占位符 2">
+            <a:extLst>
+              <a:ext uri="{FF2B5EF4-FFF2-40B4-BE49-F238E27FC236}">
+                <a16:creationId xmlns:a16="http://schemas.microsoft.com/office/drawing/2014/main" id="{928DE8E9-41F6-416C-92D6-159E2D860DA0}"/>
+              </a:ext>
+            </a:extLst>
+          </p:cNvPr>
+          <p:cNvSpPr>
+            <a:spLocks noGrp="1"/>
+          </p:cNvSpPr>
+          <p:nvPr>
+            <p:ph sz="quarter" idx="10"/>
+          </p:nvPr>
+        </p:nvSpPr>
+        <p:spPr/>
+        <p:txBody>
+          <a:bodyPr/>
+          <a:lstStyle/>
+          <a:p>
+            <a:r>
+              <a:rPr lang="en-US" altLang="zh-CN" dirty="0"/>
+              <a:t>2023/12/27</a:t>
+            </a:r>
+            <a:endParaRPr lang="zh-CN" altLang="en-US" dirty="0"/>
+          </a:p>
+        </p:txBody>
+      </p:sp>
+      <p:sp>
+        <p:nvSpPr>
+          <p:cNvPr id="4" name="文本占位符 3">
+            <a:extLst>
+              <a:ext uri="{FF2B5EF4-FFF2-40B4-BE49-F238E27FC236}">
+                <a16:creationId xmlns:a16="http://schemas.microsoft.com/office/drawing/2014/main" id="{CB0C04C4-7A17-4E8D-B911-4A04554B13AB}"/>
               </a:ext>
             </a:extLst>
           </p:cNvPr>
@@ -7216,8 +7255,8 @@
         </p:nvSpPr>
         <p:spPr>
           <a:xfrm>
-            <a:off x="1075351" y="43657"/>
-            <a:ext cx="9186249" cy="598488"/>
+            <a:off x="3396000" y="4407403"/>
+            <a:ext cx="5400000" cy="598488"/>
           </a:xfrm>
         </p:spPr>
         <p:txBody>
@@ -7225,605 +7264,20 @@
           <a:lstStyle/>
           <a:p>
             <a:r>
-              <a:rPr lang="zh-CN" altLang="en-US" dirty="0"/>
-              <a:t>存内计算</a:t>
-            </a:r>
-          </a:p>
-        </p:txBody>
-      </p:sp>
-      <p:sp>
-        <p:nvSpPr>
-          <p:cNvPr id="7" name="文本占位符 5">
-            <a:extLst>
-              <a:ext uri="{FF2B5EF4-FFF2-40B4-BE49-F238E27FC236}">
-                <a16:creationId xmlns:a16="http://schemas.microsoft.com/office/drawing/2014/main" id="{08664482-F7B5-4622-8A8C-18371A03964E}"/>
-              </a:ext>
-            </a:extLst>
-          </p:cNvPr>
-          <p:cNvSpPr txBox="1">
-            <a:spLocks/>
-          </p:cNvSpPr>
-          <p:nvPr/>
-        </p:nvSpPr>
-        <p:spPr>
-          <a:xfrm>
-            <a:off x="304798" y="812801"/>
-            <a:ext cx="11582402" cy="5520706"/>
-          </a:xfrm>
-          <a:prstGeom prst="rect">
-            <a:avLst/>
-          </a:prstGeom>
-        </p:spPr>
-        <p:txBody>
-          <a:bodyPr/>
-          <a:lstStyle>
-            <a:lvl1pPr marL="228600" indent="-228600" algn="l" defTabSz="914400" rtl="0" eaLnBrk="1" latinLnBrk="0" hangingPunct="1">
-              <a:lnSpc>
-                <a:spcPct val="130000"/>
-              </a:lnSpc>
-              <a:spcBef>
-                <a:spcPts val="1000"/>
-              </a:spcBef>
-              <a:buFontTx/>
-              <a:buBlip>
-                <a:blip r:embed="rId2"/>
-              </a:buBlip>
-              <a:defRPr sz="2000" kern="1200">
-                <a:solidFill>
-                  <a:schemeClr val="accent2"/>
-                </a:solidFill>
-                <a:latin typeface="+mn-lt"/>
-                <a:ea typeface="+mn-ea"/>
-                <a:cs typeface="+mn-cs"/>
-              </a:defRPr>
-            </a:lvl1pPr>
-            <a:lvl2pPr marL="685800" indent="-228600" algn="l" defTabSz="914400" rtl="0" eaLnBrk="1" latinLnBrk="0" hangingPunct="1">
-              <a:lnSpc>
-                <a:spcPct val="130000"/>
-              </a:lnSpc>
-              <a:spcBef>
-                <a:spcPts val="500"/>
-              </a:spcBef>
-              <a:buFont typeface="Arial" panose="020B0604020202020204" pitchFamily="34" charset="0"/>
-              <a:buChar char="•"/>
-              <a:defRPr sz="2000" kern="1200">
-                <a:solidFill>
-                  <a:schemeClr val="accent2"/>
-                </a:solidFill>
-                <a:latin typeface="+mn-lt"/>
-                <a:ea typeface="+mn-ea"/>
-                <a:cs typeface="+mn-cs"/>
-              </a:defRPr>
-            </a:lvl2pPr>
-            <a:lvl3pPr marL="1143000" indent="-228600" algn="l" defTabSz="914400" rtl="0" eaLnBrk="1" latinLnBrk="0" hangingPunct="1">
-              <a:lnSpc>
-                <a:spcPct val="130000"/>
-              </a:lnSpc>
-              <a:spcBef>
-                <a:spcPts val="500"/>
-              </a:spcBef>
-              <a:buFont typeface="Arial" panose="020B0604020202020204" pitchFamily="34" charset="0"/>
-              <a:buChar char="•"/>
-              <a:defRPr sz="1800" kern="1200">
-                <a:solidFill>
-                  <a:schemeClr val="accent2"/>
-                </a:solidFill>
-                <a:latin typeface="+mn-lt"/>
-                <a:ea typeface="+mn-ea"/>
-                <a:cs typeface="+mn-cs"/>
-              </a:defRPr>
-            </a:lvl3pPr>
-            <a:lvl4pPr marL="1600200" indent="-228600" algn="l" defTabSz="914400" rtl="0" eaLnBrk="1" latinLnBrk="0" hangingPunct="1">
-              <a:lnSpc>
-                <a:spcPct val="130000"/>
-              </a:lnSpc>
-              <a:spcBef>
-                <a:spcPts val="500"/>
-              </a:spcBef>
-              <a:buFont typeface="Arial" panose="020B0604020202020204" pitchFamily="34" charset="0"/>
-              <a:buChar char="•"/>
-              <a:defRPr sz="1600" kern="1200">
-                <a:solidFill>
-                  <a:schemeClr val="accent2"/>
-                </a:solidFill>
-                <a:latin typeface="+mn-lt"/>
-                <a:ea typeface="+mn-ea"/>
-                <a:cs typeface="+mn-cs"/>
-              </a:defRPr>
-            </a:lvl4pPr>
-            <a:lvl5pPr marL="2057400" indent="-228600" algn="l" defTabSz="914400" rtl="0" eaLnBrk="1" latinLnBrk="0" hangingPunct="1">
-              <a:lnSpc>
-                <a:spcPct val="130000"/>
-              </a:lnSpc>
-              <a:spcBef>
-                <a:spcPts val="500"/>
-              </a:spcBef>
-              <a:buFont typeface="Arial" panose="020B0604020202020204" pitchFamily="34" charset="0"/>
-              <a:buChar char="•"/>
-              <a:defRPr sz="1600" kern="1200">
-                <a:solidFill>
-                  <a:schemeClr val="accent2"/>
-                </a:solidFill>
-                <a:latin typeface="+mn-lt"/>
-                <a:ea typeface="+mn-ea"/>
-                <a:cs typeface="+mn-cs"/>
-              </a:defRPr>
-            </a:lvl5pPr>
-            <a:lvl6pPr marL="2514600" indent="-228600" algn="l" defTabSz="914400" rtl="0" eaLnBrk="1" latinLnBrk="0" hangingPunct="1">
-              <a:lnSpc>
-                <a:spcPct val="90000"/>
-              </a:lnSpc>
-              <a:spcBef>
-                <a:spcPts val="500"/>
-              </a:spcBef>
-              <a:buFont typeface="Arial" panose="020B0604020202020204" pitchFamily="34" charset="0"/>
-              <a:buChar char="•"/>
-              <a:defRPr sz="1800" kern="1200">
-                <a:solidFill>
-                  <a:schemeClr val="tx1"/>
-                </a:solidFill>
-                <a:latin typeface="+mn-lt"/>
-                <a:ea typeface="+mn-ea"/>
-                <a:cs typeface="+mn-cs"/>
-              </a:defRPr>
-            </a:lvl6pPr>
-            <a:lvl7pPr marL="2971800" indent="-228600" algn="l" defTabSz="914400" rtl="0" eaLnBrk="1" latinLnBrk="0" hangingPunct="1">
-              <a:lnSpc>
-                <a:spcPct val="90000"/>
-              </a:lnSpc>
-              <a:spcBef>
-                <a:spcPts val="500"/>
-              </a:spcBef>
-              <a:buFont typeface="Arial" panose="020B0604020202020204" pitchFamily="34" charset="0"/>
-              <a:buChar char="•"/>
-              <a:defRPr sz="1800" kern="1200">
-                <a:solidFill>
-                  <a:schemeClr val="tx1"/>
-                </a:solidFill>
-                <a:latin typeface="+mn-lt"/>
-                <a:ea typeface="+mn-ea"/>
-                <a:cs typeface="+mn-cs"/>
-              </a:defRPr>
-            </a:lvl7pPr>
-            <a:lvl8pPr marL="3429000" indent="-228600" algn="l" defTabSz="914400" rtl="0" eaLnBrk="1" latinLnBrk="0" hangingPunct="1">
-              <a:lnSpc>
-                <a:spcPct val="90000"/>
-              </a:lnSpc>
-              <a:spcBef>
-                <a:spcPts val="500"/>
-              </a:spcBef>
-              <a:buFont typeface="Arial" panose="020B0604020202020204" pitchFamily="34" charset="0"/>
-              <a:buChar char="•"/>
-              <a:defRPr sz="1800" kern="1200">
-                <a:solidFill>
-                  <a:schemeClr val="tx1"/>
-                </a:solidFill>
-                <a:latin typeface="+mn-lt"/>
-                <a:ea typeface="+mn-ea"/>
-                <a:cs typeface="+mn-cs"/>
-              </a:defRPr>
-            </a:lvl8pPr>
-            <a:lvl9pPr marL="3886200" indent="-228600" algn="l" defTabSz="914400" rtl="0" eaLnBrk="1" latinLnBrk="0" hangingPunct="1">
-              <a:lnSpc>
-                <a:spcPct val="90000"/>
-              </a:lnSpc>
-              <a:spcBef>
-                <a:spcPts val="500"/>
-              </a:spcBef>
-              <a:buFont typeface="Arial" panose="020B0604020202020204" pitchFamily="34" charset="0"/>
-              <a:buChar char="•"/>
-              <a:defRPr sz="1800" kern="1200">
-                <a:solidFill>
-                  <a:schemeClr val="tx1"/>
-                </a:solidFill>
-                <a:latin typeface="+mn-lt"/>
-                <a:ea typeface="+mn-ea"/>
-                <a:cs typeface="+mn-cs"/>
-              </a:defRPr>
-            </a:lvl9pPr>
-          </a:lstStyle>
-          <a:p>
-            <a:pPr>
-              <a:lnSpc>
-                <a:spcPct val="100000"/>
-              </a:lnSpc>
-              <a:buFont typeface="Wingdings" panose="05000000000000000000" pitchFamily="2" charset="2"/>
-              <a:buChar char="p"/>
-            </a:pPr>
-            <a:r>
-              <a:rPr lang="zh-CN" altLang="en-US" b="1" dirty="0">
-                <a:solidFill>
-                  <a:schemeClr val="tx1"/>
-                </a:solidFill>
-                <a:sym typeface="Wingdings" panose="05000000000000000000" pitchFamily="2" charset="2"/>
-              </a:rPr>
-              <a:t>卷积神经网络等人工智能算法被广泛应用于多种计算场景</a:t>
-            </a:r>
-          </a:p>
-          <a:p>
-            <a:pPr>
-              <a:lnSpc>
-                <a:spcPct val="100000"/>
-              </a:lnSpc>
-              <a:buFont typeface="Wingdings" panose="05000000000000000000" pitchFamily="2" charset="2"/>
-              <a:buChar char="p"/>
-            </a:pPr>
-            <a:r>
-              <a:rPr lang="zh-CN" altLang="en-US" b="1" dirty="0">
-                <a:solidFill>
-                  <a:schemeClr val="tx1"/>
-                </a:solidFill>
-                <a:sym typeface="Wingdings" panose="05000000000000000000" pitchFamily="2" charset="2"/>
-              </a:rPr>
-              <a:t>传统冯</a:t>
+              <a:rPr lang="en-US" altLang="zh-CN" dirty="0"/>
+              <a:t>023039910034</a:t>
             </a:r>
             <a:r>
-              <a:rPr lang="en-US" altLang="zh-CN" b="1" dirty="0">
-                <a:solidFill>
-                  <a:schemeClr val="tx1"/>
-                </a:solidFill>
-                <a:sym typeface="Wingdings" panose="05000000000000000000" pitchFamily="2" charset="2"/>
-              </a:rPr>
-              <a:t>·</a:t>
+              <a:rPr lang="zh-CN" altLang="en-US" dirty="0"/>
+              <a:t> 徐浏凯</a:t>
             </a:r>
-            <a:r>
-              <a:rPr lang="zh-CN" altLang="en-US" b="1" dirty="0">
-                <a:solidFill>
-                  <a:schemeClr val="tx1"/>
-                </a:solidFill>
-                <a:sym typeface="Wingdings" panose="05000000000000000000" pitchFamily="2" charset="2"/>
-              </a:rPr>
-              <a:t>诺依曼架构存算分离，处理</a:t>
-            </a:r>
-            <a:r>
-              <a:rPr lang="en-US" altLang="zh-CN" b="1" dirty="0">
-                <a:solidFill>
-                  <a:schemeClr val="tx1"/>
-                </a:solidFill>
-                <a:sym typeface="Wingdings" panose="05000000000000000000" pitchFamily="2" charset="2"/>
-              </a:rPr>
-              <a:t>CNN</a:t>
-            </a:r>
-            <a:r>
-              <a:rPr lang="zh-CN" altLang="en-US" b="1" dirty="0">
-                <a:solidFill>
-                  <a:schemeClr val="tx1"/>
-                </a:solidFill>
-                <a:sym typeface="Wingdings" panose="05000000000000000000" pitchFamily="2" charset="2"/>
-              </a:rPr>
-              <a:t>等数据密集型应用时数据搬移开销巨大</a:t>
-            </a:r>
-          </a:p>
-          <a:p>
-            <a:pPr>
-              <a:lnSpc>
-                <a:spcPct val="100000"/>
-              </a:lnSpc>
-              <a:buFont typeface="Wingdings" panose="05000000000000000000" pitchFamily="2" charset="2"/>
-              <a:buChar char="p"/>
-            </a:pPr>
-            <a:r>
-              <a:rPr lang="zh-CN" altLang="en-US" b="1" dirty="0">
-                <a:solidFill>
-                  <a:schemeClr val="tx1"/>
-                </a:solidFill>
-                <a:sym typeface="Wingdings" panose="05000000000000000000" pitchFamily="2" charset="2"/>
-              </a:rPr>
-              <a:t>存内计算将计算功能集成到存储单元中，可有效避免数据搬移开销</a:t>
-            </a:r>
-          </a:p>
-        </p:txBody>
-      </p:sp>
-      <p:pic>
-        <p:nvPicPr>
-          <p:cNvPr id="24" name="Picture 23">
-            <a:extLst>
-              <a:ext uri="{FF2B5EF4-FFF2-40B4-BE49-F238E27FC236}">
-                <a16:creationId xmlns:a16="http://schemas.microsoft.com/office/drawing/2014/main" id="{05A88CF0-CBC5-4FF9-97B0-C95A01043143}"/>
-              </a:ext>
-            </a:extLst>
-          </p:cNvPr>
-          <p:cNvPicPr>
-            <a:picLocks noChangeAspect="1"/>
-          </p:cNvPicPr>
-          <p:nvPr/>
-        </p:nvPicPr>
-        <p:blipFill>
-          <a:blip r:embed="rId3">
-            <a:extLst>
-              <a:ext uri="{28A0092B-C50C-407E-A947-70E740481C1C}">
-                <a14:useLocalDpi xmlns:a14="http://schemas.microsoft.com/office/drawing/2010/main" val="0"/>
-              </a:ext>
-            </a:extLst>
-          </a:blip>
-          <a:stretch>
-            <a:fillRect/>
-          </a:stretch>
-        </p:blipFill>
-        <p:spPr>
-          <a:xfrm>
-            <a:off x="503454" y="3032760"/>
-            <a:ext cx="5459691" cy="2330582"/>
-          </a:xfrm>
-          <a:prstGeom prst="rect">
-            <a:avLst/>
-          </a:prstGeom>
-        </p:spPr>
-      </p:pic>
-      <p:pic>
-        <p:nvPicPr>
-          <p:cNvPr id="25" name="Picture 24">
-            <a:extLst>
-              <a:ext uri="{FF2B5EF4-FFF2-40B4-BE49-F238E27FC236}">
-                <a16:creationId xmlns:a16="http://schemas.microsoft.com/office/drawing/2014/main" id="{9B2769E6-E52B-4842-933D-D76B0FA47F31}"/>
-              </a:ext>
-            </a:extLst>
-          </p:cNvPr>
-          <p:cNvPicPr>
-            <a:picLocks noChangeAspect="1"/>
-          </p:cNvPicPr>
-          <p:nvPr/>
-        </p:nvPicPr>
-        <p:blipFill>
-          <a:blip r:embed="rId4">
-            <a:extLst>
-              <a:ext uri="{28A0092B-C50C-407E-A947-70E740481C1C}">
-                <a14:useLocalDpi xmlns:a14="http://schemas.microsoft.com/office/drawing/2010/main" val="0"/>
-              </a:ext>
-            </a:extLst>
-          </a:blip>
-          <a:stretch>
-            <a:fillRect/>
-          </a:stretch>
-        </p:blipFill>
-        <p:spPr>
-          <a:xfrm>
-            <a:off x="6440254" y="3032760"/>
-            <a:ext cx="5248292" cy="2330582"/>
-          </a:xfrm>
-          <a:prstGeom prst="rect">
-            <a:avLst/>
-          </a:prstGeom>
-        </p:spPr>
-      </p:pic>
-      <p:sp>
-        <p:nvSpPr>
-          <p:cNvPr id="26" name="Rectangle 25">
-            <a:extLst>
-              <a:ext uri="{FF2B5EF4-FFF2-40B4-BE49-F238E27FC236}">
-                <a16:creationId xmlns:a16="http://schemas.microsoft.com/office/drawing/2014/main" id="{6D6BF710-D6B9-4422-923A-C93AA3BF82AB}"/>
-              </a:ext>
-            </a:extLst>
-          </p:cNvPr>
-          <p:cNvSpPr/>
-          <p:nvPr/>
-        </p:nvSpPr>
-        <p:spPr>
-          <a:xfrm>
-            <a:off x="2080579" y="2632650"/>
-            <a:ext cx="2305439" cy="400110"/>
-          </a:xfrm>
-          <a:prstGeom prst="rect">
-            <a:avLst/>
-          </a:prstGeom>
-        </p:spPr>
-        <p:txBody>
-          <a:bodyPr wrap="none">
-            <a:spAutoFit/>
-          </a:bodyPr>
-          <a:lstStyle/>
-          <a:p>
-            <a:pPr algn="ctr"/>
-            <a:r>
-              <a:rPr lang="zh-CN" altLang="en-US" sz="2000" b="1" dirty="0">
-                <a:latin typeface="Calibri" panose="020F0502020204030204" pitchFamily="34" charset="0"/>
-                <a:ea typeface="微软雅黑" panose="020B0503020204020204" pitchFamily="34" charset="-122"/>
-                <a:cs typeface="Calibri" panose="020F0502020204030204" pitchFamily="34" charset="0"/>
-              </a:rPr>
-              <a:t>传统冯</a:t>
-            </a:r>
-            <a:r>
-              <a:rPr lang="en-US" altLang="zh-CN" sz="2000" b="1" dirty="0">
-                <a:latin typeface="Calibri" panose="020F0502020204030204" pitchFamily="34" charset="0"/>
-                <a:ea typeface="微软雅黑" panose="020B0503020204020204" pitchFamily="34" charset="-122"/>
-                <a:cs typeface="Calibri" panose="020F0502020204030204" pitchFamily="34" charset="0"/>
-              </a:rPr>
-              <a:t>·</a:t>
-            </a:r>
-            <a:r>
-              <a:rPr lang="zh-CN" altLang="en-US" sz="2000" b="1" dirty="0">
-                <a:latin typeface="Calibri" panose="020F0502020204030204" pitchFamily="34" charset="0"/>
-                <a:ea typeface="微软雅黑" panose="020B0503020204020204" pitchFamily="34" charset="-122"/>
-                <a:cs typeface="Calibri" panose="020F0502020204030204" pitchFamily="34" charset="0"/>
-              </a:rPr>
-              <a:t>诺伊曼架构</a:t>
-            </a:r>
-            <a:endParaRPr lang="zh-CN" altLang="en-US" sz="2000" dirty="0"/>
-          </a:p>
-        </p:txBody>
-      </p:sp>
-      <p:sp>
-        <p:nvSpPr>
-          <p:cNvPr id="27" name="Rectangle 26">
-            <a:extLst>
-              <a:ext uri="{FF2B5EF4-FFF2-40B4-BE49-F238E27FC236}">
-                <a16:creationId xmlns:a16="http://schemas.microsoft.com/office/drawing/2014/main" id="{11FE4500-8303-437C-B88C-711B385273CE}"/>
-              </a:ext>
-            </a:extLst>
-          </p:cNvPr>
-          <p:cNvSpPr/>
-          <p:nvPr/>
-        </p:nvSpPr>
-        <p:spPr>
-          <a:xfrm>
-            <a:off x="1493879" y="5506405"/>
-            <a:ext cx="3478837" cy="707886"/>
-          </a:xfrm>
-          <a:prstGeom prst="rect">
-            <a:avLst/>
-          </a:prstGeom>
-        </p:spPr>
-        <p:txBody>
-          <a:bodyPr wrap="none">
-            <a:spAutoFit/>
-          </a:bodyPr>
-          <a:lstStyle/>
-          <a:p>
-            <a:pPr algn="ctr"/>
-            <a:r>
-              <a:rPr lang="zh-CN" altLang="en-US" sz="2000" b="1" dirty="0">
-                <a:solidFill>
-                  <a:srgbClr val="C00000"/>
-                </a:solidFill>
-                <a:latin typeface="Calibri" panose="020F0502020204030204" pitchFamily="34" charset="0"/>
-                <a:ea typeface="微软雅黑" panose="020B0503020204020204" pitchFamily="34" charset="-122"/>
-                <a:cs typeface="Calibri" panose="020F0502020204030204" pitchFamily="34" charset="0"/>
-              </a:rPr>
-              <a:t>处理</a:t>
-            </a:r>
-            <a:r>
-              <a:rPr lang="en-US" altLang="zh-CN" sz="2000" b="1" dirty="0">
-                <a:solidFill>
-                  <a:srgbClr val="C00000"/>
-                </a:solidFill>
-                <a:latin typeface="Calibri" panose="020F0502020204030204" pitchFamily="34" charset="0"/>
-                <a:ea typeface="微软雅黑" panose="020B0503020204020204" pitchFamily="34" charset="-122"/>
-                <a:cs typeface="Calibri" panose="020F0502020204030204" pitchFamily="34" charset="0"/>
-              </a:rPr>
-              <a:t>CNN</a:t>
-            </a:r>
-            <a:r>
-              <a:rPr lang="zh-CN" altLang="en-US" sz="2000" b="1" dirty="0">
-                <a:solidFill>
-                  <a:srgbClr val="C00000"/>
-                </a:solidFill>
-                <a:latin typeface="Calibri" panose="020F0502020204030204" pitchFamily="34" charset="0"/>
-                <a:ea typeface="微软雅黑" panose="020B0503020204020204" pitchFamily="34" charset="-122"/>
-                <a:cs typeface="Calibri" panose="020F0502020204030204" pitchFamily="34" charset="0"/>
-              </a:rPr>
-              <a:t>等数据密集型应用时</a:t>
-            </a:r>
-            <a:endParaRPr lang="en-US" altLang="zh-CN" sz="2000" b="1" dirty="0">
-              <a:solidFill>
-                <a:srgbClr val="C00000"/>
-              </a:solidFill>
-              <a:latin typeface="Calibri" panose="020F0502020204030204" pitchFamily="34" charset="0"/>
-              <a:ea typeface="微软雅黑" panose="020B0503020204020204" pitchFamily="34" charset="-122"/>
-              <a:cs typeface="Calibri" panose="020F0502020204030204" pitchFamily="34" charset="0"/>
-            </a:endParaRPr>
-          </a:p>
-          <a:p>
-            <a:pPr algn="ctr"/>
-            <a:r>
-              <a:rPr lang="zh-CN" altLang="en-US" sz="2000" b="1" dirty="0">
-                <a:solidFill>
-                  <a:srgbClr val="C00000"/>
-                </a:solidFill>
-                <a:latin typeface="Calibri" panose="020F0502020204030204" pitchFamily="34" charset="0"/>
-                <a:ea typeface="微软雅黑" panose="020B0503020204020204" pitchFamily="34" charset="-122"/>
-                <a:cs typeface="Calibri" panose="020F0502020204030204" pitchFamily="34" charset="0"/>
-              </a:rPr>
-              <a:t>数据搬移开销巨大</a:t>
-            </a:r>
-            <a:endParaRPr lang="zh-CN" altLang="en-US" sz="2000" dirty="0">
-              <a:solidFill>
-                <a:srgbClr val="C00000"/>
-              </a:solidFill>
-            </a:endParaRPr>
-          </a:p>
-        </p:txBody>
-      </p:sp>
-      <p:sp>
-        <p:nvSpPr>
-          <p:cNvPr id="28" name="Rectangle 27">
-            <a:extLst>
-              <a:ext uri="{FF2B5EF4-FFF2-40B4-BE49-F238E27FC236}">
-                <a16:creationId xmlns:a16="http://schemas.microsoft.com/office/drawing/2014/main" id="{7CF9BBF6-311D-426D-9171-80EAB7D142C6}"/>
-              </a:ext>
-            </a:extLst>
-          </p:cNvPr>
-          <p:cNvSpPr/>
-          <p:nvPr/>
-        </p:nvSpPr>
-        <p:spPr>
-          <a:xfrm>
-            <a:off x="7689664" y="5660293"/>
-            <a:ext cx="2749471" cy="400110"/>
-          </a:xfrm>
-          <a:prstGeom prst="rect">
-            <a:avLst/>
-          </a:prstGeom>
-        </p:spPr>
-        <p:txBody>
-          <a:bodyPr wrap="none">
-            <a:spAutoFit/>
-          </a:bodyPr>
-          <a:lstStyle/>
-          <a:p>
-            <a:pPr algn="ctr"/>
-            <a:r>
-              <a:rPr lang="zh-CN" altLang="en-US" sz="2000" b="1" dirty="0">
-                <a:solidFill>
-                  <a:srgbClr val="006600"/>
-                </a:solidFill>
-                <a:latin typeface="Calibri" panose="020F0502020204030204" pitchFamily="34" charset="0"/>
-                <a:ea typeface="微软雅黑" panose="020B0503020204020204" pitchFamily="34" charset="-122"/>
-                <a:cs typeface="Calibri" panose="020F0502020204030204" pitchFamily="34" charset="0"/>
-              </a:rPr>
-              <a:t>有效避免数据搬移开销</a:t>
-            </a:r>
-            <a:endParaRPr lang="zh-CN" altLang="en-US" sz="2000" dirty="0">
-              <a:solidFill>
-                <a:srgbClr val="006600"/>
-              </a:solidFill>
-            </a:endParaRPr>
-          </a:p>
-        </p:txBody>
-      </p:sp>
-      <p:sp>
-        <p:nvSpPr>
-          <p:cNvPr id="29" name="Rectangle 28">
-            <a:extLst>
-              <a:ext uri="{FF2B5EF4-FFF2-40B4-BE49-F238E27FC236}">
-                <a16:creationId xmlns:a16="http://schemas.microsoft.com/office/drawing/2014/main" id="{D1FE7727-3EF6-4ADE-82D2-9EA09CE55DDD}"/>
-              </a:ext>
-            </a:extLst>
-          </p:cNvPr>
-          <p:cNvSpPr/>
-          <p:nvPr/>
-        </p:nvSpPr>
-        <p:spPr>
-          <a:xfrm>
-            <a:off x="7946145" y="2632650"/>
-            <a:ext cx="2236510" cy="400110"/>
-          </a:xfrm>
-          <a:prstGeom prst="rect">
-            <a:avLst/>
-          </a:prstGeom>
-        </p:spPr>
-        <p:txBody>
-          <a:bodyPr wrap="none">
-            <a:spAutoFit/>
-          </a:bodyPr>
-          <a:lstStyle/>
-          <a:p>
-            <a:pPr algn="ctr"/>
-            <a:r>
-              <a:rPr lang="zh-CN" altLang="en-US" sz="2000" b="1" dirty="0">
-                <a:latin typeface="Calibri" panose="020F0502020204030204" pitchFamily="34" charset="0"/>
-                <a:ea typeface="微软雅黑" panose="020B0503020204020204" pitchFamily="34" charset="-122"/>
-                <a:cs typeface="Calibri" panose="020F0502020204030204" pitchFamily="34" charset="0"/>
-              </a:rPr>
-              <a:t>新型存内计算架构</a:t>
-            </a:r>
-            <a:endParaRPr lang="zh-CN" altLang="en-US" sz="2000" dirty="0"/>
           </a:p>
         </p:txBody>
       </p:sp>
     </p:spTree>
     <p:extLst>
       <p:ext uri="{BB962C8B-B14F-4D97-AF65-F5344CB8AC3E}">
-        <p14:creationId xmlns:p14="http://schemas.microsoft.com/office/powerpoint/2010/main" val="1101483846"/>
+        <p14:creationId xmlns:p14="http://schemas.microsoft.com/office/powerpoint/2010/main" val="1943532253"/>
       </p:ext>
     </p:extLst>
   </p:cSld>
@@ -7850,662 +7304,1254 @@
           <a:chExt cx="0" cy="0"/>
         </a:xfrm>
       </p:grpSpPr>
+      <p:pic>
+        <p:nvPicPr>
+          <p:cNvPr id="96" name="图片占位符 95" descr="图片包含 天空, 泰迪熊, 熊, 建筑物&#10;&#10;自动生成的说明">
+            <a:extLst>
+              <a:ext uri="{FF2B5EF4-FFF2-40B4-BE49-F238E27FC236}">
+                <a16:creationId xmlns:a16="http://schemas.microsoft.com/office/drawing/2014/main" id="{EE79199E-F6B2-4AB7-AD45-DF9746ABEC77}"/>
+              </a:ext>
+            </a:extLst>
+          </p:cNvPr>
+          <p:cNvPicPr>
+            <a:picLocks noGrp="1" noChangeAspect="1"/>
+          </p:cNvPicPr>
+          <p:nvPr>
+            <p:ph type="pic" sz="quarter" idx="10"/>
+          </p:nvPr>
+        </p:nvPicPr>
+        <p:blipFill>
+          <a:blip r:embed="rId2">
+            <a:extLst>
+              <a:ext uri="{28A0092B-C50C-407E-A947-70E740481C1C}">
+                <a14:useLocalDpi xmlns:a14="http://schemas.microsoft.com/office/drawing/2010/main" val="0"/>
+              </a:ext>
+            </a:extLst>
+          </a:blip>
+          <a:srcRect l="18816" r="18816"/>
+          <a:stretch>
+            <a:fillRect/>
+          </a:stretch>
+        </p:blipFill>
+        <p:spPr/>
+      </p:pic>
       <p:sp>
         <p:nvSpPr>
-          <p:cNvPr id="2" name="Slide Number Placeholder 1">
-            <a:extLst>
-              <a:ext uri="{FF2B5EF4-FFF2-40B4-BE49-F238E27FC236}">
-                <a16:creationId xmlns:a16="http://schemas.microsoft.com/office/drawing/2014/main" id="{F33E8B23-6D79-4D76-9267-7BA6BB47324F}"/>
-              </a:ext>
-            </a:extLst>
-          </p:cNvPr>
-          <p:cNvSpPr>
-            <a:spLocks noGrp="1"/>
-          </p:cNvSpPr>
-          <p:nvPr>
-            <p:ph type="sldNum" sz="quarter" idx="10"/>
-          </p:nvPr>
+          <p:cNvPr id="63" name="矩形 62">
+            <a:extLst>
+              <a:ext uri="{FF2B5EF4-FFF2-40B4-BE49-F238E27FC236}">
+                <a16:creationId xmlns:a16="http://schemas.microsoft.com/office/drawing/2014/main" id="{A7DD4836-010D-456E-BBA3-89944340FA4A}"/>
+              </a:ext>
+            </a:extLst>
+          </p:cNvPr>
+          <p:cNvSpPr/>
+          <p:nvPr/>
         </p:nvSpPr>
-        <p:spPr/>
+        <p:spPr>
+          <a:xfrm>
+            <a:off x="6275750" y="1180600"/>
+            <a:ext cx="4671650" cy="720000"/>
+          </a:xfrm>
+          <a:prstGeom prst="rect">
+            <a:avLst/>
+          </a:prstGeom>
+          <a:solidFill>
+            <a:schemeClr val="bg1"/>
+          </a:solidFill>
+          <a:ln>
+            <a:noFill/>
+          </a:ln>
+          <a:effectLst>
+            <a:outerShdw blurRad="50800" dist="38100" dir="2700000" algn="tl" rotWithShape="0">
+              <a:prstClr val="black">
+                <a:alpha val="40000"/>
+              </a:prstClr>
+            </a:outerShdw>
+          </a:effectLst>
+        </p:spPr>
+        <p:style>
+          <a:lnRef idx="2">
+            <a:schemeClr val="accent1">
+              <a:shade val="50000"/>
+            </a:schemeClr>
+          </a:lnRef>
+          <a:fillRef idx="1">
+            <a:schemeClr val="accent1"/>
+          </a:fillRef>
+          <a:effectRef idx="0">
+            <a:schemeClr val="accent1"/>
+          </a:effectRef>
+          <a:fontRef idx="minor">
+            <a:schemeClr val="lt1"/>
+          </a:fontRef>
+        </p:style>
         <p:txBody>
-          <a:bodyPr/>
+          <a:bodyPr rtlCol="0" anchor="ctr"/>
           <a:lstStyle/>
           <a:p>
-            <a:fld id="{6C53781C-E1F6-4315-A39D-61273F2E0596}" type="slidenum">
-              <a:rPr lang="zh-CN" altLang="en-US" smtClean="0"/>
-              <a:pPr/>
-              <a:t>2</a:t>
-            </a:fld>
-            <a:endParaRPr lang="zh-CN" altLang="en-US" dirty="0"/>
+            <a:pPr marL="0" marR="0" lvl="0" indent="0" algn="ctr" defTabSz="914400" rtl="0" eaLnBrk="1" fontAlgn="auto" latinLnBrk="0" hangingPunct="1">
+              <a:lnSpc>
+                <a:spcPct val="100000"/>
+              </a:lnSpc>
+              <a:spcBef>
+                <a:spcPts val="0"/>
+              </a:spcBef>
+              <a:spcAft>
+                <a:spcPts val="0"/>
+              </a:spcAft>
+              <a:buClrTx/>
+              <a:buSzTx/>
+              <a:buFontTx/>
+              <a:buNone/>
+              <a:tabLst/>
+              <a:defRPr/>
+            </a:pPr>
+            <a:r>
+              <a:rPr kumimoji="0" lang="zh-CN" altLang="en-US" sz="2800" b="1" i="0" u="none" strike="noStrike" kern="1200" cap="none" spc="0" normalizeH="0" baseline="0" noProof="0" dirty="0">
+                <a:ln>
+                  <a:noFill/>
+                </a:ln>
+                <a:solidFill>
+                  <a:srgbClr val="44546A"/>
+                </a:solidFill>
+                <a:effectLst/>
+                <a:uLnTx/>
+                <a:uFillTx/>
+                <a:latin typeface="Arial"/>
+                <a:ea typeface="微软雅黑"/>
+                <a:cs typeface="+mn-cs"/>
+              </a:rPr>
+              <a:t>课程项目要求</a:t>
+            </a:r>
+          </a:p>
+        </p:txBody>
+      </p:sp>
+      <p:grpSp>
+        <p:nvGrpSpPr>
+          <p:cNvPr id="75" name="组合 74">
+            <a:extLst>
+              <a:ext uri="{FF2B5EF4-FFF2-40B4-BE49-F238E27FC236}">
+                <a16:creationId xmlns:a16="http://schemas.microsoft.com/office/drawing/2014/main" id="{9A01E40F-4D27-46E0-B3C8-ACC612FF8694}"/>
+              </a:ext>
+            </a:extLst>
+          </p:cNvPr>
+          <p:cNvGrpSpPr/>
+          <p:nvPr/>
+        </p:nvGrpSpPr>
+        <p:grpSpPr>
+          <a:xfrm>
+            <a:off x="5345475" y="1180600"/>
+            <a:ext cx="720000" cy="720000"/>
+            <a:chOff x="5412150" y="1180600"/>
+            <a:chExt cx="720000" cy="720000"/>
+          </a:xfrm>
+        </p:grpSpPr>
+        <p:sp>
+          <p:nvSpPr>
+            <p:cNvPr id="61" name="矩形 60">
+              <a:extLst>
+                <a:ext uri="{FF2B5EF4-FFF2-40B4-BE49-F238E27FC236}">
+                  <a16:creationId xmlns:a16="http://schemas.microsoft.com/office/drawing/2014/main" id="{9F1E9CFB-5705-4342-969C-1BBB6EB698F5}"/>
+                </a:ext>
+              </a:extLst>
+            </p:cNvPr>
+            <p:cNvSpPr/>
+            <p:nvPr/>
+          </p:nvSpPr>
+          <p:spPr>
+            <a:xfrm>
+              <a:off x="5412150" y="1180600"/>
+              <a:ext cx="720000" cy="720000"/>
+            </a:xfrm>
+            <a:prstGeom prst="rect">
+              <a:avLst/>
+            </a:prstGeom>
+            <a:solidFill>
+              <a:schemeClr val="accent2"/>
+            </a:solidFill>
+            <a:ln>
+              <a:noFill/>
+            </a:ln>
+            <a:effectLst>
+              <a:outerShdw blurRad="50800" dist="38100" dir="2700000" algn="tl" rotWithShape="0">
+                <a:prstClr val="black">
+                  <a:alpha val="40000"/>
+                </a:prstClr>
+              </a:outerShdw>
+            </a:effectLst>
+          </p:spPr>
+          <p:style>
+            <a:lnRef idx="2">
+              <a:schemeClr val="accent1">
+                <a:shade val="50000"/>
+              </a:schemeClr>
+            </a:lnRef>
+            <a:fillRef idx="1">
+              <a:schemeClr val="accent1"/>
+            </a:fillRef>
+            <a:effectRef idx="0">
+              <a:schemeClr val="accent1"/>
+            </a:effectRef>
+            <a:fontRef idx="minor">
+              <a:schemeClr val="lt1"/>
+            </a:fontRef>
+          </p:style>
+          <p:txBody>
+            <a:bodyPr rtlCol="0" anchor="ctr"/>
+            <a:lstStyle/>
+            <a:p>
+              <a:pPr marL="0" marR="0" lvl="0" indent="0" algn="ctr" defTabSz="914400" rtl="0" eaLnBrk="1" fontAlgn="auto" latinLnBrk="0" hangingPunct="1">
+                <a:lnSpc>
+                  <a:spcPct val="100000"/>
+                </a:lnSpc>
+                <a:spcBef>
+                  <a:spcPts val="0"/>
+                </a:spcBef>
+                <a:spcAft>
+                  <a:spcPts val="0"/>
+                </a:spcAft>
+                <a:buClrTx/>
+                <a:buSzTx/>
+                <a:buFontTx/>
+                <a:buNone/>
+                <a:tabLst/>
+                <a:defRPr/>
+              </a:pPr>
+              <a:r>
+                <a:rPr kumimoji="0" lang="en-US" altLang="zh-CN" sz="3200" b="1" i="0" u="none" strike="noStrike" kern="1200" cap="none" spc="0" normalizeH="0" baseline="0" noProof="0" dirty="0">
+                  <a:ln>
+                    <a:noFill/>
+                  </a:ln>
+                  <a:solidFill>
+                    <a:srgbClr val="FFFFFF"/>
+                  </a:solidFill>
+                  <a:effectLst/>
+                  <a:uLnTx/>
+                  <a:uFillTx/>
+                  <a:latin typeface="Arial"/>
+                  <a:ea typeface="微软雅黑"/>
+                  <a:cs typeface="+mn-cs"/>
+                </a:rPr>
+                <a:t>1</a:t>
+              </a:r>
+              <a:endParaRPr kumimoji="0" lang="zh-CN" altLang="en-US" sz="3200" b="1" i="0" u="none" strike="noStrike" kern="1200" cap="none" spc="0" normalizeH="0" baseline="0" noProof="0" dirty="0">
+                <a:ln>
+                  <a:noFill/>
+                </a:ln>
+                <a:solidFill>
+                  <a:srgbClr val="FFFFFF"/>
+                </a:solidFill>
+                <a:effectLst/>
+                <a:uLnTx/>
+                <a:uFillTx/>
+                <a:latin typeface="Arial"/>
+                <a:ea typeface="微软雅黑"/>
+                <a:cs typeface="+mn-cs"/>
+              </a:endParaRPr>
+            </a:p>
+          </p:txBody>
+        </p:sp>
+        <p:sp>
+          <p:nvSpPr>
+            <p:cNvPr id="64" name="矩形 63">
+              <a:extLst>
+                <a:ext uri="{FF2B5EF4-FFF2-40B4-BE49-F238E27FC236}">
+                  <a16:creationId xmlns:a16="http://schemas.microsoft.com/office/drawing/2014/main" id="{21E43874-40A0-4EC5-9CA2-95CEB3981475}"/>
+                </a:ext>
+              </a:extLst>
+            </p:cNvPr>
+            <p:cNvSpPr/>
+            <p:nvPr/>
+          </p:nvSpPr>
+          <p:spPr>
+            <a:xfrm>
+              <a:off x="5412150" y="1810600"/>
+              <a:ext cx="720000" cy="90000"/>
+            </a:xfrm>
+            <a:prstGeom prst="rect">
+              <a:avLst/>
+            </a:prstGeom>
+            <a:solidFill>
+              <a:schemeClr val="bg1"/>
+            </a:solidFill>
+            <a:ln>
+              <a:noFill/>
+            </a:ln>
+            <a:effectLst/>
+          </p:spPr>
+          <p:style>
+            <a:lnRef idx="2">
+              <a:schemeClr val="accent1">
+                <a:shade val="50000"/>
+              </a:schemeClr>
+            </a:lnRef>
+            <a:fillRef idx="1">
+              <a:schemeClr val="accent1"/>
+            </a:fillRef>
+            <a:effectRef idx="0">
+              <a:schemeClr val="accent1"/>
+            </a:effectRef>
+            <a:fontRef idx="minor">
+              <a:schemeClr val="lt1"/>
+            </a:fontRef>
+          </p:style>
+          <p:txBody>
+            <a:bodyPr rtlCol="0" anchor="ctr"/>
+            <a:lstStyle/>
+            <a:p>
+              <a:pPr marL="0" marR="0" lvl="0" indent="0" algn="ctr" defTabSz="914400" rtl="0" eaLnBrk="1" fontAlgn="auto" latinLnBrk="0" hangingPunct="1">
+                <a:lnSpc>
+                  <a:spcPct val="100000"/>
+                </a:lnSpc>
+                <a:spcBef>
+                  <a:spcPts val="0"/>
+                </a:spcBef>
+                <a:spcAft>
+                  <a:spcPts val="0"/>
+                </a:spcAft>
+                <a:buClrTx/>
+                <a:buSzTx/>
+                <a:buFontTx/>
+                <a:buNone/>
+                <a:tabLst/>
+                <a:defRPr/>
+              </a:pPr>
+              <a:endParaRPr kumimoji="0" lang="zh-CN" altLang="en-US" sz="1800" b="0" i="0" u="none" strike="noStrike" kern="1200" cap="none" spc="0" normalizeH="0" baseline="0" noProof="0">
+                <a:ln>
+                  <a:noFill/>
+                </a:ln>
+                <a:solidFill>
+                  <a:srgbClr val="FFFFFF"/>
+                </a:solidFill>
+                <a:effectLst/>
+                <a:uLnTx/>
+                <a:uFillTx/>
+                <a:latin typeface="Arial"/>
+                <a:ea typeface="微软雅黑"/>
+                <a:cs typeface="+mn-cs"/>
+              </a:endParaRPr>
+            </a:p>
+          </p:txBody>
+        </p:sp>
+      </p:grpSp>
+      <p:grpSp>
+        <p:nvGrpSpPr>
+          <p:cNvPr id="74" name="组合 73">
+            <a:extLst>
+              <a:ext uri="{FF2B5EF4-FFF2-40B4-BE49-F238E27FC236}">
+                <a16:creationId xmlns:a16="http://schemas.microsoft.com/office/drawing/2014/main" id="{4DFF296D-4CA6-4FC2-8D7B-1BAFF1CF78B8}"/>
+              </a:ext>
+            </a:extLst>
+          </p:cNvPr>
+          <p:cNvGrpSpPr/>
+          <p:nvPr/>
+        </p:nvGrpSpPr>
+        <p:grpSpPr>
+          <a:xfrm>
+            <a:off x="5345475" y="2260600"/>
+            <a:ext cx="720000" cy="720000"/>
+            <a:chOff x="5412150" y="2260600"/>
+            <a:chExt cx="720000" cy="720000"/>
+          </a:xfrm>
+        </p:grpSpPr>
+        <p:sp>
+          <p:nvSpPr>
+            <p:cNvPr id="58" name="矩形 57">
+              <a:extLst>
+                <a:ext uri="{FF2B5EF4-FFF2-40B4-BE49-F238E27FC236}">
+                  <a16:creationId xmlns:a16="http://schemas.microsoft.com/office/drawing/2014/main" id="{AB4503D4-DDDF-487D-9490-1ED837433D97}"/>
+                </a:ext>
+              </a:extLst>
+            </p:cNvPr>
+            <p:cNvSpPr/>
+            <p:nvPr/>
+          </p:nvSpPr>
+          <p:spPr>
+            <a:xfrm>
+              <a:off x="5412150" y="2260600"/>
+              <a:ext cx="720000" cy="720000"/>
+            </a:xfrm>
+            <a:prstGeom prst="rect">
+              <a:avLst/>
+            </a:prstGeom>
+            <a:solidFill>
+              <a:schemeClr val="accent2"/>
+            </a:solidFill>
+            <a:ln>
+              <a:noFill/>
+            </a:ln>
+            <a:effectLst>
+              <a:outerShdw blurRad="50800" dist="38100" dir="2700000" algn="tl" rotWithShape="0">
+                <a:prstClr val="black">
+                  <a:alpha val="40000"/>
+                </a:prstClr>
+              </a:outerShdw>
+            </a:effectLst>
+          </p:spPr>
+          <p:style>
+            <a:lnRef idx="2">
+              <a:schemeClr val="accent1">
+                <a:shade val="50000"/>
+              </a:schemeClr>
+            </a:lnRef>
+            <a:fillRef idx="1">
+              <a:schemeClr val="accent1"/>
+            </a:fillRef>
+            <a:effectRef idx="0">
+              <a:schemeClr val="accent1"/>
+            </a:effectRef>
+            <a:fontRef idx="minor">
+              <a:schemeClr val="lt1"/>
+            </a:fontRef>
+          </p:style>
+          <p:txBody>
+            <a:bodyPr rtlCol="0" anchor="ctr"/>
+            <a:lstStyle/>
+            <a:p>
+              <a:pPr marL="0" marR="0" lvl="0" indent="0" algn="ctr" defTabSz="914400" rtl="0" eaLnBrk="1" fontAlgn="auto" latinLnBrk="0" hangingPunct="1">
+                <a:lnSpc>
+                  <a:spcPct val="100000"/>
+                </a:lnSpc>
+                <a:spcBef>
+                  <a:spcPts val="0"/>
+                </a:spcBef>
+                <a:spcAft>
+                  <a:spcPts val="0"/>
+                </a:spcAft>
+                <a:buClrTx/>
+                <a:buSzTx/>
+                <a:buFontTx/>
+                <a:buNone/>
+                <a:tabLst/>
+                <a:defRPr/>
+              </a:pPr>
+              <a:r>
+                <a:rPr kumimoji="0" lang="en-US" altLang="zh-CN" sz="3200" b="1" i="0" u="none" strike="noStrike" kern="1200" cap="none" spc="0" normalizeH="0" baseline="0" noProof="0" dirty="0">
+                  <a:ln>
+                    <a:noFill/>
+                  </a:ln>
+                  <a:solidFill>
+                    <a:srgbClr val="FFFFFF"/>
+                  </a:solidFill>
+                  <a:effectLst/>
+                  <a:uLnTx/>
+                  <a:uFillTx/>
+                  <a:latin typeface="Arial"/>
+                  <a:ea typeface="微软雅黑"/>
+                  <a:cs typeface="+mn-cs"/>
+                </a:rPr>
+                <a:t>2</a:t>
+              </a:r>
+              <a:endParaRPr kumimoji="0" lang="zh-CN" altLang="en-US" sz="3200" b="1" i="0" u="none" strike="noStrike" kern="1200" cap="none" spc="0" normalizeH="0" baseline="0" noProof="0" dirty="0">
+                <a:ln>
+                  <a:noFill/>
+                </a:ln>
+                <a:solidFill>
+                  <a:srgbClr val="FFFFFF"/>
+                </a:solidFill>
+                <a:effectLst/>
+                <a:uLnTx/>
+                <a:uFillTx/>
+                <a:latin typeface="Arial"/>
+                <a:ea typeface="微软雅黑"/>
+                <a:cs typeface="+mn-cs"/>
+              </a:endParaRPr>
+            </a:p>
+          </p:txBody>
+        </p:sp>
+        <p:sp>
+          <p:nvSpPr>
+            <p:cNvPr id="67" name="矩形 66">
+              <a:extLst>
+                <a:ext uri="{FF2B5EF4-FFF2-40B4-BE49-F238E27FC236}">
+                  <a16:creationId xmlns:a16="http://schemas.microsoft.com/office/drawing/2014/main" id="{7BCC96CB-D24E-491C-9D07-0DA9EADF43B3}"/>
+                </a:ext>
+              </a:extLst>
+            </p:cNvPr>
+            <p:cNvSpPr/>
+            <p:nvPr/>
+          </p:nvSpPr>
+          <p:spPr>
+            <a:xfrm>
+              <a:off x="5412150" y="2890600"/>
+              <a:ext cx="720000" cy="90000"/>
+            </a:xfrm>
+            <a:prstGeom prst="rect">
+              <a:avLst/>
+            </a:prstGeom>
+            <a:solidFill>
+              <a:schemeClr val="bg1"/>
+            </a:solidFill>
+            <a:ln>
+              <a:noFill/>
+            </a:ln>
+            <a:effectLst/>
+          </p:spPr>
+          <p:style>
+            <a:lnRef idx="2">
+              <a:schemeClr val="accent1">
+                <a:shade val="50000"/>
+              </a:schemeClr>
+            </a:lnRef>
+            <a:fillRef idx="1">
+              <a:schemeClr val="accent1"/>
+            </a:fillRef>
+            <a:effectRef idx="0">
+              <a:schemeClr val="accent1"/>
+            </a:effectRef>
+            <a:fontRef idx="minor">
+              <a:schemeClr val="lt1"/>
+            </a:fontRef>
+          </p:style>
+          <p:txBody>
+            <a:bodyPr rtlCol="0" anchor="ctr"/>
+            <a:lstStyle/>
+            <a:p>
+              <a:pPr marL="0" marR="0" lvl="0" indent="0" algn="ctr" defTabSz="914400" rtl="0" eaLnBrk="1" fontAlgn="auto" latinLnBrk="0" hangingPunct="1">
+                <a:lnSpc>
+                  <a:spcPct val="100000"/>
+                </a:lnSpc>
+                <a:spcBef>
+                  <a:spcPts val="0"/>
+                </a:spcBef>
+                <a:spcAft>
+                  <a:spcPts val="0"/>
+                </a:spcAft>
+                <a:buClrTx/>
+                <a:buSzTx/>
+                <a:buFontTx/>
+                <a:buNone/>
+                <a:tabLst/>
+                <a:defRPr/>
+              </a:pPr>
+              <a:endParaRPr kumimoji="0" lang="zh-CN" altLang="en-US" sz="1800" b="0" i="0" u="none" strike="noStrike" kern="1200" cap="none" spc="0" normalizeH="0" baseline="0" noProof="0">
+                <a:ln>
+                  <a:noFill/>
+                </a:ln>
+                <a:solidFill>
+                  <a:srgbClr val="FFFFFF"/>
+                </a:solidFill>
+                <a:effectLst/>
+                <a:uLnTx/>
+                <a:uFillTx/>
+                <a:latin typeface="Arial"/>
+                <a:ea typeface="微软雅黑"/>
+                <a:cs typeface="+mn-cs"/>
+              </a:endParaRPr>
+            </a:p>
+          </p:txBody>
+        </p:sp>
+      </p:grpSp>
+      <p:grpSp>
+        <p:nvGrpSpPr>
+          <p:cNvPr id="73" name="组合 72">
+            <a:extLst>
+              <a:ext uri="{FF2B5EF4-FFF2-40B4-BE49-F238E27FC236}">
+                <a16:creationId xmlns:a16="http://schemas.microsoft.com/office/drawing/2014/main" id="{25BB4173-241B-4451-B976-8D9E36EF561C}"/>
+              </a:ext>
+            </a:extLst>
+          </p:cNvPr>
+          <p:cNvGrpSpPr/>
+          <p:nvPr/>
+        </p:nvGrpSpPr>
+        <p:grpSpPr>
+          <a:xfrm>
+            <a:off x="5345475" y="3340600"/>
+            <a:ext cx="720000" cy="720000"/>
+            <a:chOff x="5412150" y="3340600"/>
+            <a:chExt cx="720000" cy="720000"/>
+          </a:xfrm>
+        </p:grpSpPr>
+        <p:sp>
+          <p:nvSpPr>
+            <p:cNvPr id="60" name="矩形 59">
+              <a:extLst>
+                <a:ext uri="{FF2B5EF4-FFF2-40B4-BE49-F238E27FC236}">
+                  <a16:creationId xmlns:a16="http://schemas.microsoft.com/office/drawing/2014/main" id="{28C5D102-8236-4014-AD75-3828CE0C6A76}"/>
+                </a:ext>
+              </a:extLst>
+            </p:cNvPr>
+            <p:cNvSpPr/>
+            <p:nvPr/>
+          </p:nvSpPr>
+          <p:spPr>
+            <a:xfrm>
+              <a:off x="5412150" y="3340600"/>
+              <a:ext cx="720000" cy="720000"/>
+            </a:xfrm>
+            <a:prstGeom prst="rect">
+              <a:avLst/>
+            </a:prstGeom>
+            <a:solidFill>
+              <a:schemeClr val="accent2"/>
+            </a:solidFill>
+            <a:ln>
+              <a:noFill/>
+            </a:ln>
+            <a:effectLst>
+              <a:outerShdw blurRad="50800" dist="38100" dir="2700000" algn="tl" rotWithShape="0">
+                <a:prstClr val="black">
+                  <a:alpha val="40000"/>
+                </a:prstClr>
+              </a:outerShdw>
+            </a:effectLst>
+          </p:spPr>
+          <p:style>
+            <a:lnRef idx="2">
+              <a:schemeClr val="accent1">
+                <a:shade val="50000"/>
+              </a:schemeClr>
+            </a:lnRef>
+            <a:fillRef idx="1">
+              <a:schemeClr val="accent1"/>
+            </a:fillRef>
+            <a:effectRef idx="0">
+              <a:schemeClr val="accent1"/>
+            </a:effectRef>
+            <a:fontRef idx="minor">
+              <a:schemeClr val="lt1"/>
+            </a:fontRef>
+          </p:style>
+          <p:txBody>
+            <a:bodyPr rtlCol="0" anchor="ctr"/>
+            <a:lstStyle/>
+            <a:p>
+              <a:pPr marL="0" marR="0" lvl="0" indent="0" algn="ctr" defTabSz="914400" rtl="0" eaLnBrk="1" fontAlgn="auto" latinLnBrk="0" hangingPunct="1">
+                <a:lnSpc>
+                  <a:spcPct val="100000"/>
+                </a:lnSpc>
+                <a:spcBef>
+                  <a:spcPts val="0"/>
+                </a:spcBef>
+                <a:spcAft>
+                  <a:spcPts val="0"/>
+                </a:spcAft>
+                <a:buClrTx/>
+                <a:buSzTx/>
+                <a:buFontTx/>
+                <a:buNone/>
+                <a:tabLst/>
+                <a:defRPr/>
+              </a:pPr>
+              <a:r>
+                <a:rPr kumimoji="0" lang="en-US" altLang="zh-CN" sz="3200" b="1" i="0" u="none" strike="noStrike" kern="1200" cap="none" spc="0" normalizeH="0" baseline="0" noProof="0" dirty="0">
+                  <a:ln>
+                    <a:noFill/>
+                  </a:ln>
+                  <a:solidFill>
+                    <a:srgbClr val="FFFFFF"/>
+                  </a:solidFill>
+                  <a:effectLst/>
+                  <a:uLnTx/>
+                  <a:uFillTx/>
+                  <a:latin typeface="Arial"/>
+                  <a:ea typeface="微软雅黑"/>
+                  <a:cs typeface="+mn-cs"/>
+                </a:rPr>
+                <a:t>3</a:t>
+              </a:r>
+              <a:endParaRPr kumimoji="0" lang="zh-CN" altLang="en-US" sz="3200" b="1" i="0" u="none" strike="noStrike" kern="1200" cap="none" spc="0" normalizeH="0" baseline="0" noProof="0" dirty="0">
+                <a:ln>
+                  <a:noFill/>
+                </a:ln>
+                <a:solidFill>
+                  <a:srgbClr val="FFFFFF"/>
+                </a:solidFill>
+                <a:effectLst/>
+                <a:uLnTx/>
+                <a:uFillTx/>
+                <a:latin typeface="Arial"/>
+                <a:ea typeface="微软雅黑"/>
+                <a:cs typeface="+mn-cs"/>
+              </a:endParaRPr>
+            </a:p>
+          </p:txBody>
+        </p:sp>
+        <p:sp>
+          <p:nvSpPr>
+            <p:cNvPr id="68" name="矩形 67">
+              <a:extLst>
+                <a:ext uri="{FF2B5EF4-FFF2-40B4-BE49-F238E27FC236}">
+                  <a16:creationId xmlns:a16="http://schemas.microsoft.com/office/drawing/2014/main" id="{2C9C839E-D7E7-40AA-A9F0-25F8AF260049}"/>
+                </a:ext>
+              </a:extLst>
+            </p:cNvPr>
+            <p:cNvSpPr/>
+            <p:nvPr/>
+          </p:nvSpPr>
+          <p:spPr>
+            <a:xfrm>
+              <a:off x="5412150" y="3970600"/>
+              <a:ext cx="720000" cy="90000"/>
+            </a:xfrm>
+            <a:prstGeom prst="rect">
+              <a:avLst/>
+            </a:prstGeom>
+            <a:solidFill>
+              <a:schemeClr val="bg1"/>
+            </a:solidFill>
+            <a:ln>
+              <a:noFill/>
+            </a:ln>
+            <a:effectLst/>
+          </p:spPr>
+          <p:style>
+            <a:lnRef idx="2">
+              <a:schemeClr val="accent1">
+                <a:shade val="50000"/>
+              </a:schemeClr>
+            </a:lnRef>
+            <a:fillRef idx="1">
+              <a:schemeClr val="accent1"/>
+            </a:fillRef>
+            <a:effectRef idx="0">
+              <a:schemeClr val="accent1"/>
+            </a:effectRef>
+            <a:fontRef idx="minor">
+              <a:schemeClr val="lt1"/>
+            </a:fontRef>
+          </p:style>
+          <p:txBody>
+            <a:bodyPr rtlCol="0" anchor="ctr"/>
+            <a:lstStyle/>
+            <a:p>
+              <a:pPr marL="0" marR="0" lvl="0" indent="0" algn="ctr" defTabSz="914400" rtl="0" eaLnBrk="1" fontAlgn="auto" latinLnBrk="0" hangingPunct="1">
+                <a:lnSpc>
+                  <a:spcPct val="100000"/>
+                </a:lnSpc>
+                <a:spcBef>
+                  <a:spcPts val="0"/>
+                </a:spcBef>
+                <a:spcAft>
+                  <a:spcPts val="0"/>
+                </a:spcAft>
+                <a:buClrTx/>
+                <a:buSzTx/>
+                <a:buFontTx/>
+                <a:buNone/>
+                <a:tabLst/>
+                <a:defRPr/>
+              </a:pPr>
+              <a:endParaRPr kumimoji="0" lang="zh-CN" altLang="en-US" sz="1800" b="0" i="0" u="none" strike="noStrike" kern="1200" cap="none" spc="0" normalizeH="0" baseline="0" noProof="0">
+                <a:ln>
+                  <a:noFill/>
+                </a:ln>
+                <a:solidFill>
+                  <a:srgbClr val="FFFFFF"/>
+                </a:solidFill>
+                <a:effectLst/>
+                <a:uLnTx/>
+                <a:uFillTx/>
+                <a:latin typeface="Arial"/>
+                <a:ea typeface="微软雅黑"/>
+                <a:cs typeface="+mn-cs"/>
+              </a:endParaRPr>
+            </a:p>
+          </p:txBody>
+        </p:sp>
+      </p:grpSp>
+      <p:grpSp>
+        <p:nvGrpSpPr>
+          <p:cNvPr id="76" name="组合 75">
+            <a:extLst>
+              <a:ext uri="{FF2B5EF4-FFF2-40B4-BE49-F238E27FC236}">
+                <a16:creationId xmlns:a16="http://schemas.microsoft.com/office/drawing/2014/main" id="{20569484-D97A-4612-A3C8-19F561CD404C}"/>
+              </a:ext>
+            </a:extLst>
+          </p:cNvPr>
+          <p:cNvGrpSpPr/>
+          <p:nvPr/>
+        </p:nvGrpSpPr>
+        <p:grpSpPr>
+          <a:xfrm>
+            <a:off x="5345475" y="4420600"/>
+            <a:ext cx="720000" cy="720000"/>
+            <a:chOff x="5412150" y="4420600"/>
+            <a:chExt cx="720000" cy="720000"/>
+          </a:xfrm>
+        </p:grpSpPr>
+        <p:sp>
+          <p:nvSpPr>
+            <p:cNvPr id="62" name="矩形 61">
+              <a:extLst>
+                <a:ext uri="{FF2B5EF4-FFF2-40B4-BE49-F238E27FC236}">
+                  <a16:creationId xmlns:a16="http://schemas.microsoft.com/office/drawing/2014/main" id="{7FBD8A29-E5D4-4173-8567-41E45DDE9E1C}"/>
+                </a:ext>
+              </a:extLst>
+            </p:cNvPr>
+            <p:cNvSpPr/>
+            <p:nvPr/>
+          </p:nvSpPr>
+          <p:spPr>
+            <a:xfrm>
+              <a:off x="5412150" y="4420600"/>
+              <a:ext cx="720000" cy="720000"/>
+            </a:xfrm>
+            <a:prstGeom prst="rect">
+              <a:avLst/>
+            </a:prstGeom>
+            <a:solidFill>
+              <a:schemeClr val="accent2"/>
+            </a:solidFill>
+            <a:ln>
+              <a:noFill/>
+            </a:ln>
+            <a:effectLst>
+              <a:outerShdw blurRad="50800" dist="38100" dir="2700000" algn="tl" rotWithShape="0">
+                <a:prstClr val="black">
+                  <a:alpha val="40000"/>
+                </a:prstClr>
+              </a:outerShdw>
+            </a:effectLst>
+          </p:spPr>
+          <p:style>
+            <a:lnRef idx="2">
+              <a:schemeClr val="accent1">
+                <a:shade val="50000"/>
+              </a:schemeClr>
+            </a:lnRef>
+            <a:fillRef idx="1">
+              <a:schemeClr val="accent1"/>
+            </a:fillRef>
+            <a:effectRef idx="0">
+              <a:schemeClr val="accent1"/>
+            </a:effectRef>
+            <a:fontRef idx="minor">
+              <a:schemeClr val="lt1"/>
+            </a:fontRef>
+          </p:style>
+          <p:txBody>
+            <a:bodyPr rtlCol="0" anchor="ctr"/>
+            <a:lstStyle/>
+            <a:p>
+              <a:pPr marL="0" marR="0" lvl="0" indent="0" algn="ctr" defTabSz="914400" rtl="0" eaLnBrk="1" fontAlgn="auto" latinLnBrk="0" hangingPunct="1">
+                <a:lnSpc>
+                  <a:spcPct val="100000"/>
+                </a:lnSpc>
+                <a:spcBef>
+                  <a:spcPts val="0"/>
+                </a:spcBef>
+                <a:spcAft>
+                  <a:spcPts val="0"/>
+                </a:spcAft>
+                <a:buClrTx/>
+                <a:buSzTx/>
+                <a:buFontTx/>
+                <a:buNone/>
+                <a:tabLst/>
+                <a:defRPr/>
+              </a:pPr>
+              <a:r>
+                <a:rPr kumimoji="0" lang="en-US" altLang="zh-CN" sz="3200" b="1" i="0" u="none" strike="noStrike" kern="1200" cap="none" spc="0" normalizeH="0" baseline="0" noProof="0" dirty="0">
+                  <a:ln>
+                    <a:noFill/>
+                  </a:ln>
+                  <a:solidFill>
+                    <a:srgbClr val="FFFFFF"/>
+                  </a:solidFill>
+                  <a:effectLst/>
+                  <a:uLnTx/>
+                  <a:uFillTx/>
+                  <a:latin typeface="Arial"/>
+                  <a:ea typeface="微软雅黑"/>
+                  <a:cs typeface="+mn-cs"/>
+                </a:rPr>
+                <a:t>4</a:t>
+              </a:r>
+              <a:endParaRPr kumimoji="0" lang="zh-CN" altLang="en-US" sz="3200" b="1" i="0" u="none" strike="noStrike" kern="1200" cap="none" spc="0" normalizeH="0" baseline="0" noProof="0" dirty="0">
+                <a:ln>
+                  <a:noFill/>
+                </a:ln>
+                <a:solidFill>
+                  <a:srgbClr val="FFFFFF"/>
+                </a:solidFill>
+                <a:effectLst/>
+                <a:uLnTx/>
+                <a:uFillTx/>
+                <a:latin typeface="Arial"/>
+                <a:ea typeface="微软雅黑"/>
+                <a:cs typeface="+mn-cs"/>
+              </a:endParaRPr>
+            </a:p>
+          </p:txBody>
+        </p:sp>
+        <p:sp>
+          <p:nvSpPr>
+            <p:cNvPr id="69" name="矩形 68">
+              <a:extLst>
+                <a:ext uri="{FF2B5EF4-FFF2-40B4-BE49-F238E27FC236}">
+                  <a16:creationId xmlns:a16="http://schemas.microsoft.com/office/drawing/2014/main" id="{CC878C90-5C97-4319-A4A9-973F44F684F1}"/>
+                </a:ext>
+              </a:extLst>
+            </p:cNvPr>
+            <p:cNvSpPr/>
+            <p:nvPr/>
+          </p:nvSpPr>
+          <p:spPr>
+            <a:xfrm>
+              <a:off x="5412150" y="5050600"/>
+              <a:ext cx="720000" cy="90000"/>
+            </a:xfrm>
+            <a:prstGeom prst="rect">
+              <a:avLst/>
+            </a:prstGeom>
+            <a:solidFill>
+              <a:schemeClr val="bg1"/>
+            </a:solidFill>
+            <a:ln>
+              <a:noFill/>
+            </a:ln>
+            <a:effectLst/>
+          </p:spPr>
+          <p:style>
+            <a:lnRef idx="2">
+              <a:schemeClr val="accent1">
+                <a:shade val="50000"/>
+              </a:schemeClr>
+            </a:lnRef>
+            <a:fillRef idx="1">
+              <a:schemeClr val="accent1"/>
+            </a:fillRef>
+            <a:effectRef idx="0">
+              <a:schemeClr val="accent1"/>
+            </a:effectRef>
+            <a:fontRef idx="minor">
+              <a:schemeClr val="lt1"/>
+            </a:fontRef>
+          </p:style>
+          <p:txBody>
+            <a:bodyPr rtlCol="0" anchor="ctr"/>
+            <a:lstStyle/>
+            <a:p>
+              <a:pPr marL="0" marR="0" lvl="0" indent="0" algn="ctr" defTabSz="914400" rtl="0" eaLnBrk="1" fontAlgn="auto" latinLnBrk="0" hangingPunct="1">
+                <a:lnSpc>
+                  <a:spcPct val="100000"/>
+                </a:lnSpc>
+                <a:spcBef>
+                  <a:spcPts val="0"/>
+                </a:spcBef>
+                <a:spcAft>
+                  <a:spcPts val="0"/>
+                </a:spcAft>
+                <a:buClrTx/>
+                <a:buSzTx/>
+                <a:buFontTx/>
+                <a:buNone/>
+                <a:tabLst/>
+                <a:defRPr/>
+              </a:pPr>
+              <a:endParaRPr kumimoji="0" lang="zh-CN" altLang="en-US" sz="1800" b="0" i="0" u="none" strike="noStrike" kern="1200" cap="none" spc="0" normalizeH="0" baseline="0" noProof="0">
+                <a:ln>
+                  <a:noFill/>
+                </a:ln>
+                <a:solidFill>
+                  <a:srgbClr val="FFFFFF"/>
+                </a:solidFill>
+                <a:effectLst/>
+                <a:uLnTx/>
+                <a:uFillTx/>
+                <a:latin typeface="Arial"/>
+                <a:ea typeface="微软雅黑"/>
+                <a:cs typeface="+mn-cs"/>
+              </a:endParaRPr>
+            </a:p>
+          </p:txBody>
+        </p:sp>
+      </p:grpSp>
+      <p:sp>
+        <p:nvSpPr>
+          <p:cNvPr id="70" name="矩形 69">
+            <a:extLst>
+              <a:ext uri="{FF2B5EF4-FFF2-40B4-BE49-F238E27FC236}">
+                <a16:creationId xmlns:a16="http://schemas.microsoft.com/office/drawing/2014/main" id="{6043BFAA-FB50-4303-9785-5DF074A22CF4}"/>
+              </a:ext>
+            </a:extLst>
+          </p:cNvPr>
+          <p:cNvSpPr/>
+          <p:nvPr/>
+        </p:nvSpPr>
+        <p:spPr>
+          <a:xfrm>
+            <a:off x="6275750" y="2260600"/>
+            <a:ext cx="4671650" cy="720000"/>
+          </a:xfrm>
+          <a:prstGeom prst="rect">
+            <a:avLst/>
+          </a:prstGeom>
+          <a:solidFill>
+            <a:schemeClr val="bg1"/>
+          </a:solidFill>
+          <a:ln>
+            <a:noFill/>
+          </a:ln>
+          <a:effectLst>
+            <a:outerShdw blurRad="50800" dist="38100" dir="2700000" algn="tl" rotWithShape="0">
+              <a:prstClr val="black">
+                <a:alpha val="40000"/>
+              </a:prstClr>
+            </a:outerShdw>
+          </a:effectLst>
+        </p:spPr>
+        <p:style>
+          <a:lnRef idx="2">
+            <a:schemeClr val="accent1">
+              <a:shade val="50000"/>
+            </a:schemeClr>
+          </a:lnRef>
+          <a:fillRef idx="1">
+            <a:schemeClr val="accent1"/>
+          </a:fillRef>
+          <a:effectRef idx="0">
+            <a:schemeClr val="accent1"/>
+          </a:effectRef>
+          <a:fontRef idx="minor">
+            <a:schemeClr val="lt1"/>
+          </a:fontRef>
+        </p:style>
+        <p:txBody>
+          <a:bodyPr rtlCol="0" anchor="ctr"/>
+          <a:lstStyle/>
+          <a:p>
+            <a:pPr marL="0" marR="0" lvl="0" indent="0" algn="ctr" defTabSz="914400" rtl="0" eaLnBrk="1" fontAlgn="auto" latinLnBrk="0" hangingPunct="1">
+              <a:lnSpc>
+                <a:spcPct val="100000"/>
+              </a:lnSpc>
+              <a:spcBef>
+                <a:spcPts val="0"/>
+              </a:spcBef>
+              <a:spcAft>
+                <a:spcPts val="0"/>
+              </a:spcAft>
+              <a:buClrTx/>
+              <a:buSzTx/>
+              <a:buFontTx/>
+              <a:buNone/>
+              <a:tabLst/>
+              <a:defRPr/>
+            </a:pPr>
+            <a:r>
+              <a:rPr kumimoji="0" lang="zh-CN" altLang="en-US" sz="2800" b="1" i="0" u="none" strike="noStrike" kern="1200" cap="none" spc="0" normalizeH="0" baseline="0" noProof="0" dirty="0">
+                <a:ln>
+                  <a:noFill/>
+                </a:ln>
+                <a:solidFill>
+                  <a:srgbClr val="44546A"/>
+                </a:solidFill>
+                <a:effectLst/>
+                <a:uLnTx/>
+                <a:uFillTx/>
+                <a:latin typeface="Arial"/>
+                <a:ea typeface="微软雅黑"/>
+                <a:cs typeface="+mn-cs"/>
+              </a:rPr>
+              <a:t>神经网络算法分析</a:t>
+            </a:r>
           </a:p>
         </p:txBody>
       </p:sp>
       <p:sp>
         <p:nvSpPr>
-          <p:cNvPr id="3" name="Text Placeholder 2">
-            <a:extLst>
-              <a:ext uri="{FF2B5EF4-FFF2-40B4-BE49-F238E27FC236}">
-                <a16:creationId xmlns:a16="http://schemas.microsoft.com/office/drawing/2014/main" id="{BDBB22C1-B888-497C-AB15-518855EC4ABF}"/>
-              </a:ext>
-            </a:extLst>
-          </p:cNvPr>
-          <p:cNvSpPr>
-            <a:spLocks noGrp="1"/>
-          </p:cNvSpPr>
-          <p:nvPr>
-            <p:ph type="body" sz="quarter" idx="11"/>
-          </p:nvPr>
+          <p:cNvPr id="71" name="矩形 70">
+            <a:extLst>
+              <a:ext uri="{FF2B5EF4-FFF2-40B4-BE49-F238E27FC236}">
+                <a16:creationId xmlns:a16="http://schemas.microsoft.com/office/drawing/2014/main" id="{27B11E5F-E40B-47E0-8FBA-8F6C0035B72A}"/>
+              </a:ext>
+            </a:extLst>
+          </p:cNvPr>
+          <p:cNvSpPr/>
+          <p:nvPr/>
         </p:nvSpPr>
         <p:spPr>
           <a:xfrm>
-            <a:off x="1075351" y="43657"/>
-            <a:ext cx="9186249" cy="598488"/>
-          </a:xfrm>
-        </p:spPr>
+            <a:off x="6275750" y="3340600"/>
+            <a:ext cx="4671650" cy="720000"/>
+          </a:xfrm>
+          <a:prstGeom prst="rect">
+            <a:avLst/>
+          </a:prstGeom>
+          <a:solidFill>
+            <a:schemeClr val="bg1"/>
+          </a:solidFill>
+          <a:ln>
+            <a:noFill/>
+          </a:ln>
+          <a:effectLst>
+            <a:outerShdw blurRad="50800" dist="38100" dir="2700000" algn="tl" rotWithShape="0">
+              <a:prstClr val="black">
+                <a:alpha val="40000"/>
+              </a:prstClr>
+            </a:outerShdw>
+          </a:effectLst>
+        </p:spPr>
+        <p:style>
+          <a:lnRef idx="2">
+            <a:schemeClr val="accent1">
+              <a:shade val="50000"/>
+            </a:schemeClr>
+          </a:lnRef>
+          <a:fillRef idx="1">
+            <a:schemeClr val="accent1"/>
+          </a:fillRef>
+          <a:effectRef idx="0">
+            <a:schemeClr val="accent1"/>
+          </a:effectRef>
+          <a:fontRef idx="minor">
+            <a:schemeClr val="lt1"/>
+          </a:fontRef>
+        </p:style>
         <p:txBody>
-          <a:bodyPr/>
+          <a:bodyPr rtlCol="0" anchor="ctr"/>
           <a:lstStyle/>
           <a:p>
+            <a:pPr marL="0" marR="0" lvl="0" indent="0" algn="ctr" defTabSz="914400" rtl="0" eaLnBrk="1" fontAlgn="auto" latinLnBrk="0" hangingPunct="1">
+              <a:lnSpc>
+                <a:spcPct val="100000"/>
+              </a:lnSpc>
+              <a:spcBef>
+                <a:spcPts val="0"/>
+              </a:spcBef>
+              <a:spcAft>
+                <a:spcPts val="0"/>
+              </a:spcAft>
+              <a:buClrTx/>
+              <a:buSzTx/>
+              <a:buFontTx/>
+              <a:buNone/>
+              <a:tabLst/>
+              <a:defRPr/>
+            </a:pPr>
             <a:r>
-              <a:rPr lang="zh-CN" altLang="en-US" dirty="0"/>
-              <a:t>存内计算</a:t>
+              <a:rPr kumimoji="0" lang="en-US" altLang="zh-CN" sz="2800" b="0" i="0" u="none" strike="noStrike" kern="1200" cap="none" spc="0" normalizeH="0" baseline="0" noProof="0" dirty="0">
+                <a:ln>
+                  <a:noFill/>
+                </a:ln>
+                <a:solidFill>
+                  <a:srgbClr val="24292F"/>
+                </a:solidFill>
+                <a:effectLst/>
+                <a:uLnTx/>
+                <a:uFillTx/>
+                <a:latin typeface="-apple-system"/>
+                <a:ea typeface="微软雅黑"/>
+                <a:cs typeface="+mn-cs"/>
+              </a:rPr>
+              <a:t> </a:t>
+            </a:r>
+            <a:r>
+              <a:rPr kumimoji="0" lang="zh-CN" altLang="en-US" sz="2800" b="1" i="0" u="none" strike="noStrike" kern="1200" cap="none" spc="0" normalizeH="0" baseline="0" noProof="0" dirty="0">
+                <a:ln>
+                  <a:noFill/>
+                </a:ln>
+                <a:solidFill>
+                  <a:srgbClr val="44546A"/>
+                </a:solidFill>
+                <a:effectLst/>
+                <a:uLnTx/>
+                <a:uFillTx/>
+                <a:latin typeface="Arial"/>
+                <a:ea typeface="微软雅黑"/>
+                <a:cs typeface="+mn-cs"/>
+              </a:rPr>
+              <a:t>加速器电路设计</a:t>
             </a:r>
           </a:p>
         </p:txBody>
       </p:sp>
       <p:sp>
         <p:nvSpPr>
-          <p:cNvPr id="7" name="文本占位符 5">
-            <a:extLst>
-              <a:ext uri="{FF2B5EF4-FFF2-40B4-BE49-F238E27FC236}">
-                <a16:creationId xmlns:a16="http://schemas.microsoft.com/office/drawing/2014/main" id="{08664482-F7B5-4622-8A8C-18371A03964E}"/>
-              </a:ext>
-            </a:extLst>
-          </p:cNvPr>
-          <p:cNvSpPr txBox="1">
-            <a:spLocks/>
-          </p:cNvSpPr>
+          <p:cNvPr id="72" name="矩形 71">
+            <a:extLst>
+              <a:ext uri="{FF2B5EF4-FFF2-40B4-BE49-F238E27FC236}">
+                <a16:creationId xmlns:a16="http://schemas.microsoft.com/office/drawing/2014/main" id="{48027BF7-8527-4C35-8DDA-D8F9150CE05E}"/>
+              </a:ext>
+            </a:extLst>
+          </p:cNvPr>
+          <p:cNvSpPr/>
           <p:nvPr/>
         </p:nvSpPr>
         <p:spPr>
           <a:xfrm>
-            <a:off x="304798" y="812801"/>
-            <a:ext cx="11582402" cy="5520706"/>
+            <a:off x="6275750" y="4420600"/>
+            <a:ext cx="4671650" cy="720000"/>
           </a:xfrm>
           <a:prstGeom prst="rect">
             <a:avLst/>
           </a:prstGeom>
-        </p:spPr>
+          <a:solidFill>
+            <a:schemeClr val="bg1"/>
+          </a:solidFill>
+          <a:ln>
+            <a:noFill/>
+          </a:ln>
+          <a:effectLst>
+            <a:outerShdw blurRad="50800" dist="38100" dir="2700000" algn="tl" rotWithShape="0">
+              <a:prstClr val="black">
+                <a:alpha val="40000"/>
+              </a:prstClr>
+            </a:outerShdw>
+          </a:effectLst>
+        </p:spPr>
+        <p:style>
+          <a:lnRef idx="2">
+            <a:schemeClr val="accent1">
+              <a:shade val="50000"/>
+            </a:schemeClr>
+          </a:lnRef>
+          <a:fillRef idx="1">
+            <a:schemeClr val="accent1"/>
+          </a:fillRef>
+          <a:effectRef idx="0">
+            <a:schemeClr val="accent1"/>
+          </a:effectRef>
+          <a:fontRef idx="minor">
+            <a:schemeClr val="lt1"/>
+          </a:fontRef>
+        </p:style>
         <p:txBody>
-          <a:bodyPr/>
-          <a:lstStyle>
-            <a:lvl1pPr marL="228600" indent="-228600" algn="l" defTabSz="914400" rtl="0" eaLnBrk="1" latinLnBrk="0" hangingPunct="1">
-              <a:lnSpc>
-                <a:spcPct val="130000"/>
-              </a:lnSpc>
-              <a:spcBef>
-                <a:spcPts val="1000"/>
-              </a:spcBef>
-              <a:buFontTx/>
-              <a:buBlip>
-                <a:blip r:embed="rId2"/>
-              </a:buBlip>
-              <a:defRPr sz="2000" kern="1200">
-                <a:solidFill>
-                  <a:schemeClr val="accent2"/>
-                </a:solidFill>
-                <a:latin typeface="+mn-lt"/>
-                <a:ea typeface="+mn-ea"/>
-                <a:cs typeface="+mn-cs"/>
-              </a:defRPr>
-            </a:lvl1pPr>
-            <a:lvl2pPr marL="685800" indent="-228600" algn="l" defTabSz="914400" rtl="0" eaLnBrk="1" latinLnBrk="0" hangingPunct="1">
-              <a:lnSpc>
-                <a:spcPct val="130000"/>
-              </a:lnSpc>
-              <a:spcBef>
-                <a:spcPts val="500"/>
-              </a:spcBef>
-              <a:buFont typeface="Arial" panose="020B0604020202020204" pitchFamily="34" charset="0"/>
-              <a:buChar char="•"/>
-              <a:defRPr sz="2000" kern="1200">
-                <a:solidFill>
-                  <a:schemeClr val="accent2"/>
-                </a:solidFill>
-                <a:latin typeface="+mn-lt"/>
-                <a:ea typeface="+mn-ea"/>
-                <a:cs typeface="+mn-cs"/>
-              </a:defRPr>
-            </a:lvl2pPr>
-            <a:lvl3pPr marL="1143000" indent="-228600" algn="l" defTabSz="914400" rtl="0" eaLnBrk="1" latinLnBrk="0" hangingPunct="1">
-              <a:lnSpc>
-                <a:spcPct val="130000"/>
-              </a:lnSpc>
-              <a:spcBef>
-                <a:spcPts val="500"/>
-              </a:spcBef>
-              <a:buFont typeface="Arial" panose="020B0604020202020204" pitchFamily="34" charset="0"/>
-              <a:buChar char="•"/>
-              <a:defRPr sz="1800" kern="1200">
-                <a:solidFill>
-                  <a:schemeClr val="accent2"/>
-                </a:solidFill>
-                <a:latin typeface="+mn-lt"/>
-                <a:ea typeface="+mn-ea"/>
-                <a:cs typeface="+mn-cs"/>
-              </a:defRPr>
-            </a:lvl3pPr>
-            <a:lvl4pPr marL="1600200" indent="-228600" algn="l" defTabSz="914400" rtl="0" eaLnBrk="1" latinLnBrk="0" hangingPunct="1">
-              <a:lnSpc>
-                <a:spcPct val="130000"/>
-              </a:lnSpc>
-              <a:spcBef>
-                <a:spcPts val="500"/>
-              </a:spcBef>
-              <a:buFont typeface="Arial" panose="020B0604020202020204" pitchFamily="34" charset="0"/>
-              <a:buChar char="•"/>
-              <a:defRPr sz="1600" kern="1200">
-                <a:solidFill>
-                  <a:schemeClr val="accent2"/>
-                </a:solidFill>
-                <a:latin typeface="+mn-lt"/>
-                <a:ea typeface="+mn-ea"/>
-                <a:cs typeface="+mn-cs"/>
-              </a:defRPr>
-            </a:lvl4pPr>
-            <a:lvl5pPr marL="2057400" indent="-228600" algn="l" defTabSz="914400" rtl="0" eaLnBrk="1" latinLnBrk="0" hangingPunct="1">
-              <a:lnSpc>
-                <a:spcPct val="130000"/>
-              </a:lnSpc>
-              <a:spcBef>
-                <a:spcPts val="500"/>
-              </a:spcBef>
-              <a:buFont typeface="Arial" panose="020B0604020202020204" pitchFamily="34" charset="0"/>
-              <a:buChar char="•"/>
-              <a:defRPr sz="1600" kern="1200">
-                <a:solidFill>
-                  <a:schemeClr val="accent2"/>
-                </a:solidFill>
-                <a:latin typeface="+mn-lt"/>
-                <a:ea typeface="+mn-ea"/>
-                <a:cs typeface="+mn-cs"/>
-              </a:defRPr>
-            </a:lvl5pPr>
-            <a:lvl6pPr marL="2514600" indent="-228600" algn="l" defTabSz="914400" rtl="0" eaLnBrk="1" latinLnBrk="0" hangingPunct="1">
-              <a:lnSpc>
-                <a:spcPct val="90000"/>
-              </a:lnSpc>
-              <a:spcBef>
-                <a:spcPts val="500"/>
-              </a:spcBef>
-              <a:buFont typeface="Arial" panose="020B0604020202020204" pitchFamily="34" charset="0"/>
-              <a:buChar char="•"/>
-              <a:defRPr sz="1800" kern="1200">
-                <a:solidFill>
-                  <a:schemeClr val="tx1"/>
-                </a:solidFill>
-                <a:latin typeface="+mn-lt"/>
-                <a:ea typeface="+mn-ea"/>
-                <a:cs typeface="+mn-cs"/>
-              </a:defRPr>
-            </a:lvl6pPr>
-            <a:lvl7pPr marL="2971800" indent="-228600" algn="l" defTabSz="914400" rtl="0" eaLnBrk="1" latinLnBrk="0" hangingPunct="1">
-              <a:lnSpc>
-                <a:spcPct val="90000"/>
-              </a:lnSpc>
-              <a:spcBef>
-                <a:spcPts val="500"/>
-              </a:spcBef>
-              <a:buFont typeface="Arial" panose="020B0604020202020204" pitchFamily="34" charset="0"/>
-              <a:buChar char="•"/>
-              <a:defRPr sz="1800" kern="1200">
-                <a:solidFill>
-                  <a:schemeClr val="tx1"/>
-                </a:solidFill>
-                <a:latin typeface="+mn-lt"/>
-                <a:ea typeface="+mn-ea"/>
-                <a:cs typeface="+mn-cs"/>
-              </a:defRPr>
-            </a:lvl7pPr>
-            <a:lvl8pPr marL="3429000" indent="-228600" algn="l" defTabSz="914400" rtl="0" eaLnBrk="1" latinLnBrk="0" hangingPunct="1">
-              <a:lnSpc>
-                <a:spcPct val="90000"/>
-              </a:lnSpc>
-              <a:spcBef>
-                <a:spcPts val="500"/>
-              </a:spcBef>
-              <a:buFont typeface="Arial" panose="020B0604020202020204" pitchFamily="34" charset="0"/>
-              <a:buChar char="•"/>
-              <a:defRPr sz="1800" kern="1200">
-                <a:solidFill>
-                  <a:schemeClr val="tx1"/>
-                </a:solidFill>
-                <a:latin typeface="+mn-lt"/>
-                <a:ea typeface="+mn-ea"/>
-                <a:cs typeface="+mn-cs"/>
-              </a:defRPr>
-            </a:lvl8pPr>
-            <a:lvl9pPr marL="3886200" indent="-228600" algn="l" defTabSz="914400" rtl="0" eaLnBrk="1" latinLnBrk="0" hangingPunct="1">
-              <a:lnSpc>
-                <a:spcPct val="90000"/>
-              </a:lnSpc>
-              <a:spcBef>
-                <a:spcPts val="500"/>
-              </a:spcBef>
-              <a:buFont typeface="Arial" panose="020B0604020202020204" pitchFamily="34" charset="0"/>
-              <a:buChar char="•"/>
-              <a:defRPr sz="1800" kern="1200">
-                <a:solidFill>
-                  <a:schemeClr val="tx1"/>
-                </a:solidFill>
-                <a:latin typeface="+mn-lt"/>
-                <a:ea typeface="+mn-ea"/>
-                <a:cs typeface="+mn-cs"/>
-              </a:defRPr>
-            </a:lvl9pPr>
-          </a:lstStyle>
-          <a:p>
-            <a:pPr>
+          <a:bodyPr rtlCol="0" anchor="ctr"/>
+          <a:lstStyle/>
+          <a:p>
+            <a:pPr marL="0" marR="0" lvl="0" indent="0" algn="ctr" defTabSz="914400" rtl="0" eaLnBrk="1" fontAlgn="auto" latinLnBrk="0" hangingPunct="1">
               <a:lnSpc>
                 <a:spcPct val="100000"/>
               </a:lnSpc>
-              <a:buFont typeface="Wingdings" panose="05000000000000000000" pitchFamily="2" charset="2"/>
-              <a:buChar char="p"/>
+              <a:spcBef>
+                <a:spcPts val="0"/>
+              </a:spcBef>
+              <a:spcAft>
+                <a:spcPts val="0"/>
+              </a:spcAft>
+              <a:buClrTx/>
+              <a:buSzTx/>
+              <a:buFontTx/>
+              <a:buNone/>
+              <a:tabLst/>
+              <a:defRPr/>
             </a:pPr>
             <a:r>
-              <a:rPr lang="zh-CN" altLang="en-US" b="1" dirty="0">
-                <a:solidFill>
-                  <a:schemeClr val="tx1"/>
-                </a:solidFill>
-                <a:sym typeface="Wingdings" panose="05000000000000000000" pitchFamily="2" charset="2"/>
+              <a:rPr kumimoji="0" lang="zh-CN" altLang="en-US" sz="2800" b="1" i="0" u="none" strike="noStrike" kern="1200" cap="none" spc="0" normalizeH="0" baseline="0" noProof="0" dirty="0">
+                <a:ln>
+                  <a:noFill/>
+                </a:ln>
+                <a:solidFill>
+                  <a:srgbClr val="44546A"/>
+                </a:solidFill>
+                <a:effectLst/>
+                <a:uLnTx/>
+                <a:uFillTx/>
+                <a:latin typeface="Arial"/>
+                <a:ea typeface="微软雅黑"/>
+                <a:cs typeface="+mn-cs"/>
               </a:rPr>
-              <a:t>卷积神经网络等人工智能算法被广泛应用于多种计算场景</a:t>
+              <a:t>电路仿真和综合结果</a:t>
             </a:r>
-          </a:p>
-          <a:p>
-            <a:pPr>
-              <a:lnSpc>
-                <a:spcPct val="100000"/>
-              </a:lnSpc>
-              <a:buFont typeface="Wingdings" panose="05000000000000000000" pitchFamily="2" charset="2"/>
-              <a:buChar char="p"/>
-            </a:pPr>
-            <a:r>
-              <a:rPr lang="zh-CN" altLang="en-US" b="1" dirty="0">
-                <a:solidFill>
-                  <a:schemeClr val="tx1"/>
-                </a:solidFill>
-                <a:sym typeface="Wingdings" panose="05000000000000000000" pitchFamily="2" charset="2"/>
-              </a:rPr>
-              <a:t>传统冯</a:t>
-            </a:r>
-            <a:r>
-              <a:rPr lang="en-US" altLang="zh-CN" b="1" dirty="0">
-                <a:solidFill>
-                  <a:schemeClr val="tx1"/>
-                </a:solidFill>
-                <a:sym typeface="Wingdings" panose="05000000000000000000" pitchFamily="2" charset="2"/>
-              </a:rPr>
-              <a:t>·</a:t>
-            </a:r>
-            <a:r>
-              <a:rPr lang="zh-CN" altLang="en-US" b="1" dirty="0">
-                <a:solidFill>
-                  <a:schemeClr val="tx1"/>
-                </a:solidFill>
-                <a:sym typeface="Wingdings" panose="05000000000000000000" pitchFamily="2" charset="2"/>
-              </a:rPr>
-              <a:t>诺依曼架构存算分离，处理</a:t>
-            </a:r>
-            <a:r>
-              <a:rPr lang="en-US" altLang="zh-CN" b="1" dirty="0">
-                <a:solidFill>
-                  <a:schemeClr val="tx1"/>
-                </a:solidFill>
-                <a:sym typeface="Wingdings" panose="05000000000000000000" pitchFamily="2" charset="2"/>
-              </a:rPr>
-              <a:t>CNN</a:t>
-            </a:r>
-            <a:r>
-              <a:rPr lang="zh-CN" altLang="en-US" b="1" dirty="0">
-                <a:solidFill>
-                  <a:schemeClr val="tx1"/>
-                </a:solidFill>
-                <a:sym typeface="Wingdings" panose="05000000000000000000" pitchFamily="2" charset="2"/>
-              </a:rPr>
-              <a:t>等数据密集型应用时数据搬移开销巨大</a:t>
-            </a:r>
-          </a:p>
-          <a:p>
-            <a:pPr>
-              <a:lnSpc>
-                <a:spcPct val="100000"/>
-              </a:lnSpc>
-              <a:buFont typeface="Wingdings" panose="05000000000000000000" pitchFamily="2" charset="2"/>
-              <a:buChar char="p"/>
-            </a:pPr>
-            <a:r>
-              <a:rPr lang="zh-CN" altLang="en-US" b="1" dirty="0">
-                <a:solidFill>
-                  <a:schemeClr val="tx1"/>
-                </a:solidFill>
-                <a:sym typeface="Wingdings" panose="05000000000000000000" pitchFamily="2" charset="2"/>
-              </a:rPr>
-              <a:t>存内计算将计算功能集成到存储单元中，可有效避免数据搬移开销</a:t>
-            </a:r>
-          </a:p>
-        </p:txBody>
-      </p:sp>
-      <p:pic>
-        <p:nvPicPr>
-          <p:cNvPr id="24" name="Picture 23">
-            <a:extLst>
-              <a:ext uri="{FF2B5EF4-FFF2-40B4-BE49-F238E27FC236}">
-                <a16:creationId xmlns:a16="http://schemas.microsoft.com/office/drawing/2014/main" id="{05A88CF0-CBC5-4FF9-97B0-C95A01043143}"/>
-              </a:ext>
-            </a:extLst>
-          </p:cNvPr>
-          <p:cNvPicPr>
-            <a:picLocks noChangeAspect="1"/>
-          </p:cNvPicPr>
-          <p:nvPr/>
-        </p:nvPicPr>
-        <p:blipFill>
-          <a:blip r:embed="rId3">
-            <a:extLst>
-              <a:ext uri="{28A0092B-C50C-407E-A947-70E740481C1C}">
-                <a14:useLocalDpi xmlns:a14="http://schemas.microsoft.com/office/drawing/2010/main" val="0"/>
-              </a:ext>
-            </a:extLst>
-          </a:blip>
-          <a:stretch>
-            <a:fillRect/>
-          </a:stretch>
-        </p:blipFill>
-        <p:spPr>
-          <a:xfrm>
-            <a:off x="503454" y="3032760"/>
-            <a:ext cx="5459691" cy="2330582"/>
-          </a:xfrm>
-          <a:prstGeom prst="rect">
-            <a:avLst/>
-          </a:prstGeom>
-        </p:spPr>
-      </p:pic>
-      <p:pic>
-        <p:nvPicPr>
-          <p:cNvPr id="25" name="Picture 24">
-            <a:extLst>
-              <a:ext uri="{FF2B5EF4-FFF2-40B4-BE49-F238E27FC236}">
-                <a16:creationId xmlns:a16="http://schemas.microsoft.com/office/drawing/2014/main" id="{9B2769E6-E52B-4842-933D-D76B0FA47F31}"/>
-              </a:ext>
-            </a:extLst>
-          </p:cNvPr>
-          <p:cNvPicPr>
-            <a:picLocks noChangeAspect="1"/>
-          </p:cNvPicPr>
-          <p:nvPr/>
-        </p:nvPicPr>
-        <p:blipFill>
-          <a:blip r:embed="rId4">
-            <a:extLst>
-              <a:ext uri="{28A0092B-C50C-407E-A947-70E740481C1C}">
-                <a14:useLocalDpi xmlns:a14="http://schemas.microsoft.com/office/drawing/2010/main" val="0"/>
-              </a:ext>
-            </a:extLst>
-          </a:blip>
-          <a:stretch>
-            <a:fillRect/>
-          </a:stretch>
-        </p:blipFill>
-        <p:spPr>
-          <a:xfrm>
-            <a:off x="6440254" y="3032760"/>
-            <a:ext cx="5248292" cy="2330582"/>
-          </a:xfrm>
-          <a:prstGeom prst="rect">
-            <a:avLst/>
-          </a:prstGeom>
-        </p:spPr>
-      </p:pic>
-      <p:sp>
-        <p:nvSpPr>
-          <p:cNvPr id="26" name="Rectangle 25">
-            <a:extLst>
-              <a:ext uri="{FF2B5EF4-FFF2-40B4-BE49-F238E27FC236}">
-                <a16:creationId xmlns:a16="http://schemas.microsoft.com/office/drawing/2014/main" id="{6D6BF710-D6B9-4422-923A-C93AA3BF82AB}"/>
-              </a:ext>
-            </a:extLst>
-          </p:cNvPr>
-          <p:cNvSpPr/>
-          <p:nvPr/>
-        </p:nvSpPr>
-        <p:spPr>
-          <a:xfrm>
-            <a:off x="2080579" y="2632650"/>
-            <a:ext cx="2305439" cy="400110"/>
-          </a:xfrm>
-          <a:prstGeom prst="rect">
-            <a:avLst/>
-          </a:prstGeom>
-        </p:spPr>
-        <p:txBody>
-          <a:bodyPr wrap="none">
-            <a:spAutoFit/>
-          </a:bodyPr>
-          <a:lstStyle/>
-          <a:p>
-            <a:pPr algn="ctr"/>
-            <a:r>
-              <a:rPr lang="zh-CN" altLang="en-US" sz="2000" b="1" dirty="0">
-                <a:latin typeface="Calibri" panose="020F0502020204030204" pitchFamily="34" charset="0"/>
-                <a:ea typeface="微软雅黑" panose="020B0503020204020204" pitchFamily="34" charset="-122"/>
-                <a:cs typeface="Calibri" panose="020F0502020204030204" pitchFamily="34" charset="0"/>
-              </a:rPr>
-              <a:t>传统冯</a:t>
-            </a:r>
-            <a:r>
-              <a:rPr lang="en-US" altLang="zh-CN" sz="2000" b="1" dirty="0">
-                <a:latin typeface="Calibri" panose="020F0502020204030204" pitchFamily="34" charset="0"/>
-                <a:ea typeface="微软雅黑" panose="020B0503020204020204" pitchFamily="34" charset="-122"/>
-                <a:cs typeface="Calibri" panose="020F0502020204030204" pitchFamily="34" charset="0"/>
-              </a:rPr>
-              <a:t>·</a:t>
-            </a:r>
-            <a:r>
-              <a:rPr lang="zh-CN" altLang="en-US" sz="2000" b="1" dirty="0">
-                <a:latin typeface="Calibri" panose="020F0502020204030204" pitchFamily="34" charset="0"/>
-                <a:ea typeface="微软雅黑" panose="020B0503020204020204" pitchFamily="34" charset="-122"/>
-                <a:cs typeface="Calibri" panose="020F0502020204030204" pitchFamily="34" charset="0"/>
-              </a:rPr>
-              <a:t>诺伊曼架构</a:t>
-            </a:r>
-            <a:endParaRPr lang="zh-CN" altLang="en-US" sz="2000" dirty="0"/>
-          </a:p>
-        </p:txBody>
-      </p:sp>
-      <p:sp>
-        <p:nvSpPr>
-          <p:cNvPr id="27" name="Rectangle 26">
-            <a:extLst>
-              <a:ext uri="{FF2B5EF4-FFF2-40B4-BE49-F238E27FC236}">
-                <a16:creationId xmlns:a16="http://schemas.microsoft.com/office/drawing/2014/main" id="{11FE4500-8303-437C-B88C-711B385273CE}"/>
-              </a:ext>
-            </a:extLst>
-          </p:cNvPr>
-          <p:cNvSpPr/>
-          <p:nvPr/>
-        </p:nvSpPr>
-        <p:spPr>
-          <a:xfrm>
-            <a:off x="1493879" y="5506405"/>
-            <a:ext cx="3478837" cy="707886"/>
-          </a:xfrm>
-          <a:prstGeom prst="rect">
-            <a:avLst/>
-          </a:prstGeom>
-        </p:spPr>
-        <p:txBody>
-          <a:bodyPr wrap="none">
-            <a:spAutoFit/>
-          </a:bodyPr>
-          <a:lstStyle/>
-          <a:p>
-            <a:pPr algn="ctr"/>
-            <a:r>
-              <a:rPr lang="zh-CN" altLang="en-US" sz="2000" b="1" dirty="0">
-                <a:solidFill>
-                  <a:srgbClr val="C00000"/>
-                </a:solidFill>
-                <a:latin typeface="Calibri" panose="020F0502020204030204" pitchFamily="34" charset="0"/>
-                <a:ea typeface="微软雅黑" panose="020B0503020204020204" pitchFamily="34" charset="-122"/>
-                <a:cs typeface="Calibri" panose="020F0502020204030204" pitchFamily="34" charset="0"/>
-              </a:rPr>
-              <a:t>处理</a:t>
-            </a:r>
-            <a:r>
-              <a:rPr lang="en-US" altLang="zh-CN" sz="2000" b="1" dirty="0">
-                <a:solidFill>
-                  <a:srgbClr val="C00000"/>
-                </a:solidFill>
-                <a:latin typeface="Calibri" panose="020F0502020204030204" pitchFamily="34" charset="0"/>
-                <a:ea typeface="微软雅黑" panose="020B0503020204020204" pitchFamily="34" charset="-122"/>
-                <a:cs typeface="Calibri" panose="020F0502020204030204" pitchFamily="34" charset="0"/>
-              </a:rPr>
-              <a:t>CNN</a:t>
-            </a:r>
-            <a:r>
-              <a:rPr lang="zh-CN" altLang="en-US" sz="2000" b="1" dirty="0">
-                <a:solidFill>
-                  <a:srgbClr val="C00000"/>
-                </a:solidFill>
-                <a:latin typeface="Calibri" panose="020F0502020204030204" pitchFamily="34" charset="0"/>
-                <a:ea typeface="微软雅黑" panose="020B0503020204020204" pitchFamily="34" charset="-122"/>
-                <a:cs typeface="Calibri" panose="020F0502020204030204" pitchFamily="34" charset="0"/>
-              </a:rPr>
-              <a:t>等数据密集型应用时</a:t>
-            </a:r>
-            <a:endParaRPr lang="en-US" altLang="zh-CN" sz="2000" b="1" dirty="0">
-              <a:solidFill>
-                <a:srgbClr val="C00000"/>
-              </a:solidFill>
-              <a:latin typeface="Calibri" panose="020F0502020204030204" pitchFamily="34" charset="0"/>
-              <a:ea typeface="微软雅黑" panose="020B0503020204020204" pitchFamily="34" charset="-122"/>
-              <a:cs typeface="Calibri" panose="020F0502020204030204" pitchFamily="34" charset="0"/>
-            </a:endParaRPr>
-          </a:p>
-          <a:p>
-            <a:pPr algn="ctr"/>
-            <a:r>
-              <a:rPr lang="zh-CN" altLang="en-US" sz="2000" b="1" dirty="0">
-                <a:solidFill>
-                  <a:srgbClr val="C00000"/>
-                </a:solidFill>
-                <a:latin typeface="Calibri" panose="020F0502020204030204" pitchFamily="34" charset="0"/>
-                <a:ea typeface="微软雅黑" panose="020B0503020204020204" pitchFamily="34" charset="-122"/>
-                <a:cs typeface="Calibri" panose="020F0502020204030204" pitchFamily="34" charset="0"/>
-              </a:rPr>
-              <a:t>数据搬移开销巨大</a:t>
-            </a:r>
-            <a:endParaRPr lang="zh-CN" altLang="en-US" sz="2000" dirty="0">
-              <a:solidFill>
-                <a:srgbClr val="C00000"/>
-              </a:solidFill>
-            </a:endParaRPr>
-          </a:p>
-        </p:txBody>
-      </p:sp>
-      <p:sp>
-        <p:nvSpPr>
-          <p:cNvPr id="28" name="Rectangle 27">
-            <a:extLst>
-              <a:ext uri="{FF2B5EF4-FFF2-40B4-BE49-F238E27FC236}">
-                <a16:creationId xmlns:a16="http://schemas.microsoft.com/office/drawing/2014/main" id="{7CF9BBF6-311D-426D-9171-80EAB7D142C6}"/>
-              </a:ext>
-            </a:extLst>
-          </p:cNvPr>
-          <p:cNvSpPr/>
-          <p:nvPr/>
-        </p:nvSpPr>
-        <p:spPr>
-          <a:xfrm>
-            <a:off x="7689664" y="5660293"/>
-            <a:ext cx="2749471" cy="400110"/>
-          </a:xfrm>
-          <a:prstGeom prst="rect">
-            <a:avLst/>
-          </a:prstGeom>
-        </p:spPr>
-        <p:txBody>
-          <a:bodyPr wrap="none">
-            <a:spAutoFit/>
-          </a:bodyPr>
-          <a:lstStyle/>
-          <a:p>
-            <a:pPr algn="ctr"/>
-            <a:r>
-              <a:rPr lang="zh-CN" altLang="en-US" sz="2000" b="1" dirty="0">
-                <a:solidFill>
-                  <a:srgbClr val="006600"/>
-                </a:solidFill>
-                <a:latin typeface="Calibri" panose="020F0502020204030204" pitchFamily="34" charset="0"/>
-                <a:ea typeface="微软雅黑" panose="020B0503020204020204" pitchFamily="34" charset="-122"/>
-                <a:cs typeface="Calibri" panose="020F0502020204030204" pitchFamily="34" charset="0"/>
-              </a:rPr>
-              <a:t>有效避免数据搬移开销</a:t>
-            </a:r>
-            <a:endParaRPr lang="zh-CN" altLang="en-US" sz="2000" dirty="0">
-              <a:solidFill>
-                <a:srgbClr val="006600"/>
-              </a:solidFill>
-            </a:endParaRPr>
-          </a:p>
-        </p:txBody>
-      </p:sp>
-      <p:sp>
-        <p:nvSpPr>
-          <p:cNvPr id="29" name="Rectangle 28">
-            <a:extLst>
-              <a:ext uri="{FF2B5EF4-FFF2-40B4-BE49-F238E27FC236}">
-                <a16:creationId xmlns:a16="http://schemas.microsoft.com/office/drawing/2014/main" id="{D1FE7727-3EF6-4ADE-82D2-9EA09CE55DDD}"/>
-              </a:ext>
-            </a:extLst>
-          </p:cNvPr>
-          <p:cNvSpPr/>
-          <p:nvPr/>
-        </p:nvSpPr>
-        <p:spPr>
-          <a:xfrm>
-            <a:off x="7946145" y="2632650"/>
-            <a:ext cx="2236510" cy="400110"/>
-          </a:xfrm>
-          <a:prstGeom prst="rect">
-            <a:avLst/>
-          </a:prstGeom>
-        </p:spPr>
-        <p:txBody>
-          <a:bodyPr wrap="none">
-            <a:spAutoFit/>
-          </a:bodyPr>
-          <a:lstStyle/>
-          <a:p>
-            <a:pPr algn="ctr"/>
-            <a:r>
-              <a:rPr lang="zh-CN" altLang="en-US" sz="2000" b="1" dirty="0">
-                <a:latin typeface="Calibri" panose="020F0502020204030204" pitchFamily="34" charset="0"/>
-                <a:ea typeface="微软雅黑" panose="020B0503020204020204" pitchFamily="34" charset="-122"/>
-                <a:cs typeface="Calibri" panose="020F0502020204030204" pitchFamily="34" charset="0"/>
-              </a:rPr>
-              <a:t>新型存内计算架构</a:t>
-            </a:r>
-            <a:endParaRPr lang="zh-CN" altLang="en-US" sz="2000" dirty="0"/>
           </a:p>
         </p:txBody>
       </p:sp>
     </p:spTree>
     <p:extLst>
       <p:ext uri="{BB962C8B-B14F-4D97-AF65-F5344CB8AC3E}">
-        <p14:creationId xmlns:p14="http://schemas.microsoft.com/office/powerpoint/2010/main" val="3119697352"/>
+        <p14:creationId xmlns:p14="http://schemas.microsoft.com/office/powerpoint/2010/main" val="4079686390"/>
       </p:ext>
     </p:extLst>
   </p:cSld>
@@ -8590,7 +8636,7 @@
           <a:p>
             <a:r>
               <a:rPr lang="zh-CN" altLang="en-US" dirty="0"/>
-              <a:t>存内计算</a:t>
+              <a:t>课程项目要求</a:t>
             </a:r>
           </a:p>
         </p:txBody>
@@ -8787,6 +8833,205 @@
             </a:lvl9pPr>
           </a:lstStyle>
           <a:p>
+            <a:pPr marL="0" indent="0">
+              <a:lnSpc>
+                <a:spcPct val="100000"/>
+              </a:lnSpc>
+              <a:buNone/>
+            </a:pPr>
+            <a:r>
+              <a:rPr lang="zh-CN" altLang="en-US" b="1" dirty="0">
+                <a:solidFill>
+                  <a:schemeClr val="tx1"/>
+                </a:solidFill>
+                <a:sym typeface="Wingdings" panose="05000000000000000000" pitchFamily="2" charset="2"/>
+              </a:rPr>
+              <a:t>课程项目目标：时序逻辑神经网络加速器设计</a:t>
+            </a:r>
+            <a:endParaRPr lang="en-US" altLang="zh-CN" b="1" dirty="0">
+              <a:solidFill>
+                <a:schemeClr val="tx1"/>
+              </a:solidFill>
+              <a:sym typeface="Wingdings" panose="05000000000000000000" pitchFamily="2" charset="2"/>
+            </a:endParaRPr>
+          </a:p>
+          <a:p>
+            <a:pPr>
+              <a:lnSpc>
+                <a:spcPct val="100000"/>
+              </a:lnSpc>
+              <a:buFont typeface="Wingdings" panose="05000000000000000000" pitchFamily="2" charset="2"/>
+              <a:buChar char="p"/>
+            </a:pPr>
+            <a:r>
+              <a:rPr lang="en-US" altLang="zh-CN" b="1" dirty="0">
+                <a:solidFill>
+                  <a:schemeClr val="tx1"/>
+                </a:solidFill>
+                <a:sym typeface="Wingdings" panose="05000000000000000000" pitchFamily="2" charset="2"/>
+              </a:rPr>
+              <a:t> </a:t>
+            </a:r>
+            <a:r>
+              <a:rPr lang="zh-CN" altLang="en-US" b="1" dirty="0">
+                <a:solidFill>
+                  <a:schemeClr val="tx1"/>
+                </a:solidFill>
+                <a:sym typeface="Wingdings" panose="05000000000000000000" pitchFamily="2" charset="2"/>
+              </a:rPr>
+              <a:t>基于实验</a:t>
+            </a:r>
+            <a:r>
+              <a:rPr lang="en-US" altLang="zh-CN" b="1" dirty="0">
+                <a:solidFill>
+                  <a:schemeClr val="tx1"/>
+                </a:solidFill>
+                <a:sym typeface="Wingdings" panose="05000000000000000000" pitchFamily="2" charset="2"/>
+              </a:rPr>
+              <a:t>1</a:t>
+            </a:r>
+            <a:r>
+              <a:rPr lang="zh-CN" altLang="en-US" b="1" dirty="0">
+                <a:solidFill>
+                  <a:schemeClr val="tx1"/>
+                </a:solidFill>
+                <a:sym typeface="Wingdings" panose="05000000000000000000" pitchFamily="2" charset="2"/>
+              </a:rPr>
+              <a:t>中所设计的乘累加单元，实现特定功能的神经网络推理</a:t>
+            </a:r>
+            <a:endParaRPr lang="en-US" altLang="zh-CN" b="1" dirty="0">
+              <a:solidFill>
+                <a:schemeClr val="tx1"/>
+              </a:solidFill>
+              <a:sym typeface="Wingdings" panose="05000000000000000000" pitchFamily="2" charset="2"/>
+            </a:endParaRPr>
+          </a:p>
+          <a:p>
+            <a:pPr>
+              <a:lnSpc>
+                <a:spcPct val="100000"/>
+              </a:lnSpc>
+              <a:buFont typeface="Wingdings" panose="05000000000000000000" pitchFamily="2" charset="2"/>
+              <a:buChar char="p"/>
+            </a:pPr>
+            <a:r>
+              <a:rPr lang="en-US" altLang="zh-CN" b="1" dirty="0">
+                <a:solidFill>
+                  <a:schemeClr val="tx1"/>
+                </a:solidFill>
+                <a:sym typeface="Wingdings" panose="05000000000000000000" pitchFamily="2" charset="2"/>
+              </a:rPr>
+              <a:t> </a:t>
+            </a:r>
+            <a:r>
+              <a:rPr lang="zh-CN" altLang="en-US" b="1" dirty="0">
+                <a:solidFill>
+                  <a:schemeClr val="tx1"/>
+                </a:solidFill>
+                <a:sym typeface="Wingdings" panose="05000000000000000000" pitchFamily="2" charset="2"/>
+              </a:rPr>
+              <a:t>要求所设计神经网络加速器能够在一定周期内输出结果，并进行</a:t>
+            </a:r>
+            <a:r>
+              <a:rPr lang="en-US" altLang="zh-CN" b="1" dirty="0">
+                <a:solidFill>
+                  <a:schemeClr val="tx1"/>
+                </a:solidFill>
+                <a:sym typeface="Wingdings" panose="05000000000000000000" pitchFamily="2" charset="2"/>
+              </a:rPr>
+              <a:t>DC</a:t>
+            </a:r>
+            <a:r>
+              <a:rPr lang="zh-CN" altLang="en-US" b="1" dirty="0">
+                <a:solidFill>
+                  <a:schemeClr val="tx1"/>
+                </a:solidFill>
+                <a:sym typeface="Wingdings" panose="05000000000000000000" pitchFamily="2" charset="2"/>
+              </a:rPr>
+              <a:t>综合，计算周期数不定</a:t>
+            </a:r>
+            <a:endParaRPr lang="en-US" altLang="zh-CN" b="1" dirty="0">
+              <a:solidFill>
+                <a:schemeClr val="tx1"/>
+              </a:solidFill>
+              <a:sym typeface="Wingdings" panose="05000000000000000000" pitchFamily="2" charset="2"/>
+            </a:endParaRPr>
+          </a:p>
+          <a:p>
+            <a:pPr>
+              <a:lnSpc>
+                <a:spcPct val="100000"/>
+              </a:lnSpc>
+              <a:buFont typeface="Wingdings" panose="05000000000000000000" pitchFamily="2" charset="2"/>
+              <a:buChar char="p"/>
+            </a:pPr>
+            <a:endParaRPr lang="en-US" altLang="zh-CN" b="1" dirty="0">
+              <a:solidFill>
+                <a:schemeClr val="tx1"/>
+              </a:solidFill>
+              <a:sym typeface="Wingdings" panose="05000000000000000000" pitchFamily="2" charset="2"/>
+            </a:endParaRPr>
+          </a:p>
+          <a:p>
+            <a:pPr marL="0" indent="0">
+              <a:lnSpc>
+                <a:spcPct val="100000"/>
+              </a:lnSpc>
+              <a:buNone/>
+            </a:pPr>
+            <a:r>
+              <a:rPr lang="zh-CN" altLang="en-US" b="1" dirty="0">
+                <a:solidFill>
+                  <a:schemeClr val="tx1"/>
+                </a:solidFill>
+                <a:sym typeface="Wingdings" panose="05000000000000000000" pitchFamily="2" charset="2"/>
+              </a:rPr>
+              <a:t>参数要求：</a:t>
+            </a:r>
+            <a:endParaRPr lang="en-US" altLang="zh-CN" b="1" dirty="0">
+              <a:solidFill>
+                <a:schemeClr val="tx1"/>
+              </a:solidFill>
+              <a:sym typeface="Wingdings" panose="05000000000000000000" pitchFamily="2" charset="2"/>
+            </a:endParaRPr>
+          </a:p>
+          <a:p>
+            <a:pPr>
+              <a:lnSpc>
+                <a:spcPct val="100000"/>
+              </a:lnSpc>
+              <a:buFont typeface="Wingdings" panose="05000000000000000000" pitchFamily="2" charset="2"/>
+              <a:buChar char="p"/>
+            </a:pPr>
+            <a:r>
+              <a:rPr lang="en-US" altLang="zh-CN" b="1" dirty="0">
+                <a:solidFill>
+                  <a:schemeClr val="tx1"/>
+                </a:solidFill>
+                <a:sym typeface="Wingdings" panose="05000000000000000000" pitchFamily="2" charset="2"/>
+              </a:rPr>
+              <a:t> </a:t>
+            </a:r>
+            <a:r>
+              <a:rPr lang="zh-CN" altLang="en-US" b="1" dirty="0">
+                <a:solidFill>
+                  <a:schemeClr val="tx1"/>
+                </a:solidFill>
+                <a:sym typeface="Wingdings" panose="05000000000000000000" pitchFamily="2" charset="2"/>
+              </a:rPr>
+              <a:t>系统计算周期为</a:t>
+            </a:r>
+            <a:r>
+              <a:rPr lang="en-US" altLang="zh-CN" b="1" dirty="0">
+                <a:solidFill>
+                  <a:schemeClr val="tx1"/>
+                </a:solidFill>
+                <a:sym typeface="Wingdings" panose="05000000000000000000" pitchFamily="2" charset="2"/>
+              </a:rPr>
+              <a:t>10ns</a:t>
+            </a:r>
+          </a:p>
+          <a:p>
             <a:pPr>
               <a:lnSpc>
                 <a:spcPct val="100000"/>
@@ -8801,393 +9046,15 @@
                 </a:solidFill>
                 <a:sym typeface="Wingdings" panose="05000000000000000000" pitchFamily="2" charset="2"/>
               </a:rPr>
-              <a:t>卷积神经网络等人工智能算法被广泛应用于多种计算场景</a:t>
+              <a:t> 不要求系统吞吐、功耗、能效、延时等指标</a:t>
             </a:r>
-          </a:p>
-          <a:p>
-            <a:pPr>
-              <a:lnSpc>
-                <a:spcPct val="100000"/>
-              </a:lnSpc>
-              <a:buFont typeface="Wingdings" panose="05000000000000000000" pitchFamily="2" charset="2"/>
-              <a:buChar char="p"/>
-            </a:pPr>
-            <a:r>
-              <a:rPr lang="zh-CN" altLang="en-US" b="1" dirty="0">
-                <a:solidFill>
-                  <a:schemeClr val="tx1"/>
-                </a:solidFill>
-                <a:sym typeface="Wingdings" panose="05000000000000000000" pitchFamily="2" charset="2"/>
-              </a:rPr>
-              <a:t>传统冯</a:t>
-            </a:r>
-            <a:r>
-              <a:rPr lang="en-US" altLang="zh-CN" b="1" dirty="0">
-                <a:solidFill>
-                  <a:schemeClr val="tx1"/>
-                </a:solidFill>
-                <a:sym typeface="Wingdings" panose="05000000000000000000" pitchFamily="2" charset="2"/>
-              </a:rPr>
-              <a:t>·</a:t>
-            </a:r>
-            <a:r>
-              <a:rPr lang="zh-CN" altLang="en-US" b="1" dirty="0">
-                <a:solidFill>
-                  <a:schemeClr val="tx1"/>
-                </a:solidFill>
-                <a:sym typeface="Wingdings" panose="05000000000000000000" pitchFamily="2" charset="2"/>
-              </a:rPr>
-              <a:t>诺依曼架构存算分离，处理</a:t>
-            </a:r>
-            <a:r>
-              <a:rPr lang="en-US" altLang="zh-CN" b="1" dirty="0">
-                <a:solidFill>
-                  <a:schemeClr val="tx1"/>
-                </a:solidFill>
-                <a:sym typeface="Wingdings" panose="05000000000000000000" pitchFamily="2" charset="2"/>
-              </a:rPr>
-              <a:t>CNN</a:t>
-            </a:r>
-            <a:r>
-              <a:rPr lang="zh-CN" altLang="en-US" b="1" dirty="0">
-                <a:solidFill>
-                  <a:schemeClr val="tx1"/>
-                </a:solidFill>
-                <a:sym typeface="Wingdings" panose="05000000000000000000" pitchFamily="2" charset="2"/>
-              </a:rPr>
-              <a:t>等数据密集型应用时数据搬移开销巨大</a:t>
-            </a:r>
-          </a:p>
-          <a:p>
-            <a:pPr>
-              <a:lnSpc>
-                <a:spcPct val="100000"/>
-              </a:lnSpc>
-              <a:buFont typeface="Wingdings" panose="05000000000000000000" pitchFamily="2" charset="2"/>
-              <a:buChar char="p"/>
-            </a:pPr>
-            <a:r>
-              <a:rPr lang="zh-CN" altLang="en-US" b="1" dirty="0">
-                <a:solidFill>
-                  <a:schemeClr val="tx1"/>
-                </a:solidFill>
-                <a:sym typeface="Wingdings" panose="05000000000000000000" pitchFamily="2" charset="2"/>
-              </a:rPr>
-              <a:t>存内计算将计算功能集成到存储单元中，可有效避免数据搬移开销</a:t>
-            </a:r>
-          </a:p>
-        </p:txBody>
-      </p:sp>
-      <p:pic>
-        <p:nvPicPr>
-          <p:cNvPr id="24" name="Picture 23">
-            <a:extLst>
-              <a:ext uri="{FF2B5EF4-FFF2-40B4-BE49-F238E27FC236}">
-                <a16:creationId xmlns:a16="http://schemas.microsoft.com/office/drawing/2014/main" id="{05A88CF0-CBC5-4FF9-97B0-C95A01043143}"/>
-              </a:ext>
-            </a:extLst>
-          </p:cNvPr>
-          <p:cNvPicPr>
-            <a:picLocks noChangeAspect="1"/>
-          </p:cNvPicPr>
-          <p:nvPr/>
-        </p:nvPicPr>
-        <p:blipFill>
-          <a:blip r:embed="rId3">
-            <a:extLst>
-              <a:ext uri="{28A0092B-C50C-407E-A947-70E740481C1C}">
-                <a14:useLocalDpi xmlns:a14="http://schemas.microsoft.com/office/drawing/2010/main" val="0"/>
-              </a:ext>
-            </a:extLst>
-          </a:blip>
-          <a:stretch>
-            <a:fillRect/>
-          </a:stretch>
-        </p:blipFill>
-        <p:spPr>
-          <a:xfrm>
-            <a:off x="503454" y="3032760"/>
-            <a:ext cx="5459691" cy="2330582"/>
-          </a:xfrm>
-          <a:prstGeom prst="rect">
-            <a:avLst/>
-          </a:prstGeom>
-        </p:spPr>
-      </p:pic>
-      <p:pic>
-        <p:nvPicPr>
-          <p:cNvPr id="25" name="Picture 24">
-            <a:extLst>
-              <a:ext uri="{FF2B5EF4-FFF2-40B4-BE49-F238E27FC236}">
-                <a16:creationId xmlns:a16="http://schemas.microsoft.com/office/drawing/2014/main" id="{9B2769E6-E52B-4842-933D-D76B0FA47F31}"/>
-              </a:ext>
-            </a:extLst>
-          </p:cNvPr>
-          <p:cNvPicPr>
-            <a:picLocks noChangeAspect="1"/>
-          </p:cNvPicPr>
-          <p:nvPr/>
-        </p:nvPicPr>
-        <p:blipFill>
-          <a:blip r:embed="rId4">
-            <a:extLst>
-              <a:ext uri="{28A0092B-C50C-407E-A947-70E740481C1C}">
-                <a14:useLocalDpi xmlns:a14="http://schemas.microsoft.com/office/drawing/2010/main" val="0"/>
-              </a:ext>
-            </a:extLst>
-          </a:blip>
-          <a:stretch>
-            <a:fillRect/>
-          </a:stretch>
-        </p:blipFill>
-        <p:spPr>
-          <a:xfrm>
-            <a:off x="6440254" y="3032760"/>
-            <a:ext cx="5248292" cy="2330582"/>
-          </a:xfrm>
-          <a:prstGeom prst="rect">
-            <a:avLst/>
-          </a:prstGeom>
-        </p:spPr>
-      </p:pic>
-      <p:sp>
-        <p:nvSpPr>
-          <p:cNvPr id="26" name="Rectangle 25">
-            <a:extLst>
-              <a:ext uri="{FF2B5EF4-FFF2-40B4-BE49-F238E27FC236}">
-                <a16:creationId xmlns:a16="http://schemas.microsoft.com/office/drawing/2014/main" id="{6D6BF710-D6B9-4422-923A-C93AA3BF82AB}"/>
-              </a:ext>
-            </a:extLst>
-          </p:cNvPr>
-          <p:cNvSpPr/>
-          <p:nvPr/>
-        </p:nvSpPr>
-        <p:spPr>
-          <a:xfrm>
-            <a:off x="2080579" y="2632650"/>
-            <a:ext cx="2305439" cy="400110"/>
-          </a:xfrm>
-          <a:prstGeom prst="rect">
-            <a:avLst/>
-          </a:prstGeom>
-        </p:spPr>
-        <p:txBody>
-          <a:bodyPr wrap="none">
-            <a:spAutoFit/>
-          </a:bodyPr>
-          <a:lstStyle/>
-          <a:p>
-            <a:pPr algn="ctr"/>
-            <a:r>
-              <a:rPr lang="zh-CN" altLang="en-US" sz="2000" b="1" dirty="0">
-                <a:latin typeface="Calibri" panose="020F0502020204030204" pitchFamily="34" charset="0"/>
-                <a:ea typeface="微软雅黑" panose="020B0503020204020204" pitchFamily="34" charset="-122"/>
-                <a:cs typeface="Calibri" panose="020F0502020204030204" pitchFamily="34" charset="0"/>
-              </a:rPr>
-              <a:t>传统冯</a:t>
-            </a:r>
-            <a:r>
-              <a:rPr lang="en-US" altLang="zh-CN" sz="2000" b="1" dirty="0">
-                <a:latin typeface="Calibri" panose="020F0502020204030204" pitchFamily="34" charset="0"/>
-                <a:ea typeface="微软雅黑" panose="020B0503020204020204" pitchFamily="34" charset="-122"/>
-                <a:cs typeface="Calibri" panose="020F0502020204030204" pitchFamily="34" charset="0"/>
-              </a:rPr>
-              <a:t>·</a:t>
-            </a:r>
-            <a:r>
-              <a:rPr lang="zh-CN" altLang="en-US" sz="2000" b="1" dirty="0">
-                <a:latin typeface="Calibri" panose="020F0502020204030204" pitchFamily="34" charset="0"/>
-                <a:ea typeface="微软雅黑" panose="020B0503020204020204" pitchFamily="34" charset="-122"/>
-                <a:cs typeface="Calibri" panose="020F0502020204030204" pitchFamily="34" charset="0"/>
-              </a:rPr>
-              <a:t>诺伊曼架构</a:t>
-            </a:r>
-            <a:endParaRPr lang="zh-CN" altLang="en-US" sz="2000" dirty="0"/>
-          </a:p>
-        </p:txBody>
-      </p:sp>
-      <p:sp>
-        <p:nvSpPr>
-          <p:cNvPr id="27" name="Rectangle 26">
-            <a:extLst>
-              <a:ext uri="{FF2B5EF4-FFF2-40B4-BE49-F238E27FC236}">
-                <a16:creationId xmlns:a16="http://schemas.microsoft.com/office/drawing/2014/main" id="{11FE4500-8303-437C-B88C-711B385273CE}"/>
-              </a:ext>
-            </a:extLst>
-          </p:cNvPr>
-          <p:cNvSpPr/>
-          <p:nvPr/>
-        </p:nvSpPr>
-        <p:spPr>
-          <a:xfrm>
-            <a:off x="1493879" y="5506405"/>
-            <a:ext cx="3478837" cy="707886"/>
-          </a:xfrm>
-          <a:prstGeom prst="rect">
-            <a:avLst/>
-          </a:prstGeom>
-        </p:spPr>
-        <p:txBody>
-          <a:bodyPr wrap="none">
-            <a:spAutoFit/>
-          </a:bodyPr>
-          <a:lstStyle/>
-          <a:p>
-            <a:pPr algn="ctr"/>
-            <a:r>
-              <a:rPr lang="zh-CN" altLang="en-US" sz="2000" b="1" dirty="0">
-                <a:solidFill>
-                  <a:srgbClr val="C00000"/>
-                </a:solidFill>
-                <a:latin typeface="Calibri" panose="020F0502020204030204" pitchFamily="34" charset="0"/>
-                <a:ea typeface="微软雅黑" panose="020B0503020204020204" pitchFamily="34" charset="-122"/>
-                <a:cs typeface="Calibri" panose="020F0502020204030204" pitchFamily="34" charset="0"/>
-              </a:rPr>
-              <a:t>处理</a:t>
-            </a:r>
-            <a:r>
-              <a:rPr lang="en-US" altLang="zh-CN" sz="2000" b="1" dirty="0">
-                <a:solidFill>
-                  <a:srgbClr val="C00000"/>
-                </a:solidFill>
-                <a:latin typeface="Calibri" panose="020F0502020204030204" pitchFamily="34" charset="0"/>
-                <a:ea typeface="微软雅黑" panose="020B0503020204020204" pitchFamily="34" charset="-122"/>
-                <a:cs typeface="Calibri" panose="020F0502020204030204" pitchFamily="34" charset="0"/>
-              </a:rPr>
-              <a:t>CNN</a:t>
-            </a:r>
-            <a:r>
-              <a:rPr lang="zh-CN" altLang="en-US" sz="2000" b="1" dirty="0">
-                <a:solidFill>
-                  <a:srgbClr val="C00000"/>
-                </a:solidFill>
-                <a:latin typeface="Calibri" panose="020F0502020204030204" pitchFamily="34" charset="0"/>
-                <a:ea typeface="微软雅黑" panose="020B0503020204020204" pitchFamily="34" charset="-122"/>
-                <a:cs typeface="Calibri" panose="020F0502020204030204" pitchFamily="34" charset="0"/>
-              </a:rPr>
-              <a:t>等数据密集型应用时</a:t>
-            </a:r>
-            <a:endParaRPr lang="en-US" altLang="zh-CN" sz="2000" b="1" dirty="0">
-              <a:solidFill>
-                <a:srgbClr val="C00000"/>
-              </a:solidFill>
-              <a:latin typeface="Calibri" panose="020F0502020204030204" pitchFamily="34" charset="0"/>
-              <a:ea typeface="微软雅黑" panose="020B0503020204020204" pitchFamily="34" charset="-122"/>
-              <a:cs typeface="Calibri" panose="020F0502020204030204" pitchFamily="34" charset="0"/>
-            </a:endParaRPr>
-          </a:p>
-          <a:p>
-            <a:pPr algn="ctr"/>
-            <a:r>
-              <a:rPr lang="zh-CN" altLang="en-US" sz="2000" b="1" dirty="0">
-                <a:solidFill>
-                  <a:srgbClr val="C00000"/>
-                </a:solidFill>
-                <a:latin typeface="Calibri" panose="020F0502020204030204" pitchFamily="34" charset="0"/>
-                <a:ea typeface="微软雅黑" panose="020B0503020204020204" pitchFamily="34" charset="-122"/>
-                <a:cs typeface="Calibri" panose="020F0502020204030204" pitchFamily="34" charset="0"/>
-              </a:rPr>
-              <a:t>数据搬移开销巨大</a:t>
-            </a:r>
-            <a:endParaRPr lang="zh-CN" altLang="en-US" sz="2000" dirty="0">
-              <a:solidFill>
-                <a:srgbClr val="C00000"/>
-              </a:solidFill>
-            </a:endParaRPr>
-          </a:p>
-        </p:txBody>
-      </p:sp>
-      <p:sp>
-        <p:nvSpPr>
-          <p:cNvPr id="28" name="Rectangle 27">
-            <a:extLst>
-              <a:ext uri="{FF2B5EF4-FFF2-40B4-BE49-F238E27FC236}">
-                <a16:creationId xmlns:a16="http://schemas.microsoft.com/office/drawing/2014/main" id="{7CF9BBF6-311D-426D-9171-80EAB7D142C6}"/>
-              </a:ext>
-            </a:extLst>
-          </p:cNvPr>
-          <p:cNvSpPr/>
-          <p:nvPr/>
-        </p:nvSpPr>
-        <p:spPr>
-          <a:xfrm>
-            <a:off x="7689664" y="5660293"/>
-            <a:ext cx="2749471" cy="400110"/>
-          </a:xfrm>
-          <a:prstGeom prst="rect">
-            <a:avLst/>
-          </a:prstGeom>
-        </p:spPr>
-        <p:txBody>
-          <a:bodyPr wrap="none">
-            <a:spAutoFit/>
-          </a:bodyPr>
-          <a:lstStyle/>
-          <a:p>
-            <a:pPr algn="ctr"/>
-            <a:r>
-              <a:rPr lang="zh-CN" altLang="en-US" sz="2000" b="1" dirty="0">
-                <a:solidFill>
-                  <a:srgbClr val="006600"/>
-                </a:solidFill>
-                <a:latin typeface="Calibri" panose="020F0502020204030204" pitchFamily="34" charset="0"/>
-                <a:ea typeface="微软雅黑" panose="020B0503020204020204" pitchFamily="34" charset="-122"/>
-                <a:cs typeface="Calibri" panose="020F0502020204030204" pitchFamily="34" charset="0"/>
-              </a:rPr>
-              <a:t>有效避免数据搬移开销</a:t>
-            </a:r>
-            <a:endParaRPr lang="zh-CN" altLang="en-US" sz="2000" dirty="0">
-              <a:solidFill>
-                <a:srgbClr val="006600"/>
-              </a:solidFill>
-            </a:endParaRPr>
-          </a:p>
-        </p:txBody>
-      </p:sp>
-      <p:sp>
-        <p:nvSpPr>
-          <p:cNvPr id="29" name="Rectangle 28">
-            <a:extLst>
-              <a:ext uri="{FF2B5EF4-FFF2-40B4-BE49-F238E27FC236}">
-                <a16:creationId xmlns:a16="http://schemas.microsoft.com/office/drawing/2014/main" id="{D1FE7727-3EF6-4ADE-82D2-9EA09CE55DDD}"/>
-              </a:ext>
-            </a:extLst>
-          </p:cNvPr>
-          <p:cNvSpPr/>
-          <p:nvPr/>
-        </p:nvSpPr>
-        <p:spPr>
-          <a:xfrm>
-            <a:off x="7946145" y="2632650"/>
-            <a:ext cx="2236510" cy="400110"/>
-          </a:xfrm>
-          <a:prstGeom prst="rect">
-            <a:avLst/>
-          </a:prstGeom>
-        </p:spPr>
-        <p:txBody>
-          <a:bodyPr wrap="none">
-            <a:spAutoFit/>
-          </a:bodyPr>
-          <a:lstStyle/>
-          <a:p>
-            <a:pPr algn="ctr"/>
-            <a:r>
-              <a:rPr lang="zh-CN" altLang="en-US" sz="2000" b="1" dirty="0">
-                <a:latin typeface="Calibri" panose="020F0502020204030204" pitchFamily="34" charset="0"/>
-                <a:ea typeface="微软雅黑" panose="020B0503020204020204" pitchFamily="34" charset="-122"/>
-                <a:cs typeface="Calibri" panose="020F0502020204030204" pitchFamily="34" charset="0"/>
-              </a:rPr>
-              <a:t>新型存内计算架构</a:t>
-            </a:r>
-            <a:endParaRPr lang="zh-CN" altLang="en-US" sz="2000" dirty="0"/>
           </a:p>
         </p:txBody>
       </p:sp>
     </p:spTree>
     <p:extLst>
       <p:ext uri="{BB962C8B-B14F-4D97-AF65-F5344CB8AC3E}">
-        <p14:creationId xmlns:p14="http://schemas.microsoft.com/office/powerpoint/2010/main" val="4207196214"/>
+        <p14:creationId xmlns:p14="http://schemas.microsoft.com/office/powerpoint/2010/main" val="1101483846"/>
       </p:ext>
     </p:extLst>
   </p:cSld>
@@ -9272,7 +9139,7 @@
           <a:p>
             <a:r>
               <a:rPr lang="zh-CN" altLang="en-US" dirty="0"/>
-              <a:t>存内计算</a:t>
+              <a:t>神经网络算法分析</a:t>
             </a:r>
           </a:p>
         </p:txBody>
@@ -9483,8 +9350,14 @@
                 </a:solidFill>
                 <a:sym typeface="Wingdings" panose="05000000000000000000" pitchFamily="2" charset="2"/>
               </a:rPr>
-              <a:t>卷积神经网络等人工智能算法被广泛应用于多种计算场景</a:t>
+              <a:t> 要求实现的神经网络结构如下图所示</a:t>
             </a:r>
+            <a:endParaRPr lang="en-US" altLang="zh-CN" b="1" dirty="0">
+              <a:solidFill>
+                <a:schemeClr val="tx1"/>
+              </a:solidFill>
+              <a:sym typeface="Wingdings" panose="05000000000000000000" pitchFamily="2" charset="2"/>
+            </a:endParaRPr>
           </a:p>
           <a:p>
             <a:pPr>
@@ -9501,7 +9374,73 @@
                 </a:solidFill>
                 <a:sym typeface="Wingdings" panose="05000000000000000000" pitchFamily="2" charset="2"/>
               </a:rPr>
-              <a:t>传统冯</a:t>
+              <a:t> 该神经网络包含</a:t>
+            </a:r>
+            <a:endParaRPr lang="en-US" altLang="zh-CN" b="1" dirty="0">
+              <a:solidFill>
+                <a:schemeClr val="tx1"/>
+              </a:solidFill>
+              <a:sym typeface="Wingdings" panose="05000000000000000000" pitchFamily="2" charset="2"/>
+            </a:endParaRPr>
+          </a:p>
+          <a:p>
+            <a:pPr lvl="1">
+              <a:lnSpc>
+                <a:spcPct val="100000"/>
+              </a:lnSpc>
+              <a:buFont typeface="Wingdings" panose="05000000000000000000" pitchFamily="2" charset="2"/>
+              <a:buChar char="Ø"/>
+            </a:pPr>
+            <a:r>
+              <a:rPr lang="en-US" altLang="zh-CN" b="1" dirty="0">
+                <a:solidFill>
+                  <a:schemeClr val="tx1"/>
+                </a:solidFill>
+                <a:sym typeface="Wingdings" panose="05000000000000000000" pitchFamily="2" charset="2"/>
+              </a:rPr>
+              <a:t> </a:t>
+            </a:r>
+            <a:r>
+              <a:rPr lang="zh-CN" altLang="en-US" b="1" dirty="0">
+                <a:solidFill>
+                  <a:schemeClr val="tx1"/>
+                </a:solidFill>
+                <a:sym typeface="Wingdings" panose="05000000000000000000" pitchFamily="2" charset="2"/>
+              </a:rPr>
+              <a:t>两个全连接层：矩阵乘</a:t>
+            </a:r>
+            <a:endParaRPr lang="en-US" altLang="zh-CN" b="1" dirty="0">
+              <a:solidFill>
+                <a:schemeClr val="tx1"/>
+              </a:solidFill>
+              <a:sym typeface="Wingdings" panose="05000000000000000000" pitchFamily="2" charset="2"/>
+            </a:endParaRPr>
+          </a:p>
+          <a:p>
+            <a:pPr lvl="1">
+              <a:lnSpc>
+                <a:spcPct val="100000"/>
+              </a:lnSpc>
+              <a:buFont typeface="Wingdings" panose="05000000000000000000" pitchFamily="2" charset="2"/>
+              <a:buChar char="Ø"/>
+            </a:pPr>
+            <a:r>
+              <a:rPr lang="en-US" altLang="zh-CN" b="1" dirty="0">
+                <a:solidFill>
+                  <a:schemeClr val="tx1"/>
+                </a:solidFill>
+                <a:sym typeface="Wingdings" panose="05000000000000000000" pitchFamily="2" charset="2"/>
+              </a:rPr>
+              <a:t> </a:t>
+            </a:r>
+            <a:r>
+              <a:rPr lang="zh-CN" altLang="en-US" b="1" dirty="0">
+                <a:solidFill>
+                  <a:schemeClr val="tx1"/>
+                </a:solidFill>
+                <a:sym typeface="Wingdings" panose="05000000000000000000" pitchFamily="2" charset="2"/>
+              </a:rPr>
+              <a:t>两个</a:t>
             </a:r>
             <a:r>
               <a:rPr lang="en-US" altLang="zh-CN" b="1" dirty="0">
@@ -9510,7 +9449,7 @@
                 </a:solidFill>
                 <a:sym typeface="Wingdings" panose="05000000000000000000" pitchFamily="2" charset="2"/>
               </a:rPr>
-              <a:t>·</a:t>
+              <a:t>scale</a:t>
             </a:r>
             <a:r>
               <a:rPr lang="zh-CN" altLang="en-US" b="1" dirty="0">
@@ -9519,7 +9458,40 @@
                 </a:solidFill>
                 <a:sym typeface="Wingdings" panose="05000000000000000000" pitchFamily="2" charset="2"/>
               </a:rPr>
-              <a:t>诺依曼架构存算分离，处理</a:t>
+              <a:t>层：移位</a:t>
+            </a:r>
+            <a:endParaRPr lang="en-US" altLang="zh-CN" b="1" dirty="0">
+              <a:solidFill>
+                <a:schemeClr val="tx1"/>
+              </a:solidFill>
+              <a:sym typeface="Wingdings" panose="05000000000000000000" pitchFamily="2" charset="2"/>
+            </a:endParaRPr>
+          </a:p>
+          <a:p>
+            <a:pPr lvl="1">
+              <a:lnSpc>
+                <a:spcPct val="100000"/>
+              </a:lnSpc>
+              <a:buFont typeface="Wingdings" panose="05000000000000000000" pitchFamily="2" charset="2"/>
+              <a:buChar char="Ø"/>
+            </a:pPr>
+            <a:r>
+              <a:rPr lang="en-US" altLang="zh-CN" b="1" dirty="0">
+                <a:solidFill>
+                  <a:schemeClr val="tx1"/>
+                </a:solidFill>
+                <a:sym typeface="Wingdings" panose="05000000000000000000" pitchFamily="2" charset="2"/>
+              </a:rPr>
+              <a:t> </a:t>
+            </a:r>
+            <a:r>
+              <a:rPr lang="zh-CN" altLang="en-US" b="1" dirty="0">
+                <a:solidFill>
+                  <a:schemeClr val="tx1"/>
+                </a:solidFill>
+                <a:sym typeface="Wingdings" panose="05000000000000000000" pitchFamily="2" charset="2"/>
+              </a:rPr>
+              <a:t>一个</a:t>
             </a:r>
             <a:r>
               <a:rPr lang="en-US" altLang="zh-CN" b="1" dirty="0">
@@ -9528,7 +9500,7 @@
                 </a:solidFill>
                 <a:sym typeface="Wingdings" panose="05000000000000000000" pitchFamily="2" charset="2"/>
               </a:rPr>
-              <a:t>CNN</a:t>
+              <a:t>ReLU</a:t>
             </a:r>
             <a:r>
               <a:rPr lang="zh-CN" altLang="en-US" b="1" dirty="0">
@@ -9537,8 +9509,14 @@
                 </a:solidFill>
                 <a:sym typeface="Wingdings" panose="05000000000000000000" pitchFamily="2" charset="2"/>
               </a:rPr>
-              <a:t>等数据密集型应用时数据搬移开销巨大</a:t>
+              <a:t>激活层：负数置零</a:t>
             </a:r>
+            <a:endParaRPr lang="en-US" altLang="zh-CN" b="1" dirty="0">
+              <a:solidFill>
+                <a:schemeClr val="tx1"/>
+              </a:solidFill>
+              <a:sym typeface="Wingdings" panose="05000000000000000000" pitchFamily="2" charset="2"/>
+            </a:endParaRPr>
           </a:p>
           <a:p>
             <a:pPr>
@@ -9549,23 +9527,32 @@
               <a:buChar char="p"/>
             </a:pPr>
             <a:r>
-              <a:rPr lang="zh-CN" altLang="en-US" b="1" dirty="0">
+              <a:rPr lang="en-US" altLang="zh-CN" b="1" dirty="0">
                 <a:solidFill>
                   <a:schemeClr val="tx1"/>
                 </a:solidFill>
                 <a:sym typeface="Wingdings" panose="05000000000000000000" pitchFamily="2" charset="2"/>
               </a:rPr>
-              <a:t>存内计算将计算功能集成到存储单元中，可有效避免数据搬移开销</a:t>
+              <a:t> </a:t>
+            </a:r>
+            <a:r>
+              <a:rPr lang="zh-CN" altLang="en-US" b="1" dirty="0">
+                <a:solidFill>
+                  <a:schemeClr val="tx1"/>
+                </a:solidFill>
+                <a:sym typeface="Wingdings" panose="05000000000000000000" pitchFamily="2" charset="2"/>
+              </a:rPr>
+              <a:t>整体网络可由如下公式表示</a:t>
             </a:r>
           </a:p>
         </p:txBody>
       </p:sp>
       <p:pic>
         <p:nvPicPr>
-          <p:cNvPr id="24" name="Picture 23">
-            <a:extLst>
-              <a:ext uri="{FF2B5EF4-FFF2-40B4-BE49-F238E27FC236}">
-                <a16:creationId xmlns:a16="http://schemas.microsoft.com/office/drawing/2014/main" id="{05A88CF0-CBC5-4FF9-97B0-C95A01043143}"/>
+          <p:cNvPr id="11" name="图片 10">
+            <a:extLst>
+              <a:ext uri="{FF2B5EF4-FFF2-40B4-BE49-F238E27FC236}">
+                <a16:creationId xmlns:a16="http://schemas.microsoft.com/office/drawing/2014/main" id="{58B499D6-B28B-43EF-A2D2-7067FD6C39FC}"/>
               </a:ext>
             </a:extLst>
           </p:cNvPr>
@@ -9575,21 +9562,15 @@
           <p:nvPr/>
         </p:nvPicPr>
         <p:blipFill>
-          <a:blip r:embed="rId3">
-            <a:extLst>
-              <a:ext uri="{28A0092B-C50C-407E-A947-70E740481C1C}">
-                <a14:useLocalDpi xmlns:a14="http://schemas.microsoft.com/office/drawing/2010/main" val="0"/>
-              </a:ext>
-            </a:extLst>
-          </a:blip>
+          <a:blip r:embed="rId3"/>
           <a:stretch>
             <a:fillRect/>
           </a:stretch>
         </p:blipFill>
         <p:spPr>
           <a:xfrm>
-            <a:off x="503454" y="3032760"/>
-            <a:ext cx="5459691" cy="2330582"/>
+            <a:off x="1913225" y="3496666"/>
+            <a:ext cx="8365549" cy="2455355"/>
           </a:xfrm>
           <a:prstGeom prst="rect">
             <a:avLst/>
@@ -9598,10 +9579,10 @@
       </p:pic>
       <p:pic>
         <p:nvPicPr>
-          <p:cNvPr id="25" name="Picture 24">
-            <a:extLst>
-              <a:ext uri="{FF2B5EF4-FFF2-40B4-BE49-F238E27FC236}">
-                <a16:creationId xmlns:a16="http://schemas.microsoft.com/office/drawing/2014/main" id="{9B2769E6-E52B-4842-933D-D76B0FA47F31}"/>
+          <p:cNvPr id="12" name="图片 11">
+            <a:extLst>
+              <a:ext uri="{FF2B5EF4-FFF2-40B4-BE49-F238E27FC236}">
+                <a16:creationId xmlns:a16="http://schemas.microsoft.com/office/drawing/2014/main" id="{81DD6D4A-692E-43FE-8630-A34F0BCD717E}"/>
               </a:ext>
             </a:extLst>
           </p:cNvPr>
@@ -9611,265 +9592,55 @@
           <p:nvPr/>
         </p:nvPicPr>
         <p:blipFill>
-          <a:blip r:embed="rId4">
-            <a:extLst>
-              <a:ext uri="{28A0092B-C50C-407E-A947-70E740481C1C}">
-                <a14:useLocalDpi xmlns:a14="http://schemas.microsoft.com/office/drawing/2010/main" val="0"/>
-              </a:ext>
-            </a:extLst>
-          </a:blip>
+          <a:blip r:embed="rId4"/>
           <a:stretch>
             <a:fillRect/>
           </a:stretch>
         </p:blipFill>
         <p:spPr>
           <a:xfrm>
-            <a:off x="6440254" y="3032760"/>
-            <a:ext cx="5248292" cy="2330582"/>
+            <a:off x="3005522" y="6129386"/>
+            <a:ext cx="6180953" cy="385715"/>
           </a:xfrm>
           <a:prstGeom prst="rect">
             <a:avLst/>
           </a:prstGeom>
         </p:spPr>
       </p:pic>
-      <p:sp>
-        <p:nvSpPr>
-          <p:cNvPr id="26" name="Rectangle 25">
-            <a:extLst>
-              <a:ext uri="{FF2B5EF4-FFF2-40B4-BE49-F238E27FC236}">
-                <a16:creationId xmlns:a16="http://schemas.microsoft.com/office/drawing/2014/main" id="{6D6BF710-D6B9-4422-923A-C93AA3BF82AB}"/>
-              </a:ext>
-            </a:extLst>
-          </p:cNvPr>
-          <p:cNvSpPr/>
+      <p:pic>
+        <p:nvPicPr>
+          <p:cNvPr id="13" name="图片 12">
+            <a:extLst>
+              <a:ext uri="{FF2B5EF4-FFF2-40B4-BE49-F238E27FC236}">
+                <a16:creationId xmlns:a16="http://schemas.microsoft.com/office/drawing/2014/main" id="{4B97AD82-E154-40AC-9F51-EAADE152940E}"/>
+              </a:ext>
+            </a:extLst>
+          </p:cNvPr>
+          <p:cNvPicPr>
+            <a:picLocks noChangeAspect="1"/>
+          </p:cNvPicPr>
           <p:nvPr/>
-        </p:nvSpPr>
-        <p:spPr>
-          <a:xfrm>
-            <a:off x="2080579" y="2632650"/>
-            <a:ext cx="2305439" cy="400110"/>
+        </p:nvPicPr>
+        <p:blipFill>
+          <a:blip r:embed="rId5"/>
+          <a:stretch>
+            <a:fillRect/>
+          </a:stretch>
+        </p:blipFill>
+        <p:spPr>
+          <a:xfrm>
+            <a:off x="7734707" y="2260397"/>
+            <a:ext cx="2544067" cy="595835"/>
           </a:xfrm>
           <a:prstGeom prst="rect">
             <a:avLst/>
           </a:prstGeom>
         </p:spPr>
-        <p:txBody>
-          <a:bodyPr wrap="none">
-            <a:spAutoFit/>
-          </a:bodyPr>
-          <a:lstStyle/>
-          <a:p>
-            <a:pPr algn="ctr"/>
-            <a:r>
-              <a:rPr lang="zh-CN" altLang="en-US" sz="2000" b="1" dirty="0">
-                <a:latin typeface="Calibri" panose="020F0502020204030204" pitchFamily="34" charset="0"/>
-                <a:ea typeface="微软雅黑" panose="020B0503020204020204" pitchFamily="34" charset="-122"/>
-                <a:cs typeface="Calibri" panose="020F0502020204030204" pitchFamily="34" charset="0"/>
-              </a:rPr>
-              <a:t>传统冯</a:t>
-            </a:r>
-            <a:r>
-              <a:rPr lang="en-US" altLang="zh-CN" sz="2000" b="1" dirty="0">
-                <a:latin typeface="Calibri" panose="020F0502020204030204" pitchFamily="34" charset="0"/>
-                <a:ea typeface="微软雅黑" panose="020B0503020204020204" pitchFamily="34" charset="-122"/>
-                <a:cs typeface="Calibri" panose="020F0502020204030204" pitchFamily="34" charset="0"/>
-              </a:rPr>
-              <a:t>·</a:t>
-            </a:r>
-            <a:r>
-              <a:rPr lang="zh-CN" altLang="en-US" sz="2000" b="1" dirty="0">
-                <a:latin typeface="Calibri" panose="020F0502020204030204" pitchFamily="34" charset="0"/>
-                <a:ea typeface="微软雅黑" panose="020B0503020204020204" pitchFamily="34" charset="-122"/>
-                <a:cs typeface="Calibri" panose="020F0502020204030204" pitchFamily="34" charset="0"/>
-              </a:rPr>
-              <a:t>诺伊曼架构</a:t>
-            </a:r>
-            <a:endParaRPr lang="zh-CN" altLang="en-US" sz="2000" dirty="0"/>
-          </a:p>
-        </p:txBody>
-      </p:sp>
-      <p:sp>
-        <p:nvSpPr>
-          <p:cNvPr id="27" name="Rectangle 26">
-            <a:extLst>
-              <a:ext uri="{FF2B5EF4-FFF2-40B4-BE49-F238E27FC236}">
-                <a16:creationId xmlns:a16="http://schemas.microsoft.com/office/drawing/2014/main" id="{11FE4500-8303-437C-B88C-711B385273CE}"/>
-              </a:ext>
-            </a:extLst>
-          </p:cNvPr>
-          <p:cNvSpPr/>
-          <p:nvPr/>
-        </p:nvSpPr>
-        <p:spPr>
-          <a:xfrm>
-            <a:off x="1493879" y="5506405"/>
-            <a:ext cx="3478837" cy="707886"/>
-          </a:xfrm>
-          <a:prstGeom prst="rect">
-            <a:avLst/>
-          </a:prstGeom>
-        </p:spPr>
-        <p:txBody>
-          <a:bodyPr wrap="none">
-            <a:spAutoFit/>
-          </a:bodyPr>
-          <a:lstStyle/>
-          <a:p>
-            <a:pPr algn="ctr"/>
-            <a:r>
-              <a:rPr lang="zh-CN" altLang="en-US" sz="2000" b="1" dirty="0">
-                <a:solidFill>
-                  <a:srgbClr val="C00000"/>
-                </a:solidFill>
-                <a:latin typeface="Calibri" panose="020F0502020204030204" pitchFamily="34" charset="0"/>
-                <a:ea typeface="微软雅黑" panose="020B0503020204020204" pitchFamily="34" charset="-122"/>
-                <a:cs typeface="Calibri" panose="020F0502020204030204" pitchFamily="34" charset="0"/>
-              </a:rPr>
-              <a:t>处理</a:t>
-            </a:r>
-            <a:r>
-              <a:rPr lang="en-US" altLang="zh-CN" sz="2000" b="1" dirty="0">
-                <a:solidFill>
-                  <a:srgbClr val="C00000"/>
-                </a:solidFill>
-                <a:latin typeface="Calibri" panose="020F0502020204030204" pitchFamily="34" charset="0"/>
-                <a:ea typeface="微软雅黑" panose="020B0503020204020204" pitchFamily="34" charset="-122"/>
-                <a:cs typeface="Calibri" panose="020F0502020204030204" pitchFamily="34" charset="0"/>
-              </a:rPr>
-              <a:t>CNN</a:t>
-            </a:r>
-            <a:r>
-              <a:rPr lang="zh-CN" altLang="en-US" sz="2000" b="1" dirty="0">
-                <a:solidFill>
-                  <a:srgbClr val="C00000"/>
-                </a:solidFill>
-                <a:latin typeface="Calibri" panose="020F0502020204030204" pitchFamily="34" charset="0"/>
-                <a:ea typeface="微软雅黑" panose="020B0503020204020204" pitchFamily="34" charset="-122"/>
-                <a:cs typeface="Calibri" panose="020F0502020204030204" pitchFamily="34" charset="0"/>
-              </a:rPr>
-              <a:t>等数据密集型应用时</a:t>
-            </a:r>
-            <a:endParaRPr lang="en-US" altLang="zh-CN" sz="2000" b="1" dirty="0">
-              <a:solidFill>
-                <a:srgbClr val="C00000"/>
-              </a:solidFill>
-              <a:latin typeface="Calibri" panose="020F0502020204030204" pitchFamily="34" charset="0"/>
-              <a:ea typeface="微软雅黑" panose="020B0503020204020204" pitchFamily="34" charset="-122"/>
-              <a:cs typeface="Calibri" panose="020F0502020204030204" pitchFamily="34" charset="0"/>
-            </a:endParaRPr>
-          </a:p>
-          <a:p>
-            <a:pPr algn="ctr"/>
-            <a:r>
-              <a:rPr lang="zh-CN" altLang="en-US" sz="2000" b="1" dirty="0">
-                <a:solidFill>
-                  <a:srgbClr val="C00000"/>
-                </a:solidFill>
-                <a:latin typeface="Calibri" panose="020F0502020204030204" pitchFamily="34" charset="0"/>
-                <a:ea typeface="微软雅黑" panose="020B0503020204020204" pitchFamily="34" charset="-122"/>
-                <a:cs typeface="Calibri" panose="020F0502020204030204" pitchFamily="34" charset="0"/>
-              </a:rPr>
-              <a:t>数据搬移开销巨大</a:t>
-            </a:r>
-            <a:endParaRPr lang="zh-CN" altLang="en-US" sz="2000" dirty="0">
-              <a:solidFill>
-                <a:srgbClr val="C00000"/>
-              </a:solidFill>
-            </a:endParaRPr>
-          </a:p>
-        </p:txBody>
-      </p:sp>
-      <p:sp>
-        <p:nvSpPr>
-          <p:cNvPr id="28" name="Rectangle 27">
-            <a:extLst>
-              <a:ext uri="{FF2B5EF4-FFF2-40B4-BE49-F238E27FC236}">
-                <a16:creationId xmlns:a16="http://schemas.microsoft.com/office/drawing/2014/main" id="{7CF9BBF6-311D-426D-9171-80EAB7D142C6}"/>
-              </a:ext>
-            </a:extLst>
-          </p:cNvPr>
-          <p:cNvSpPr/>
-          <p:nvPr/>
-        </p:nvSpPr>
-        <p:spPr>
-          <a:xfrm>
-            <a:off x="7689664" y="5660293"/>
-            <a:ext cx="2749471" cy="400110"/>
-          </a:xfrm>
-          <a:prstGeom prst="rect">
-            <a:avLst/>
-          </a:prstGeom>
-        </p:spPr>
-        <p:txBody>
-          <a:bodyPr wrap="none">
-            <a:spAutoFit/>
-          </a:bodyPr>
-          <a:lstStyle/>
-          <a:p>
-            <a:pPr algn="ctr"/>
-            <a:r>
-              <a:rPr lang="zh-CN" altLang="en-US" sz="2000" b="1" dirty="0">
-                <a:solidFill>
-                  <a:srgbClr val="006600"/>
-                </a:solidFill>
-                <a:latin typeface="Calibri" panose="020F0502020204030204" pitchFamily="34" charset="0"/>
-                <a:ea typeface="微软雅黑" panose="020B0503020204020204" pitchFamily="34" charset="-122"/>
-                <a:cs typeface="Calibri" panose="020F0502020204030204" pitchFamily="34" charset="0"/>
-              </a:rPr>
-              <a:t>有效避免数据搬移开销</a:t>
-            </a:r>
-            <a:endParaRPr lang="zh-CN" altLang="en-US" sz="2000" dirty="0">
-              <a:solidFill>
-                <a:srgbClr val="006600"/>
-              </a:solidFill>
-            </a:endParaRPr>
-          </a:p>
-        </p:txBody>
-      </p:sp>
-      <p:sp>
-        <p:nvSpPr>
-          <p:cNvPr id="29" name="Rectangle 28">
-            <a:extLst>
-              <a:ext uri="{FF2B5EF4-FFF2-40B4-BE49-F238E27FC236}">
-                <a16:creationId xmlns:a16="http://schemas.microsoft.com/office/drawing/2014/main" id="{D1FE7727-3EF6-4ADE-82D2-9EA09CE55DDD}"/>
-              </a:ext>
-            </a:extLst>
-          </p:cNvPr>
-          <p:cNvSpPr/>
-          <p:nvPr/>
-        </p:nvSpPr>
-        <p:spPr>
-          <a:xfrm>
-            <a:off x="7946145" y="2632650"/>
-            <a:ext cx="2236510" cy="400110"/>
-          </a:xfrm>
-          <a:prstGeom prst="rect">
-            <a:avLst/>
-          </a:prstGeom>
-        </p:spPr>
-        <p:txBody>
-          <a:bodyPr wrap="none">
-            <a:spAutoFit/>
-          </a:bodyPr>
-          <a:lstStyle/>
-          <a:p>
-            <a:pPr algn="ctr"/>
-            <a:r>
-              <a:rPr lang="zh-CN" altLang="en-US" sz="2000" b="1" dirty="0">
-                <a:latin typeface="Calibri" panose="020F0502020204030204" pitchFamily="34" charset="0"/>
-                <a:ea typeface="微软雅黑" panose="020B0503020204020204" pitchFamily="34" charset="-122"/>
-                <a:cs typeface="Calibri" panose="020F0502020204030204" pitchFamily="34" charset="0"/>
-              </a:rPr>
-              <a:t>新型存内计算架构</a:t>
-            </a:r>
-            <a:endParaRPr lang="zh-CN" altLang="en-US" sz="2000" dirty="0"/>
-          </a:p>
-        </p:txBody>
-      </p:sp>
+      </p:pic>
     </p:spTree>
     <p:extLst>
       <p:ext uri="{BB962C8B-B14F-4D97-AF65-F5344CB8AC3E}">
-        <p14:creationId xmlns:p14="http://schemas.microsoft.com/office/powerpoint/2010/main" val="3292459801"/>
+        <p14:creationId xmlns:p14="http://schemas.microsoft.com/office/powerpoint/2010/main" val="3119697352"/>
       </p:ext>
     </p:extLst>
   </p:cSld>
@@ -9954,7 +9725,7 @@
           <a:p>
             <a:r>
               <a:rPr lang="zh-CN" altLang="en-US" dirty="0"/>
-              <a:t>存内计算</a:t>
+              <a:t>神经网络算法分析</a:t>
             </a:r>
           </a:p>
         </p:txBody>
@@ -10159,15 +9930,805 @@
               <a:buChar char="p"/>
             </a:pPr>
             <a:r>
-              <a:rPr lang="zh-CN" altLang="en-US" b="1" dirty="0">
+              <a:rPr lang="en-US" altLang="zh-CN" b="1" dirty="0">
                 <a:solidFill>
                   <a:schemeClr val="tx1"/>
                 </a:solidFill>
                 <a:sym typeface="Wingdings" panose="05000000000000000000" pitchFamily="2" charset="2"/>
               </a:rPr>
-              <a:t>卷积神经网络等人工智能算法被广泛应用于多种计算场景</a:t>
+              <a:t> </a:t>
             </a:r>
-          </a:p>
+            <a:r>
+              <a:rPr lang="zh-CN" altLang="en-US" b="1" dirty="0">
+                <a:solidFill>
+                  <a:schemeClr val="tx1"/>
+                </a:solidFill>
+                <a:sym typeface="Wingdings" panose="05000000000000000000" pitchFamily="2" charset="2"/>
+              </a:rPr>
+              <a:t>神经网络输入数据如下图所示</a:t>
+            </a:r>
+            <a:endParaRPr lang="en-US" altLang="zh-CN" b="1" dirty="0">
+              <a:solidFill>
+                <a:schemeClr val="tx1"/>
+              </a:solidFill>
+              <a:sym typeface="Wingdings" panose="05000000000000000000" pitchFamily="2" charset="2"/>
+            </a:endParaRPr>
+          </a:p>
+          <a:p>
+            <a:pPr lvl="1">
+              <a:lnSpc>
+                <a:spcPct val="100000"/>
+              </a:lnSpc>
+              <a:buFont typeface="Wingdings" panose="05000000000000000000" pitchFamily="2" charset="2"/>
+              <a:buChar char="Ø"/>
+            </a:pPr>
+            <a:r>
+              <a:rPr lang="en-US" altLang="zh-CN" b="1" dirty="0">
+                <a:solidFill>
+                  <a:schemeClr val="tx1"/>
+                </a:solidFill>
+                <a:sym typeface="Wingdings" panose="05000000000000000000" pitchFamily="2" charset="2"/>
+              </a:rPr>
+              <a:t> </a:t>
+            </a:r>
+            <a:r>
+              <a:rPr lang="zh-CN" altLang="en-US" b="1" dirty="0">
+                <a:solidFill>
+                  <a:schemeClr val="tx1"/>
+                </a:solidFill>
+                <a:sym typeface="Wingdings" panose="05000000000000000000" pitchFamily="2" charset="2"/>
+              </a:rPr>
+              <a:t>手写数字图像输入</a:t>
+            </a:r>
+            <a:endParaRPr lang="en-US" altLang="zh-CN" b="1" dirty="0">
+              <a:solidFill>
+                <a:schemeClr val="tx1"/>
+              </a:solidFill>
+              <a:sym typeface="Wingdings" panose="05000000000000000000" pitchFamily="2" charset="2"/>
+            </a:endParaRPr>
+          </a:p>
+          <a:p>
+            <a:pPr lvl="1">
+              <a:lnSpc>
+                <a:spcPct val="100000"/>
+              </a:lnSpc>
+              <a:buFont typeface="Wingdings" panose="05000000000000000000" pitchFamily="2" charset="2"/>
+              <a:buChar char="Ø"/>
+            </a:pPr>
+            <a:r>
+              <a:rPr lang="en-US" altLang="zh-CN" b="1" dirty="0">
+                <a:solidFill>
+                  <a:schemeClr val="tx1"/>
+                </a:solidFill>
+                <a:sym typeface="Wingdings" panose="05000000000000000000" pitchFamily="2" charset="2"/>
+              </a:rPr>
+              <a:t> </a:t>
+            </a:r>
+            <a:r>
+              <a:rPr lang="zh-CN" altLang="en-US" b="1" dirty="0">
+                <a:solidFill>
+                  <a:schemeClr val="tx1"/>
+                </a:solidFill>
+                <a:sym typeface="Wingdings" panose="05000000000000000000" pitchFamily="2" charset="2"/>
+              </a:rPr>
+              <a:t>手写数字笔记部分为</a:t>
+            </a:r>
+            <a:r>
+              <a:rPr lang="en-US" altLang="zh-CN" b="1" dirty="0">
+                <a:solidFill>
+                  <a:schemeClr val="tx1"/>
+                </a:solidFill>
+                <a:sym typeface="Wingdings" panose="05000000000000000000" pitchFamily="2" charset="2"/>
+              </a:rPr>
+              <a:t>1</a:t>
+            </a:r>
+            <a:r>
+              <a:rPr lang="zh-CN" altLang="en-US" b="1" dirty="0">
+                <a:solidFill>
+                  <a:schemeClr val="tx1"/>
+                </a:solidFill>
+                <a:sym typeface="Wingdings" panose="05000000000000000000" pitchFamily="2" charset="2"/>
+              </a:rPr>
+              <a:t>，空白部分为</a:t>
+            </a:r>
+            <a:r>
+              <a:rPr lang="en-US" altLang="zh-CN" b="1" dirty="0">
+                <a:solidFill>
+                  <a:schemeClr val="tx1"/>
+                </a:solidFill>
+                <a:sym typeface="Wingdings" panose="05000000000000000000" pitchFamily="2" charset="2"/>
+              </a:rPr>
+              <a:t>0</a:t>
+            </a:r>
+          </a:p>
+          <a:p>
+            <a:pPr>
+              <a:lnSpc>
+                <a:spcPct val="100000"/>
+              </a:lnSpc>
+              <a:buFont typeface="Wingdings" panose="05000000000000000000" pitchFamily="2" charset="2"/>
+              <a:buChar char="p"/>
+            </a:pPr>
+            <a:r>
+              <a:rPr lang="en-US" altLang="zh-CN" b="1" dirty="0">
+                <a:solidFill>
+                  <a:schemeClr val="tx1"/>
+                </a:solidFill>
+                <a:sym typeface="Wingdings" panose="05000000000000000000" pitchFamily="2" charset="2"/>
+              </a:rPr>
+              <a:t> </a:t>
+            </a:r>
+            <a:r>
+              <a:rPr lang="zh-CN" altLang="en-US" b="1" dirty="0">
+                <a:solidFill>
+                  <a:schemeClr val="tx1"/>
+                </a:solidFill>
+                <a:sym typeface="Wingdings" panose="05000000000000000000" pitchFamily="2" charset="2"/>
+              </a:rPr>
+              <a:t>输入数据将被转换为一维矩阵后输入到神经网络中</a:t>
+            </a:r>
+            <a:endParaRPr lang="en-US" altLang="zh-CN" b="1" dirty="0">
+              <a:solidFill>
+                <a:schemeClr val="tx1"/>
+              </a:solidFill>
+              <a:sym typeface="Wingdings" panose="05000000000000000000" pitchFamily="2" charset="2"/>
+            </a:endParaRPr>
+          </a:p>
+          <a:p>
+            <a:pPr>
+              <a:lnSpc>
+                <a:spcPct val="100000"/>
+              </a:lnSpc>
+              <a:buFont typeface="Wingdings" panose="05000000000000000000" pitchFamily="2" charset="2"/>
+              <a:buChar char="p"/>
+            </a:pPr>
+            <a:r>
+              <a:rPr lang="en-US" altLang="zh-CN" b="1" dirty="0">
+                <a:solidFill>
+                  <a:schemeClr val="tx1"/>
+                </a:solidFill>
+                <a:sym typeface="Wingdings" panose="05000000000000000000" pitchFamily="2" charset="2"/>
+              </a:rPr>
+              <a:t> </a:t>
+            </a:r>
+            <a:r>
+              <a:rPr lang="zh-CN" altLang="en-US" b="1" dirty="0">
+                <a:solidFill>
+                  <a:schemeClr val="tx1"/>
+                </a:solidFill>
+                <a:sym typeface="Wingdings" panose="05000000000000000000" pitchFamily="2" charset="2"/>
+              </a:rPr>
+              <a:t>神经网络输出图像中所包含的数字</a:t>
+            </a:r>
+          </a:p>
+        </p:txBody>
+      </p:sp>
+      <p:pic>
+        <p:nvPicPr>
+          <p:cNvPr id="8" name="图片 7">
+            <a:extLst>
+              <a:ext uri="{FF2B5EF4-FFF2-40B4-BE49-F238E27FC236}">
+                <a16:creationId xmlns:a16="http://schemas.microsoft.com/office/drawing/2014/main" id="{994201E3-5867-4259-A053-CA9C5A4E6C51}"/>
+              </a:ext>
+            </a:extLst>
+          </p:cNvPr>
+          <p:cNvPicPr>
+            <a:picLocks noChangeAspect="1"/>
+          </p:cNvPicPr>
+          <p:nvPr/>
+        </p:nvPicPr>
+        <p:blipFill>
+          <a:blip r:embed="rId3"/>
+          <a:stretch>
+            <a:fillRect/>
+          </a:stretch>
+        </p:blipFill>
+        <p:spPr>
+          <a:xfrm>
+            <a:off x="856728" y="3356433"/>
+            <a:ext cx="2435391" cy="2435391"/>
+          </a:xfrm>
+          <a:prstGeom prst="rect">
+            <a:avLst/>
+          </a:prstGeom>
+        </p:spPr>
+      </p:pic>
+      <p:pic>
+        <p:nvPicPr>
+          <p:cNvPr id="9" name="图片 8">
+            <a:extLst>
+              <a:ext uri="{FF2B5EF4-FFF2-40B4-BE49-F238E27FC236}">
+                <a16:creationId xmlns:a16="http://schemas.microsoft.com/office/drawing/2014/main" id="{0E06D5A4-A5ED-4F45-A37C-71C782A7CDC1}"/>
+              </a:ext>
+            </a:extLst>
+          </p:cNvPr>
+          <p:cNvPicPr>
+            <a:picLocks noChangeAspect="1"/>
+          </p:cNvPicPr>
+          <p:nvPr/>
+        </p:nvPicPr>
+        <p:blipFill>
+          <a:blip r:embed="rId4"/>
+          <a:stretch>
+            <a:fillRect/>
+          </a:stretch>
+        </p:blipFill>
+        <p:spPr>
+          <a:xfrm>
+            <a:off x="3858247" y="3356433"/>
+            <a:ext cx="2435391" cy="2435391"/>
+          </a:xfrm>
+          <a:prstGeom prst="rect">
+            <a:avLst/>
+          </a:prstGeom>
+        </p:spPr>
+      </p:pic>
+      <p:sp>
+        <p:nvSpPr>
+          <p:cNvPr id="4" name="矩形: 圆角 3">
+            <a:extLst>
+              <a:ext uri="{FF2B5EF4-FFF2-40B4-BE49-F238E27FC236}">
+                <a16:creationId xmlns:a16="http://schemas.microsoft.com/office/drawing/2014/main" id="{8B9BF06C-43C0-4580-A1B5-48FD58E04439}"/>
+              </a:ext>
+            </a:extLst>
+          </p:cNvPr>
+          <p:cNvSpPr/>
+          <p:nvPr/>
+        </p:nvSpPr>
+        <p:spPr>
+          <a:xfrm>
+            <a:off x="643738" y="3138221"/>
+            <a:ext cx="5896051" cy="2830982"/>
+          </a:xfrm>
+          <a:prstGeom prst="roundRect">
+            <a:avLst>
+              <a:gd name="adj" fmla="val 9173"/>
+            </a:avLst>
+          </a:prstGeom>
+          <a:noFill/>
+          <a:ln w="38100">
+            <a:solidFill>
+              <a:schemeClr val="accent3">
+                <a:lumMod val="60000"/>
+                <a:lumOff val="40000"/>
+              </a:schemeClr>
+            </a:solidFill>
+          </a:ln>
+        </p:spPr>
+        <p:style>
+          <a:lnRef idx="2">
+            <a:schemeClr val="accent1">
+              <a:shade val="50000"/>
+            </a:schemeClr>
+          </a:lnRef>
+          <a:fillRef idx="1">
+            <a:schemeClr val="accent1"/>
+          </a:fillRef>
+          <a:effectRef idx="0">
+            <a:schemeClr val="accent1"/>
+          </a:effectRef>
+          <a:fontRef idx="minor">
+            <a:schemeClr val="lt1"/>
+          </a:fontRef>
+        </p:style>
+        <p:txBody>
+          <a:bodyPr rtlCol="0" anchor="ctr"/>
+          <a:lstStyle/>
+          <a:p>
+            <a:pPr algn="ctr"/>
+            <a:endParaRPr lang="zh-CN" altLang="en-US"/>
+          </a:p>
+        </p:txBody>
+      </p:sp>
+      <p:sp>
+        <p:nvSpPr>
+          <p:cNvPr id="5" name="箭头: 右 4">
+            <a:extLst>
+              <a:ext uri="{FF2B5EF4-FFF2-40B4-BE49-F238E27FC236}">
+                <a16:creationId xmlns:a16="http://schemas.microsoft.com/office/drawing/2014/main" id="{7E7411BA-A609-4F08-9F7A-F006B50A494A}"/>
+              </a:ext>
+            </a:extLst>
+          </p:cNvPr>
+          <p:cNvSpPr/>
+          <p:nvPr/>
+        </p:nvSpPr>
+        <p:spPr>
+          <a:xfrm>
+            <a:off x="6752779" y="4279392"/>
+            <a:ext cx="746151" cy="592531"/>
+          </a:xfrm>
+          <a:prstGeom prst="rightArrow">
+            <a:avLst/>
+          </a:prstGeom>
+          <a:solidFill>
+            <a:schemeClr val="accent3">
+              <a:lumMod val="60000"/>
+              <a:lumOff val="40000"/>
+            </a:schemeClr>
+          </a:solidFill>
+          <a:ln w="38100">
+            <a:solidFill>
+              <a:schemeClr val="accent3"/>
+            </a:solidFill>
+          </a:ln>
+        </p:spPr>
+        <p:style>
+          <a:lnRef idx="2">
+            <a:schemeClr val="accent1">
+              <a:shade val="50000"/>
+            </a:schemeClr>
+          </a:lnRef>
+          <a:fillRef idx="1">
+            <a:schemeClr val="accent1"/>
+          </a:fillRef>
+          <a:effectRef idx="0">
+            <a:schemeClr val="accent1"/>
+          </a:effectRef>
+          <a:fontRef idx="minor">
+            <a:schemeClr val="lt1"/>
+          </a:fontRef>
+        </p:style>
+        <p:txBody>
+          <a:bodyPr rtlCol="0" anchor="ctr"/>
+          <a:lstStyle/>
+          <a:p>
+            <a:pPr algn="ctr"/>
+            <a:endParaRPr lang="zh-CN" altLang="en-US"/>
+          </a:p>
+        </p:txBody>
+      </p:sp>
+      <p:sp>
+        <p:nvSpPr>
+          <p:cNvPr id="6" name="矩形 5">
+            <a:extLst>
+              <a:ext uri="{FF2B5EF4-FFF2-40B4-BE49-F238E27FC236}">
+                <a16:creationId xmlns:a16="http://schemas.microsoft.com/office/drawing/2014/main" id="{DB051E03-0170-4E49-A878-3AE417BC8C2F}"/>
+              </a:ext>
+            </a:extLst>
+          </p:cNvPr>
+          <p:cNvSpPr/>
+          <p:nvPr/>
+        </p:nvSpPr>
+        <p:spPr>
+          <a:xfrm>
+            <a:off x="7711920" y="3441801"/>
+            <a:ext cx="1426464" cy="2223821"/>
+          </a:xfrm>
+          <a:prstGeom prst="rect">
+            <a:avLst/>
+          </a:prstGeom>
+          <a:solidFill>
+            <a:schemeClr val="accent3">
+              <a:lumMod val="60000"/>
+              <a:lumOff val="40000"/>
+            </a:schemeClr>
+          </a:solidFill>
+          <a:ln w="38100">
+            <a:solidFill>
+              <a:schemeClr val="accent3"/>
+            </a:solidFill>
+          </a:ln>
+        </p:spPr>
+        <p:style>
+          <a:lnRef idx="2">
+            <a:schemeClr val="accent1">
+              <a:shade val="50000"/>
+            </a:schemeClr>
+          </a:lnRef>
+          <a:fillRef idx="1">
+            <a:schemeClr val="accent1"/>
+          </a:fillRef>
+          <a:effectRef idx="0">
+            <a:schemeClr val="accent1"/>
+          </a:effectRef>
+          <a:fontRef idx="minor">
+            <a:schemeClr val="lt1"/>
+          </a:fontRef>
+        </p:style>
+        <p:txBody>
+          <a:bodyPr rtlCol="0" anchor="ctr"/>
+          <a:lstStyle/>
+          <a:p>
+            <a:pPr algn="ctr"/>
+            <a:r>
+              <a:rPr lang="en-US" altLang="zh-CN" sz="2800" b="1" dirty="0"/>
+              <a:t>NN</a:t>
+            </a:r>
+            <a:endParaRPr lang="zh-CN" altLang="en-US" sz="2800" b="1" dirty="0"/>
+          </a:p>
+        </p:txBody>
+      </p:sp>
+      <p:sp>
+        <p:nvSpPr>
+          <p:cNvPr id="14" name="箭头: 右 13">
+            <a:extLst>
+              <a:ext uri="{FF2B5EF4-FFF2-40B4-BE49-F238E27FC236}">
+                <a16:creationId xmlns:a16="http://schemas.microsoft.com/office/drawing/2014/main" id="{5FAB4989-B30E-4421-A5DD-336A89867243}"/>
+              </a:ext>
+            </a:extLst>
+          </p:cNvPr>
+          <p:cNvSpPr/>
+          <p:nvPr/>
+        </p:nvSpPr>
+        <p:spPr>
+          <a:xfrm>
+            <a:off x="9351374" y="4279392"/>
+            <a:ext cx="746151" cy="592531"/>
+          </a:xfrm>
+          <a:prstGeom prst="rightArrow">
+            <a:avLst/>
+          </a:prstGeom>
+          <a:solidFill>
+            <a:schemeClr val="accent3">
+              <a:lumMod val="60000"/>
+              <a:lumOff val="40000"/>
+            </a:schemeClr>
+          </a:solidFill>
+          <a:ln w="38100">
+            <a:solidFill>
+              <a:schemeClr val="accent3"/>
+            </a:solidFill>
+          </a:ln>
+        </p:spPr>
+        <p:style>
+          <a:lnRef idx="2">
+            <a:schemeClr val="accent1">
+              <a:shade val="50000"/>
+            </a:schemeClr>
+          </a:lnRef>
+          <a:fillRef idx="1">
+            <a:schemeClr val="accent1"/>
+          </a:fillRef>
+          <a:effectRef idx="0">
+            <a:schemeClr val="accent1"/>
+          </a:effectRef>
+          <a:fontRef idx="minor">
+            <a:schemeClr val="lt1"/>
+          </a:fontRef>
+        </p:style>
+        <p:txBody>
+          <a:bodyPr rtlCol="0" anchor="ctr"/>
+          <a:lstStyle/>
+          <a:p>
+            <a:pPr algn="ctr"/>
+            <a:endParaRPr lang="zh-CN" altLang="en-US"/>
+          </a:p>
+        </p:txBody>
+      </p:sp>
+      <p:sp>
+        <p:nvSpPr>
+          <p:cNvPr id="15" name="文本框 14">
+            <a:extLst>
+              <a:ext uri="{FF2B5EF4-FFF2-40B4-BE49-F238E27FC236}">
+                <a16:creationId xmlns:a16="http://schemas.microsoft.com/office/drawing/2014/main" id="{C9556F71-D4D4-49BF-BC1E-FF3BF8640D00}"/>
+              </a:ext>
+            </a:extLst>
+          </p:cNvPr>
+          <p:cNvSpPr txBox="1"/>
+          <p:nvPr/>
+        </p:nvSpPr>
+        <p:spPr>
+          <a:xfrm>
+            <a:off x="10333393" y="4261323"/>
+            <a:ext cx="1317938" cy="584775"/>
+          </a:xfrm>
+          <a:prstGeom prst="rect">
+            <a:avLst/>
+          </a:prstGeom>
+          <a:noFill/>
+        </p:spPr>
+        <p:txBody>
+          <a:bodyPr wrap="square">
+            <a:spAutoFit/>
+          </a:bodyPr>
+          <a:lstStyle/>
+          <a:p>
+            <a:r>
+              <a:rPr lang="en-US" altLang="zh-CN" sz="3200" b="1" dirty="0">
+                <a:sym typeface="Wingdings" panose="05000000000000000000" pitchFamily="2" charset="2"/>
+              </a:rPr>
+              <a:t>6,</a:t>
+            </a:r>
+            <a:r>
+              <a:rPr lang="zh-CN" altLang="en-US" sz="3200" b="1" dirty="0">
+                <a:sym typeface="Wingdings" panose="05000000000000000000" pitchFamily="2" charset="2"/>
+              </a:rPr>
+              <a:t> </a:t>
+            </a:r>
+            <a:r>
+              <a:rPr lang="en-US" altLang="zh-CN" sz="3200" b="1" dirty="0">
+                <a:sym typeface="Wingdings" panose="05000000000000000000" pitchFamily="2" charset="2"/>
+              </a:rPr>
+              <a:t>7</a:t>
+            </a:r>
+            <a:endParaRPr lang="zh-CN" altLang="en-US" sz="3200" dirty="0"/>
+          </a:p>
+        </p:txBody>
+      </p:sp>
+    </p:spTree>
+    <p:extLst>
+      <p:ext uri="{BB962C8B-B14F-4D97-AF65-F5344CB8AC3E}">
+        <p14:creationId xmlns:p14="http://schemas.microsoft.com/office/powerpoint/2010/main" val="137697341"/>
+      </p:ext>
+    </p:extLst>
+  </p:cSld>
+  <p:clrMapOvr>
+    <a:masterClrMapping/>
+  </p:clrMapOvr>
+</p:sld>
+</file>
+
+<file path=ppt/slides/slide6.xml><?xml version="1.0" encoding="utf-8"?>
+<p:sld xmlns:a="http://schemas.openxmlformats.org/drawingml/2006/main" xmlns:r="http://schemas.openxmlformats.org/officeDocument/2006/relationships" xmlns:p="http://schemas.openxmlformats.org/presentationml/2006/main">
+  <p:cSld>
+    <p:spTree>
+      <p:nvGrpSpPr>
+        <p:cNvPr id="1" name=""/>
+        <p:cNvGrpSpPr/>
+        <p:nvPr/>
+      </p:nvGrpSpPr>
+      <p:grpSpPr>
+        <a:xfrm>
+          <a:off x="0" y="0"/>
+          <a:ext cx="0" cy="0"/>
+          <a:chOff x="0" y="0"/>
+          <a:chExt cx="0" cy="0"/>
+        </a:xfrm>
+      </p:grpSpPr>
+      <p:sp>
+        <p:nvSpPr>
+          <p:cNvPr id="2" name="Slide Number Placeholder 1">
+            <a:extLst>
+              <a:ext uri="{FF2B5EF4-FFF2-40B4-BE49-F238E27FC236}">
+                <a16:creationId xmlns:a16="http://schemas.microsoft.com/office/drawing/2014/main" id="{F33E8B23-6D79-4D76-9267-7BA6BB47324F}"/>
+              </a:ext>
+            </a:extLst>
+          </p:cNvPr>
+          <p:cNvSpPr>
+            <a:spLocks noGrp="1"/>
+          </p:cNvSpPr>
+          <p:nvPr>
+            <p:ph type="sldNum" sz="quarter" idx="10"/>
+          </p:nvPr>
+        </p:nvSpPr>
+        <p:spPr/>
+        <p:txBody>
+          <a:bodyPr/>
+          <a:lstStyle/>
+          <a:p>
+            <a:fld id="{6C53781C-E1F6-4315-A39D-61273F2E0596}" type="slidenum">
+              <a:rPr lang="zh-CN" altLang="en-US" smtClean="0"/>
+              <a:pPr/>
+              <a:t>6</a:t>
+            </a:fld>
+            <a:endParaRPr lang="zh-CN" altLang="en-US" dirty="0"/>
+          </a:p>
+        </p:txBody>
+      </p:sp>
+      <p:sp>
+        <p:nvSpPr>
+          <p:cNvPr id="3" name="Text Placeholder 2">
+            <a:extLst>
+              <a:ext uri="{FF2B5EF4-FFF2-40B4-BE49-F238E27FC236}">
+                <a16:creationId xmlns:a16="http://schemas.microsoft.com/office/drawing/2014/main" id="{BDBB22C1-B888-497C-AB15-518855EC4ABF}"/>
+              </a:ext>
+            </a:extLst>
+          </p:cNvPr>
+          <p:cNvSpPr>
+            <a:spLocks noGrp="1"/>
+          </p:cNvSpPr>
+          <p:nvPr>
+            <p:ph type="body" sz="quarter" idx="11"/>
+          </p:nvPr>
+        </p:nvSpPr>
+        <p:spPr>
+          <a:xfrm>
+            <a:off x="1075351" y="43657"/>
+            <a:ext cx="9186249" cy="598488"/>
+          </a:xfrm>
+        </p:spPr>
+        <p:txBody>
+          <a:bodyPr/>
+          <a:lstStyle/>
+          <a:p>
+            <a:r>
+              <a:rPr lang="zh-CN" altLang="en-US" dirty="0"/>
+              <a:t>加速器电路设计</a:t>
+            </a:r>
+          </a:p>
+        </p:txBody>
+      </p:sp>
+      <p:sp>
+        <p:nvSpPr>
+          <p:cNvPr id="7" name="文本占位符 5">
+            <a:extLst>
+              <a:ext uri="{FF2B5EF4-FFF2-40B4-BE49-F238E27FC236}">
+                <a16:creationId xmlns:a16="http://schemas.microsoft.com/office/drawing/2014/main" id="{08664482-F7B5-4622-8A8C-18371A03964E}"/>
+              </a:ext>
+            </a:extLst>
+          </p:cNvPr>
+          <p:cNvSpPr txBox="1">
+            <a:spLocks/>
+          </p:cNvSpPr>
+          <p:nvPr/>
+        </p:nvSpPr>
+        <p:spPr>
+          <a:xfrm>
+            <a:off x="304798" y="812801"/>
+            <a:ext cx="11582402" cy="5520706"/>
+          </a:xfrm>
+          <a:prstGeom prst="rect">
+            <a:avLst/>
+          </a:prstGeom>
+        </p:spPr>
+        <p:txBody>
+          <a:bodyPr/>
+          <a:lstStyle>
+            <a:lvl1pPr marL="228600" indent="-228600" algn="l" defTabSz="914400" rtl="0" eaLnBrk="1" latinLnBrk="0" hangingPunct="1">
+              <a:lnSpc>
+                <a:spcPct val="130000"/>
+              </a:lnSpc>
+              <a:spcBef>
+                <a:spcPts val="1000"/>
+              </a:spcBef>
+              <a:buFontTx/>
+              <a:buBlip>
+                <a:blip r:embed="rId2"/>
+              </a:buBlip>
+              <a:defRPr sz="2000" kern="1200">
+                <a:solidFill>
+                  <a:schemeClr val="accent2"/>
+                </a:solidFill>
+                <a:latin typeface="+mn-lt"/>
+                <a:ea typeface="+mn-ea"/>
+                <a:cs typeface="+mn-cs"/>
+              </a:defRPr>
+            </a:lvl1pPr>
+            <a:lvl2pPr marL="685800" indent="-228600" algn="l" defTabSz="914400" rtl="0" eaLnBrk="1" latinLnBrk="0" hangingPunct="1">
+              <a:lnSpc>
+                <a:spcPct val="130000"/>
+              </a:lnSpc>
+              <a:spcBef>
+                <a:spcPts val="500"/>
+              </a:spcBef>
+              <a:buFont typeface="Arial" panose="020B0604020202020204" pitchFamily="34" charset="0"/>
+              <a:buChar char="•"/>
+              <a:defRPr sz="2000" kern="1200">
+                <a:solidFill>
+                  <a:schemeClr val="accent2"/>
+                </a:solidFill>
+                <a:latin typeface="+mn-lt"/>
+                <a:ea typeface="+mn-ea"/>
+                <a:cs typeface="+mn-cs"/>
+              </a:defRPr>
+            </a:lvl2pPr>
+            <a:lvl3pPr marL="1143000" indent="-228600" algn="l" defTabSz="914400" rtl="0" eaLnBrk="1" latinLnBrk="0" hangingPunct="1">
+              <a:lnSpc>
+                <a:spcPct val="130000"/>
+              </a:lnSpc>
+              <a:spcBef>
+                <a:spcPts val="500"/>
+              </a:spcBef>
+              <a:buFont typeface="Arial" panose="020B0604020202020204" pitchFamily="34" charset="0"/>
+              <a:buChar char="•"/>
+              <a:defRPr sz="1800" kern="1200">
+                <a:solidFill>
+                  <a:schemeClr val="accent2"/>
+                </a:solidFill>
+                <a:latin typeface="+mn-lt"/>
+                <a:ea typeface="+mn-ea"/>
+                <a:cs typeface="+mn-cs"/>
+              </a:defRPr>
+            </a:lvl3pPr>
+            <a:lvl4pPr marL="1600200" indent="-228600" algn="l" defTabSz="914400" rtl="0" eaLnBrk="1" latinLnBrk="0" hangingPunct="1">
+              <a:lnSpc>
+                <a:spcPct val="130000"/>
+              </a:lnSpc>
+              <a:spcBef>
+                <a:spcPts val="500"/>
+              </a:spcBef>
+              <a:buFont typeface="Arial" panose="020B0604020202020204" pitchFamily="34" charset="0"/>
+              <a:buChar char="•"/>
+              <a:defRPr sz="1600" kern="1200">
+                <a:solidFill>
+                  <a:schemeClr val="accent2"/>
+                </a:solidFill>
+                <a:latin typeface="+mn-lt"/>
+                <a:ea typeface="+mn-ea"/>
+                <a:cs typeface="+mn-cs"/>
+              </a:defRPr>
+            </a:lvl4pPr>
+            <a:lvl5pPr marL="2057400" indent="-228600" algn="l" defTabSz="914400" rtl="0" eaLnBrk="1" latinLnBrk="0" hangingPunct="1">
+              <a:lnSpc>
+                <a:spcPct val="130000"/>
+              </a:lnSpc>
+              <a:spcBef>
+                <a:spcPts val="500"/>
+              </a:spcBef>
+              <a:buFont typeface="Arial" panose="020B0604020202020204" pitchFamily="34" charset="0"/>
+              <a:buChar char="•"/>
+              <a:defRPr sz="1600" kern="1200">
+                <a:solidFill>
+                  <a:schemeClr val="accent2"/>
+                </a:solidFill>
+                <a:latin typeface="+mn-lt"/>
+                <a:ea typeface="+mn-ea"/>
+                <a:cs typeface="+mn-cs"/>
+              </a:defRPr>
+            </a:lvl5pPr>
+            <a:lvl6pPr marL="2514600" indent="-228600" algn="l" defTabSz="914400" rtl="0" eaLnBrk="1" latinLnBrk="0" hangingPunct="1">
+              <a:lnSpc>
+                <a:spcPct val="90000"/>
+              </a:lnSpc>
+              <a:spcBef>
+                <a:spcPts val="500"/>
+              </a:spcBef>
+              <a:buFont typeface="Arial" panose="020B0604020202020204" pitchFamily="34" charset="0"/>
+              <a:buChar char="•"/>
+              <a:defRPr sz="1800" kern="1200">
+                <a:solidFill>
+                  <a:schemeClr val="tx1"/>
+                </a:solidFill>
+                <a:latin typeface="+mn-lt"/>
+                <a:ea typeface="+mn-ea"/>
+                <a:cs typeface="+mn-cs"/>
+              </a:defRPr>
+            </a:lvl6pPr>
+            <a:lvl7pPr marL="2971800" indent="-228600" algn="l" defTabSz="914400" rtl="0" eaLnBrk="1" latinLnBrk="0" hangingPunct="1">
+              <a:lnSpc>
+                <a:spcPct val="90000"/>
+              </a:lnSpc>
+              <a:spcBef>
+                <a:spcPts val="500"/>
+              </a:spcBef>
+              <a:buFont typeface="Arial" panose="020B0604020202020204" pitchFamily="34" charset="0"/>
+              <a:buChar char="•"/>
+              <a:defRPr sz="1800" kern="1200">
+                <a:solidFill>
+                  <a:schemeClr val="tx1"/>
+                </a:solidFill>
+                <a:latin typeface="+mn-lt"/>
+                <a:ea typeface="+mn-ea"/>
+                <a:cs typeface="+mn-cs"/>
+              </a:defRPr>
+            </a:lvl7pPr>
+            <a:lvl8pPr marL="3429000" indent="-228600" algn="l" defTabSz="914400" rtl="0" eaLnBrk="1" latinLnBrk="0" hangingPunct="1">
+              <a:lnSpc>
+                <a:spcPct val="90000"/>
+              </a:lnSpc>
+              <a:spcBef>
+                <a:spcPts val="500"/>
+              </a:spcBef>
+              <a:buFont typeface="Arial" panose="020B0604020202020204" pitchFamily="34" charset="0"/>
+              <a:buChar char="•"/>
+              <a:defRPr sz="1800" kern="1200">
+                <a:solidFill>
+                  <a:schemeClr val="tx1"/>
+                </a:solidFill>
+                <a:latin typeface="+mn-lt"/>
+                <a:ea typeface="+mn-ea"/>
+                <a:cs typeface="+mn-cs"/>
+              </a:defRPr>
+            </a:lvl8pPr>
+            <a:lvl9pPr marL="3886200" indent="-228600" algn="l" defTabSz="914400" rtl="0" eaLnBrk="1" latinLnBrk="0" hangingPunct="1">
+              <a:lnSpc>
+                <a:spcPct val="90000"/>
+              </a:lnSpc>
+              <a:spcBef>
+                <a:spcPts val="500"/>
+              </a:spcBef>
+              <a:buFont typeface="Arial" panose="020B0604020202020204" pitchFamily="34" charset="0"/>
+              <a:buChar char="•"/>
+              <a:defRPr sz="1800" kern="1200">
+                <a:solidFill>
+                  <a:schemeClr val="tx1"/>
+                </a:solidFill>
+                <a:latin typeface="+mn-lt"/>
+                <a:ea typeface="+mn-ea"/>
+                <a:cs typeface="+mn-cs"/>
+              </a:defRPr>
+            </a:lvl9pPr>
+          </a:lstStyle>
           <a:p>
             <a:pPr>
               <a:lnSpc>
@@ -10183,43 +10744,7 @@
                 </a:solidFill>
                 <a:sym typeface="Wingdings" panose="05000000000000000000" pitchFamily="2" charset="2"/>
               </a:rPr>
-              <a:t>传统冯</a:t>
-            </a:r>
-            <a:r>
-              <a:rPr lang="en-US" altLang="zh-CN" b="1" dirty="0">
-                <a:solidFill>
-                  <a:schemeClr val="tx1"/>
-                </a:solidFill>
-                <a:sym typeface="Wingdings" panose="05000000000000000000" pitchFamily="2" charset="2"/>
-              </a:rPr>
-              <a:t>·</a:t>
-            </a:r>
-            <a:r>
-              <a:rPr lang="zh-CN" altLang="en-US" b="1" dirty="0">
-                <a:solidFill>
-                  <a:schemeClr val="tx1"/>
-                </a:solidFill>
-                <a:sym typeface="Wingdings" panose="05000000000000000000" pitchFamily="2" charset="2"/>
-              </a:rPr>
-              <a:t>诺依曼架构存算分离，处理</a:t>
-            </a:r>
-            <a:r>
-              <a:rPr lang="en-US" altLang="zh-CN" b="1" dirty="0">
-                <a:solidFill>
-                  <a:schemeClr val="tx1"/>
-                </a:solidFill>
-                <a:sym typeface="Wingdings" panose="05000000000000000000" pitchFamily="2" charset="2"/>
-              </a:rPr>
-              <a:t>CNN</a:t>
-            </a:r>
-            <a:r>
-              <a:rPr lang="zh-CN" altLang="en-US" b="1" dirty="0">
-                <a:solidFill>
-                  <a:schemeClr val="tx1"/>
-                </a:solidFill>
-                <a:sym typeface="Wingdings" panose="05000000000000000000" pitchFamily="2" charset="2"/>
-              </a:rPr>
-              <a:t>等数据密集型应用时数据搬移开销巨大</a:t>
+              <a:t>卷积神经网络等人工智能算法被广泛应用于多种计算场景</a:t>
             </a:r>
           </a:p>
           <a:p>
@@ -10237,314 +10762,438 @@
                 </a:solidFill>
                 <a:sym typeface="Wingdings" panose="05000000000000000000" pitchFamily="2" charset="2"/>
               </a:rPr>
+              <a:t>传统冯</a:t>
+            </a:r>
+            <a:r>
+              <a:rPr lang="en-US" altLang="zh-CN" b="1" dirty="0">
+                <a:solidFill>
+                  <a:schemeClr val="tx1"/>
+                </a:solidFill>
+                <a:sym typeface="Wingdings" panose="05000000000000000000" pitchFamily="2" charset="2"/>
+              </a:rPr>
+              <a:t>·</a:t>
+            </a:r>
+            <a:r>
+              <a:rPr lang="zh-CN" altLang="en-US" b="1" dirty="0">
+                <a:solidFill>
+                  <a:schemeClr val="tx1"/>
+                </a:solidFill>
+                <a:sym typeface="Wingdings" panose="05000000000000000000" pitchFamily="2" charset="2"/>
+              </a:rPr>
+              <a:t>诺依曼架构存算分离，处理</a:t>
+            </a:r>
+            <a:r>
+              <a:rPr lang="en-US" altLang="zh-CN" b="1" dirty="0">
+                <a:solidFill>
+                  <a:schemeClr val="tx1"/>
+                </a:solidFill>
+                <a:sym typeface="Wingdings" panose="05000000000000000000" pitchFamily="2" charset="2"/>
+              </a:rPr>
+              <a:t>CNN</a:t>
+            </a:r>
+            <a:r>
+              <a:rPr lang="zh-CN" altLang="en-US" b="1" dirty="0">
+                <a:solidFill>
+                  <a:schemeClr val="tx1"/>
+                </a:solidFill>
+                <a:sym typeface="Wingdings" panose="05000000000000000000" pitchFamily="2" charset="2"/>
+              </a:rPr>
+              <a:t>等数据密集型应用时数据搬移开销巨大</a:t>
+            </a:r>
+          </a:p>
+          <a:p>
+            <a:pPr>
+              <a:lnSpc>
+                <a:spcPct val="100000"/>
+              </a:lnSpc>
+              <a:buFont typeface="Wingdings" panose="05000000000000000000" pitchFamily="2" charset="2"/>
+              <a:buChar char="p"/>
+            </a:pPr>
+            <a:r>
+              <a:rPr lang="zh-CN" altLang="en-US" b="1" dirty="0">
+                <a:solidFill>
+                  <a:schemeClr val="tx1"/>
+                </a:solidFill>
+                <a:sym typeface="Wingdings" panose="05000000000000000000" pitchFamily="2" charset="2"/>
+              </a:rPr>
               <a:t>存内计算将计算功能集成到存储单元中，可有效避免数据搬移开销</a:t>
             </a:r>
           </a:p>
         </p:txBody>
       </p:sp>
-      <p:pic>
-        <p:nvPicPr>
-          <p:cNvPr id="24" name="Picture 23">
-            <a:extLst>
-              <a:ext uri="{FF2B5EF4-FFF2-40B4-BE49-F238E27FC236}">
-                <a16:creationId xmlns:a16="http://schemas.microsoft.com/office/drawing/2014/main" id="{05A88CF0-CBC5-4FF9-97B0-C95A01043143}"/>
-              </a:ext>
-            </a:extLst>
-          </p:cNvPr>
-          <p:cNvPicPr>
-            <a:picLocks noChangeAspect="1"/>
-          </p:cNvPicPr>
+    </p:spTree>
+    <p:extLst>
+      <p:ext uri="{BB962C8B-B14F-4D97-AF65-F5344CB8AC3E}">
+        <p14:creationId xmlns:p14="http://schemas.microsoft.com/office/powerpoint/2010/main" val="4207196214"/>
+      </p:ext>
+    </p:extLst>
+  </p:cSld>
+  <p:clrMapOvr>
+    <a:masterClrMapping/>
+  </p:clrMapOvr>
+</p:sld>
+</file>
+
+<file path=ppt/slides/slide7.xml><?xml version="1.0" encoding="utf-8"?>
+<p:sld xmlns:a="http://schemas.openxmlformats.org/drawingml/2006/main" xmlns:r="http://schemas.openxmlformats.org/officeDocument/2006/relationships" xmlns:p="http://schemas.openxmlformats.org/presentationml/2006/main">
+  <p:cSld>
+    <p:spTree>
+      <p:nvGrpSpPr>
+        <p:cNvPr id="1" name=""/>
+        <p:cNvGrpSpPr/>
+        <p:nvPr/>
+      </p:nvGrpSpPr>
+      <p:grpSpPr>
+        <a:xfrm>
+          <a:off x="0" y="0"/>
+          <a:ext cx="0" cy="0"/>
+          <a:chOff x="0" y="0"/>
+          <a:chExt cx="0" cy="0"/>
+        </a:xfrm>
+      </p:grpSpPr>
+      <p:sp>
+        <p:nvSpPr>
+          <p:cNvPr id="2" name="Slide Number Placeholder 1">
+            <a:extLst>
+              <a:ext uri="{FF2B5EF4-FFF2-40B4-BE49-F238E27FC236}">
+                <a16:creationId xmlns:a16="http://schemas.microsoft.com/office/drawing/2014/main" id="{F33E8B23-6D79-4D76-9267-7BA6BB47324F}"/>
+              </a:ext>
+            </a:extLst>
+          </p:cNvPr>
+          <p:cNvSpPr>
+            <a:spLocks noGrp="1"/>
+          </p:cNvSpPr>
+          <p:nvPr>
+            <p:ph type="sldNum" sz="quarter" idx="10"/>
+          </p:nvPr>
+        </p:nvSpPr>
+        <p:spPr/>
+        <p:txBody>
+          <a:bodyPr/>
+          <a:lstStyle/>
+          <a:p>
+            <a:fld id="{6C53781C-E1F6-4315-A39D-61273F2E0596}" type="slidenum">
+              <a:rPr lang="zh-CN" altLang="en-US" smtClean="0"/>
+              <a:pPr/>
+              <a:t>7</a:t>
+            </a:fld>
+            <a:endParaRPr lang="zh-CN" altLang="en-US" dirty="0"/>
+          </a:p>
+        </p:txBody>
+      </p:sp>
+      <p:sp>
+        <p:nvSpPr>
+          <p:cNvPr id="3" name="Text Placeholder 2">
+            <a:extLst>
+              <a:ext uri="{FF2B5EF4-FFF2-40B4-BE49-F238E27FC236}">
+                <a16:creationId xmlns:a16="http://schemas.microsoft.com/office/drawing/2014/main" id="{BDBB22C1-B888-497C-AB15-518855EC4ABF}"/>
+              </a:ext>
+            </a:extLst>
+          </p:cNvPr>
+          <p:cNvSpPr>
+            <a:spLocks noGrp="1"/>
+          </p:cNvSpPr>
+          <p:nvPr>
+            <p:ph type="body" sz="quarter" idx="11"/>
+          </p:nvPr>
+        </p:nvSpPr>
+        <p:spPr>
+          <a:xfrm>
+            <a:off x="1075351" y="43657"/>
+            <a:ext cx="9186249" cy="598488"/>
+          </a:xfrm>
+        </p:spPr>
+        <p:txBody>
+          <a:bodyPr/>
+          <a:lstStyle/>
+          <a:p>
+            <a:r>
+              <a:rPr lang="zh-CN" altLang="en-US" dirty="0"/>
+              <a:t>电路仿真结果</a:t>
+            </a:r>
+          </a:p>
+        </p:txBody>
+      </p:sp>
+      <p:sp>
+        <p:nvSpPr>
+          <p:cNvPr id="7" name="文本占位符 5">
+            <a:extLst>
+              <a:ext uri="{FF2B5EF4-FFF2-40B4-BE49-F238E27FC236}">
+                <a16:creationId xmlns:a16="http://schemas.microsoft.com/office/drawing/2014/main" id="{08664482-F7B5-4622-8A8C-18371A03964E}"/>
+              </a:ext>
+            </a:extLst>
+          </p:cNvPr>
+          <p:cNvSpPr txBox="1">
+            <a:spLocks/>
+          </p:cNvSpPr>
           <p:nvPr/>
-        </p:nvPicPr>
-        <p:blipFill>
-          <a:blip r:embed="rId3">
-            <a:extLst>
-              <a:ext uri="{28A0092B-C50C-407E-A947-70E740481C1C}">
-                <a14:useLocalDpi xmlns:a14="http://schemas.microsoft.com/office/drawing/2010/main" val="0"/>
-              </a:ext>
-            </a:extLst>
-          </a:blip>
-          <a:stretch>
-            <a:fillRect/>
-          </a:stretch>
-        </p:blipFill>
-        <p:spPr>
-          <a:xfrm>
-            <a:off x="503454" y="3032760"/>
-            <a:ext cx="5459691" cy="2330582"/>
+        </p:nvSpPr>
+        <p:spPr>
+          <a:xfrm>
+            <a:off x="304798" y="812801"/>
+            <a:ext cx="11582402" cy="5520706"/>
           </a:xfrm>
           <a:prstGeom prst="rect">
             <a:avLst/>
           </a:prstGeom>
         </p:spPr>
-      </p:pic>
-      <p:pic>
-        <p:nvPicPr>
-          <p:cNvPr id="25" name="Picture 24">
-            <a:extLst>
-              <a:ext uri="{FF2B5EF4-FFF2-40B4-BE49-F238E27FC236}">
-                <a16:creationId xmlns:a16="http://schemas.microsoft.com/office/drawing/2014/main" id="{9B2769E6-E52B-4842-933D-D76B0FA47F31}"/>
-              </a:ext>
-            </a:extLst>
-          </p:cNvPr>
-          <p:cNvPicPr>
-            <a:picLocks noChangeAspect="1"/>
-          </p:cNvPicPr>
-          <p:nvPr/>
-        </p:nvPicPr>
-        <p:blipFill>
-          <a:blip r:embed="rId4">
-            <a:extLst>
-              <a:ext uri="{28A0092B-C50C-407E-A947-70E740481C1C}">
-                <a14:useLocalDpi xmlns:a14="http://schemas.microsoft.com/office/drawing/2010/main" val="0"/>
-              </a:ext>
-            </a:extLst>
-          </a:blip>
-          <a:stretch>
-            <a:fillRect/>
-          </a:stretch>
-        </p:blipFill>
-        <p:spPr>
-          <a:xfrm>
-            <a:off x="6440254" y="3032760"/>
-            <a:ext cx="5248292" cy="2330582"/>
-          </a:xfrm>
-          <a:prstGeom prst="rect">
-            <a:avLst/>
-          </a:prstGeom>
-        </p:spPr>
-      </p:pic>
-      <p:sp>
-        <p:nvSpPr>
-          <p:cNvPr id="26" name="Rectangle 25">
-            <a:extLst>
-              <a:ext uri="{FF2B5EF4-FFF2-40B4-BE49-F238E27FC236}">
-                <a16:creationId xmlns:a16="http://schemas.microsoft.com/office/drawing/2014/main" id="{6D6BF710-D6B9-4422-923A-C93AA3BF82AB}"/>
-              </a:ext>
-            </a:extLst>
-          </p:cNvPr>
-          <p:cNvSpPr/>
-          <p:nvPr/>
-        </p:nvSpPr>
-        <p:spPr>
-          <a:xfrm>
-            <a:off x="2080579" y="2632650"/>
-            <a:ext cx="2305439" cy="400110"/>
-          </a:xfrm>
-          <a:prstGeom prst="rect">
-            <a:avLst/>
-          </a:prstGeom>
-        </p:spPr>
         <p:txBody>
-          <a:bodyPr wrap="none">
-            <a:spAutoFit/>
-          </a:bodyPr>
-          <a:lstStyle/>
-          <a:p>
-            <a:pPr algn="ctr"/>
+          <a:bodyPr/>
+          <a:lstStyle>
+            <a:lvl1pPr marL="228600" indent="-228600" algn="l" defTabSz="914400" rtl="0" eaLnBrk="1" latinLnBrk="0" hangingPunct="1">
+              <a:lnSpc>
+                <a:spcPct val="130000"/>
+              </a:lnSpc>
+              <a:spcBef>
+                <a:spcPts val="1000"/>
+              </a:spcBef>
+              <a:buFontTx/>
+              <a:buBlip>
+                <a:blip r:embed="rId2"/>
+              </a:buBlip>
+              <a:defRPr sz="2000" kern="1200">
+                <a:solidFill>
+                  <a:schemeClr val="accent2"/>
+                </a:solidFill>
+                <a:latin typeface="+mn-lt"/>
+                <a:ea typeface="+mn-ea"/>
+                <a:cs typeface="+mn-cs"/>
+              </a:defRPr>
+            </a:lvl1pPr>
+            <a:lvl2pPr marL="685800" indent="-228600" algn="l" defTabSz="914400" rtl="0" eaLnBrk="1" latinLnBrk="0" hangingPunct="1">
+              <a:lnSpc>
+                <a:spcPct val="130000"/>
+              </a:lnSpc>
+              <a:spcBef>
+                <a:spcPts val="500"/>
+              </a:spcBef>
+              <a:buFont typeface="Arial" panose="020B0604020202020204" pitchFamily="34" charset="0"/>
+              <a:buChar char="•"/>
+              <a:defRPr sz="2000" kern="1200">
+                <a:solidFill>
+                  <a:schemeClr val="accent2"/>
+                </a:solidFill>
+                <a:latin typeface="+mn-lt"/>
+                <a:ea typeface="+mn-ea"/>
+                <a:cs typeface="+mn-cs"/>
+              </a:defRPr>
+            </a:lvl2pPr>
+            <a:lvl3pPr marL="1143000" indent="-228600" algn="l" defTabSz="914400" rtl="0" eaLnBrk="1" latinLnBrk="0" hangingPunct="1">
+              <a:lnSpc>
+                <a:spcPct val="130000"/>
+              </a:lnSpc>
+              <a:spcBef>
+                <a:spcPts val="500"/>
+              </a:spcBef>
+              <a:buFont typeface="Arial" panose="020B0604020202020204" pitchFamily="34" charset="0"/>
+              <a:buChar char="•"/>
+              <a:defRPr sz="1800" kern="1200">
+                <a:solidFill>
+                  <a:schemeClr val="accent2"/>
+                </a:solidFill>
+                <a:latin typeface="+mn-lt"/>
+                <a:ea typeface="+mn-ea"/>
+                <a:cs typeface="+mn-cs"/>
+              </a:defRPr>
+            </a:lvl3pPr>
+            <a:lvl4pPr marL="1600200" indent="-228600" algn="l" defTabSz="914400" rtl="0" eaLnBrk="1" latinLnBrk="0" hangingPunct="1">
+              <a:lnSpc>
+                <a:spcPct val="130000"/>
+              </a:lnSpc>
+              <a:spcBef>
+                <a:spcPts val="500"/>
+              </a:spcBef>
+              <a:buFont typeface="Arial" panose="020B0604020202020204" pitchFamily="34" charset="0"/>
+              <a:buChar char="•"/>
+              <a:defRPr sz="1600" kern="1200">
+                <a:solidFill>
+                  <a:schemeClr val="accent2"/>
+                </a:solidFill>
+                <a:latin typeface="+mn-lt"/>
+                <a:ea typeface="+mn-ea"/>
+                <a:cs typeface="+mn-cs"/>
+              </a:defRPr>
+            </a:lvl4pPr>
+            <a:lvl5pPr marL="2057400" indent="-228600" algn="l" defTabSz="914400" rtl="0" eaLnBrk="1" latinLnBrk="0" hangingPunct="1">
+              <a:lnSpc>
+                <a:spcPct val="130000"/>
+              </a:lnSpc>
+              <a:spcBef>
+                <a:spcPts val="500"/>
+              </a:spcBef>
+              <a:buFont typeface="Arial" panose="020B0604020202020204" pitchFamily="34" charset="0"/>
+              <a:buChar char="•"/>
+              <a:defRPr sz="1600" kern="1200">
+                <a:solidFill>
+                  <a:schemeClr val="accent2"/>
+                </a:solidFill>
+                <a:latin typeface="+mn-lt"/>
+                <a:ea typeface="+mn-ea"/>
+                <a:cs typeface="+mn-cs"/>
+              </a:defRPr>
+            </a:lvl5pPr>
+            <a:lvl6pPr marL="2514600" indent="-228600" algn="l" defTabSz="914400" rtl="0" eaLnBrk="1" latinLnBrk="0" hangingPunct="1">
+              <a:lnSpc>
+                <a:spcPct val="90000"/>
+              </a:lnSpc>
+              <a:spcBef>
+                <a:spcPts val="500"/>
+              </a:spcBef>
+              <a:buFont typeface="Arial" panose="020B0604020202020204" pitchFamily="34" charset="0"/>
+              <a:buChar char="•"/>
+              <a:defRPr sz="1800" kern="1200">
+                <a:solidFill>
+                  <a:schemeClr val="tx1"/>
+                </a:solidFill>
+                <a:latin typeface="+mn-lt"/>
+                <a:ea typeface="+mn-ea"/>
+                <a:cs typeface="+mn-cs"/>
+              </a:defRPr>
+            </a:lvl6pPr>
+            <a:lvl7pPr marL="2971800" indent="-228600" algn="l" defTabSz="914400" rtl="0" eaLnBrk="1" latinLnBrk="0" hangingPunct="1">
+              <a:lnSpc>
+                <a:spcPct val="90000"/>
+              </a:lnSpc>
+              <a:spcBef>
+                <a:spcPts val="500"/>
+              </a:spcBef>
+              <a:buFont typeface="Arial" panose="020B0604020202020204" pitchFamily="34" charset="0"/>
+              <a:buChar char="•"/>
+              <a:defRPr sz="1800" kern="1200">
+                <a:solidFill>
+                  <a:schemeClr val="tx1"/>
+                </a:solidFill>
+                <a:latin typeface="+mn-lt"/>
+                <a:ea typeface="+mn-ea"/>
+                <a:cs typeface="+mn-cs"/>
+              </a:defRPr>
+            </a:lvl7pPr>
+            <a:lvl8pPr marL="3429000" indent="-228600" algn="l" defTabSz="914400" rtl="0" eaLnBrk="1" latinLnBrk="0" hangingPunct="1">
+              <a:lnSpc>
+                <a:spcPct val="90000"/>
+              </a:lnSpc>
+              <a:spcBef>
+                <a:spcPts val="500"/>
+              </a:spcBef>
+              <a:buFont typeface="Arial" panose="020B0604020202020204" pitchFamily="34" charset="0"/>
+              <a:buChar char="•"/>
+              <a:defRPr sz="1800" kern="1200">
+                <a:solidFill>
+                  <a:schemeClr val="tx1"/>
+                </a:solidFill>
+                <a:latin typeface="+mn-lt"/>
+                <a:ea typeface="+mn-ea"/>
+                <a:cs typeface="+mn-cs"/>
+              </a:defRPr>
+            </a:lvl8pPr>
+            <a:lvl9pPr marL="3886200" indent="-228600" algn="l" defTabSz="914400" rtl="0" eaLnBrk="1" latinLnBrk="0" hangingPunct="1">
+              <a:lnSpc>
+                <a:spcPct val="90000"/>
+              </a:lnSpc>
+              <a:spcBef>
+                <a:spcPts val="500"/>
+              </a:spcBef>
+              <a:buFont typeface="Arial" panose="020B0604020202020204" pitchFamily="34" charset="0"/>
+              <a:buChar char="•"/>
+              <a:defRPr sz="1800" kern="1200">
+                <a:solidFill>
+                  <a:schemeClr val="tx1"/>
+                </a:solidFill>
+                <a:latin typeface="+mn-lt"/>
+                <a:ea typeface="+mn-ea"/>
+                <a:cs typeface="+mn-cs"/>
+              </a:defRPr>
+            </a:lvl9pPr>
+          </a:lstStyle>
+          <a:p>
+            <a:pPr>
+              <a:lnSpc>
+                <a:spcPct val="100000"/>
+              </a:lnSpc>
+              <a:buFont typeface="Wingdings" panose="05000000000000000000" pitchFamily="2" charset="2"/>
+              <a:buChar char="p"/>
+            </a:pPr>
             <a:r>
-              <a:rPr lang="zh-CN" altLang="en-US" sz="2000" b="1" dirty="0">
-                <a:latin typeface="Calibri" panose="020F0502020204030204" pitchFamily="34" charset="0"/>
-                <a:ea typeface="微软雅黑" panose="020B0503020204020204" pitchFamily="34" charset="-122"/>
-                <a:cs typeface="Calibri" panose="020F0502020204030204" pitchFamily="34" charset="0"/>
+              <a:rPr lang="zh-CN" altLang="en-US" b="1" dirty="0">
+                <a:solidFill>
+                  <a:schemeClr val="tx1"/>
+                </a:solidFill>
+                <a:sym typeface="Wingdings" panose="05000000000000000000" pitchFamily="2" charset="2"/>
+              </a:rPr>
+              <a:t>卷积神经网络等人工智能算法被广泛应用于多种计算场景</a:t>
+            </a:r>
+          </a:p>
+          <a:p>
+            <a:pPr>
+              <a:lnSpc>
+                <a:spcPct val="100000"/>
+              </a:lnSpc>
+              <a:buFont typeface="Wingdings" panose="05000000000000000000" pitchFamily="2" charset="2"/>
+              <a:buChar char="p"/>
+            </a:pPr>
+            <a:r>
+              <a:rPr lang="zh-CN" altLang="en-US" b="1" dirty="0">
+                <a:solidFill>
+                  <a:schemeClr val="tx1"/>
+                </a:solidFill>
+                <a:sym typeface="Wingdings" panose="05000000000000000000" pitchFamily="2" charset="2"/>
               </a:rPr>
               <a:t>传统冯</a:t>
             </a:r>
             <a:r>
-              <a:rPr lang="en-US" altLang="zh-CN" sz="2000" b="1" dirty="0">
-                <a:latin typeface="Calibri" panose="020F0502020204030204" pitchFamily="34" charset="0"/>
-                <a:ea typeface="微软雅黑" panose="020B0503020204020204" pitchFamily="34" charset="-122"/>
-                <a:cs typeface="Calibri" panose="020F0502020204030204" pitchFamily="34" charset="0"/>
+              <a:rPr lang="en-US" altLang="zh-CN" b="1" dirty="0">
+                <a:solidFill>
+                  <a:schemeClr val="tx1"/>
+                </a:solidFill>
+                <a:sym typeface="Wingdings" panose="05000000000000000000" pitchFamily="2" charset="2"/>
               </a:rPr>
               <a:t>·</a:t>
             </a:r>
             <a:r>
-              <a:rPr lang="zh-CN" altLang="en-US" sz="2000" b="1" dirty="0">
-                <a:latin typeface="Calibri" panose="020F0502020204030204" pitchFamily="34" charset="0"/>
-                <a:ea typeface="微软雅黑" panose="020B0503020204020204" pitchFamily="34" charset="-122"/>
-                <a:cs typeface="Calibri" panose="020F0502020204030204" pitchFamily="34" charset="0"/>
+              <a:rPr lang="zh-CN" altLang="en-US" b="1" dirty="0">
+                <a:solidFill>
+                  <a:schemeClr val="tx1"/>
+                </a:solidFill>
+                <a:sym typeface="Wingdings" panose="05000000000000000000" pitchFamily="2" charset="2"/>
               </a:rPr>
-              <a:t>诺伊曼架构</a:t>
-            </a:r>
-            <a:endParaRPr lang="zh-CN" altLang="en-US" sz="2000" dirty="0"/>
-          </a:p>
-        </p:txBody>
-      </p:sp>
-      <p:sp>
-        <p:nvSpPr>
-          <p:cNvPr id="27" name="Rectangle 26">
-            <a:extLst>
-              <a:ext uri="{FF2B5EF4-FFF2-40B4-BE49-F238E27FC236}">
-                <a16:creationId xmlns:a16="http://schemas.microsoft.com/office/drawing/2014/main" id="{11FE4500-8303-437C-B88C-711B385273CE}"/>
-              </a:ext>
-            </a:extLst>
-          </p:cNvPr>
-          <p:cNvSpPr/>
-          <p:nvPr/>
-        </p:nvSpPr>
-        <p:spPr>
-          <a:xfrm>
-            <a:off x="1493879" y="5506405"/>
-            <a:ext cx="3478837" cy="707886"/>
-          </a:xfrm>
-          <a:prstGeom prst="rect">
-            <a:avLst/>
-          </a:prstGeom>
-        </p:spPr>
-        <p:txBody>
-          <a:bodyPr wrap="none">
-            <a:spAutoFit/>
-          </a:bodyPr>
-          <a:lstStyle/>
-          <a:p>
-            <a:pPr algn="ctr"/>
-            <a:r>
-              <a:rPr lang="zh-CN" altLang="en-US" sz="2000" b="1" dirty="0">
-                <a:solidFill>
-                  <a:srgbClr val="C00000"/>
-                </a:solidFill>
-                <a:latin typeface="Calibri" panose="020F0502020204030204" pitchFamily="34" charset="0"/>
-                <a:ea typeface="微软雅黑" panose="020B0503020204020204" pitchFamily="34" charset="-122"/>
-                <a:cs typeface="Calibri" panose="020F0502020204030204" pitchFamily="34" charset="0"/>
-              </a:rPr>
-              <a:t>处理</a:t>
+              <a:t>诺依曼架构存算分离，处理</a:t>
             </a:r>
             <a:r>
-              <a:rPr lang="en-US" altLang="zh-CN" sz="2000" b="1" dirty="0">
-                <a:solidFill>
-                  <a:srgbClr val="C00000"/>
-                </a:solidFill>
-                <a:latin typeface="Calibri" panose="020F0502020204030204" pitchFamily="34" charset="0"/>
-                <a:ea typeface="微软雅黑" panose="020B0503020204020204" pitchFamily="34" charset="-122"/>
-                <a:cs typeface="Calibri" panose="020F0502020204030204" pitchFamily="34" charset="0"/>
+              <a:rPr lang="en-US" altLang="zh-CN" b="1" dirty="0">
+                <a:solidFill>
+                  <a:schemeClr val="tx1"/>
+                </a:solidFill>
+                <a:sym typeface="Wingdings" panose="05000000000000000000" pitchFamily="2" charset="2"/>
               </a:rPr>
               <a:t>CNN</a:t>
             </a:r>
             <a:r>
-              <a:rPr lang="zh-CN" altLang="en-US" sz="2000" b="1" dirty="0">
-                <a:solidFill>
-                  <a:srgbClr val="C00000"/>
-                </a:solidFill>
-                <a:latin typeface="Calibri" panose="020F0502020204030204" pitchFamily="34" charset="0"/>
-                <a:ea typeface="微软雅黑" panose="020B0503020204020204" pitchFamily="34" charset="-122"/>
-                <a:cs typeface="Calibri" panose="020F0502020204030204" pitchFamily="34" charset="0"/>
+              <a:rPr lang="zh-CN" altLang="en-US" b="1" dirty="0">
+                <a:solidFill>
+                  <a:schemeClr val="tx1"/>
+                </a:solidFill>
+                <a:sym typeface="Wingdings" panose="05000000000000000000" pitchFamily="2" charset="2"/>
               </a:rPr>
-              <a:t>等数据密集型应用时</a:t>
+              <a:t>等数据密集型应用时数据搬移开销巨大</a:t>
             </a:r>
-            <a:endParaRPr lang="en-US" altLang="zh-CN" sz="2000" b="1" dirty="0">
-              <a:solidFill>
-                <a:srgbClr val="C00000"/>
-              </a:solidFill>
-              <a:latin typeface="Calibri" panose="020F0502020204030204" pitchFamily="34" charset="0"/>
-              <a:ea typeface="微软雅黑" panose="020B0503020204020204" pitchFamily="34" charset="-122"/>
-              <a:cs typeface="Calibri" panose="020F0502020204030204" pitchFamily="34" charset="0"/>
-            </a:endParaRPr>
-          </a:p>
-          <a:p>
-            <a:pPr algn="ctr"/>
+          </a:p>
+          <a:p>
+            <a:pPr>
+              <a:lnSpc>
+                <a:spcPct val="100000"/>
+              </a:lnSpc>
+              <a:buFont typeface="Wingdings" panose="05000000000000000000" pitchFamily="2" charset="2"/>
+              <a:buChar char="p"/>
+            </a:pPr>
             <a:r>
-              <a:rPr lang="zh-CN" altLang="en-US" sz="2000" b="1" dirty="0">
-                <a:solidFill>
-                  <a:srgbClr val="C00000"/>
-                </a:solidFill>
-                <a:latin typeface="Calibri" panose="020F0502020204030204" pitchFamily="34" charset="0"/>
-                <a:ea typeface="微软雅黑" panose="020B0503020204020204" pitchFamily="34" charset="-122"/>
-                <a:cs typeface="Calibri" panose="020F0502020204030204" pitchFamily="34" charset="0"/>
+              <a:rPr lang="zh-CN" altLang="en-US" b="1" dirty="0">
+                <a:solidFill>
+                  <a:schemeClr val="tx1"/>
+                </a:solidFill>
+                <a:sym typeface="Wingdings" panose="05000000000000000000" pitchFamily="2" charset="2"/>
               </a:rPr>
-              <a:t>数据搬移开销巨大</a:t>
+              <a:t>存内计算将计算功能集成到存储单元中，可有效避免数据搬移开销</a:t>
             </a:r>
-            <a:endParaRPr lang="zh-CN" altLang="en-US" sz="2000" dirty="0">
-              <a:solidFill>
-                <a:srgbClr val="C00000"/>
-              </a:solidFill>
-            </a:endParaRPr>
-          </a:p>
-        </p:txBody>
-      </p:sp>
-      <p:sp>
-        <p:nvSpPr>
-          <p:cNvPr id="28" name="Rectangle 27">
-            <a:extLst>
-              <a:ext uri="{FF2B5EF4-FFF2-40B4-BE49-F238E27FC236}">
-                <a16:creationId xmlns:a16="http://schemas.microsoft.com/office/drawing/2014/main" id="{7CF9BBF6-311D-426D-9171-80EAB7D142C6}"/>
-              </a:ext>
-            </a:extLst>
-          </p:cNvPr>
-          <p:cNvSpPr/>
-          <p:nvPr/>
-        </p:nvSpPr>
-        <p:spPr>
-          <a:xfrm>
-            <a:off x="7689664" y="5660293"/>
-            <a:ext cx="2749471" cy="400110"/>
-          </a:xfrm>
-          <a:prstGeom prst="rect">
-            <a:avLst/>
-          </a:prstGeom>
-        </p:spPr>
-        <p:txBody>
-          <a:bodyPr wrap="none">
-            <a:spAutoFit/>
-          </a:bodyPr>
-          <a:lstStyle/>
-          <a:p>
-            <a:pPr algn="ctr"/>
-            <a:r>
-              <a:rPr lang="zh-CN" altLang="en-US" sz="2000" b="1" dirty="0">
-                <a:solidFill>
-                  <a:srgbClr val="006600"/>
-                </a:solidFill>
-                <a:latin typeface="Calibri" panose="020F0502020204030204" pitchFamily="34" charset="0"/>
-                <a:ea typeface="微软雅黑" panose="020B0503020204020204" pitchFamily="34" charset="-122"/>
-                <a:cs typeface="Calibri" panose="020F0502020204030204" pitchFamily="34" charset="0"/>
-              </a:rPr>
-              <a:t>有效避免数据搬移开销</a:t>
-            </a:r>
-            <a:endParaRPr lang="zh-CN" altLang="en-US" sz="2000" dirty="0">
-              <a:solidFill>
-                <a:srgbClr val="006600"/>
-              </a:solidFill>
-            </a:endParaRPr>
-          </a:p>
-        </p:txBody>
-      </p:sp>
-      <p:sp>
-        <p:nvSpPr>
-          <p:cNvPr id="29" name="Rectangle 28">
-            <a:extLst>
-              <a:ext uri="{FF2B5EF4-FFF2-40B4-BE49-F238E27FC236}">
-                <a16:creationId xmlns:a16="http://schemas.microsoft.com/office/drawing/2014/main" id="{D1FE7727-3EF6-4ADE-82D2-9EA09CE55DDD}"/>
-              </a:ext>
-            </a:extLst>
-          </p:cNvPr>
-          <p:cNvSpPr/>
-          <p:nvPr/>
-        </p:nvSpPr>
-        <p:spPr>
-          <a:xfrm>
-            <a:off x="7946145" y="2632650"/>
-            <a:ext cx="2236510" cy="400110"/>
-          </a:xfrm>
-          <a:prstGeom prst="rect">
-            <a:avLst/>
-          </a:prstGeom>
-        </p:spPr>
-        <p:txBody>
-          <a:bodyPr wrap="none">
-            <a:spAutoFit/>
-          </a:bodyPr>
-          <a:lstStyle/>
-          <a:p>
-            <a:pPr algn="ctr"/>
-            <a:r>
-              <a:rPr lang="zh-CN" altLang="en-US" sz="2000" b="1" dirty="0">
-                <a:latin typeface="Calibri" panose="020F0502020204030204" pitchFamily="34" charset="0"/>
-                <a:ea typeface="微软雅黑" panose="020B0503020204020204" pitchFamily="34" charset="-122"/>
-                <a:cs typeface="Calibri" panose="020F0502020204030204" pitchFamily="34" charset="0"/>
-              </a:rPr>
-              <a:t>新型存内计算架构</a:t>
-            </a:r>
-            <a:endParaRPr lang="zh-CN" altLang="en-US" sz="2000" dirty="0"/>
           </a:p>
         </p:txBody>
       </p:sp>
@@ -10561,7 +11210,387 @@
 </p:sld>
 </file>
 
-<file path=ppt/slides/slide6.xml><?xml version="1.0" encoding="utf-8"?>
+<file path=ppt/slides/slide8.xml><?xml version="1.0" encoding="utf-8"?>
+<p:sld xmlns:a="http://schemas.openxmlformats.org/drawingml/2006/main" xmlns:r="http://schemas.openxmlformats.org/officeDocument/2006/relationships" xmlns:p="http://schemas.openxmlformats.org/presentationml/2006/main">
+  <p:cSld>
+    <p:spTree>
+      <p:nvGrpSpPr>
+        <p:cNvPr id="1" name=""/>
+        <p:cNvGrpSpPr/>
+        <p:nvPr/>
+      </p:nvGrpSpPr>
+      <p:grpSpPr>
+        <a:xfrm>
+          <a:off x="0" y="0"/>
+          <a:ext cx="0" cy="0"/>
+          <a:chOff x="0" y="0"/>
+          <a:chExt cx="0" cy="0"/>
+        </a:xfrm>
+      </p:grpSpPr>
+      <p:sp>
+        <p:nvSpPr>
+          <p:cNvPr id="2" name="Slide Number Placeholder 1">
+            <a:extLst>
+              <a:ext uri="{FF2B5EF4-FFF2-40B4-BE49-F238E27FC236}">
+                <a16:creationId xmlns:a16="http://schemas.microsoft.com/office/drawing/2014/main" id="{F33E8B23-6D79-4D76-9267-7BA6BB47324F}"/>
+              </a:ext>
+            </a:extLst>
+          </p:cNvPr>
+          <p:cNvSpPr>
+            <a:spLocks noGrp="1"/>
+          </p:cNvSpPr>
+          <p:nvPr>
+            <p:ph type="sldNum" sz="quarter" idx="10"/>
+          </p:nvPr>
+        </p:nvSpPr>
+        <p:spPr/>
+        <p:txBody>
+          <a:bodyPr/>
+          <a:lstStyle/>
+          <a:p>
+            <a:fld id="{6C53781C-E1F6-4315-A39D-61273F2E0596}" type="slidenum">
+              <a:rPr lang="zh-CN" altLang="en-US" smtClean="0"/>
+              <a:pPr/>
+              <a:t>8</a:t>
+            </a:fld>
+            <a:endParaRPr lang="zh-CN" altLang="en-US" dirty="0"/>
+          </a:p>
+        </p:txBody>
+      </p:sp>
+      <p:sp>
+        <p:nvSpPr>
+          <p:cNvPr id="3" name="Text Placeholder 2">
+            <a:extLst>
+              <a:ext uri="{FF2B5EF4-FFF2-40B4-BE49-F238E27FC236}">
+                <a16:creationId xmlns:a16="http://schemas.microsoft.com/office/drawing/2014/main" id="{BDBB22C1-B888-497C-AB15-518855EC4ABF}"/>
+              </a:ext>
+            </a:extLst>
+          </p:cNvPr>
+          <p:cNvSpPr>
+            <a:spLocks noGrp="1"/>
+          </p:cNvSpPr>
+          <p:nvPr>
+            <p:ph type="body" sz="quarter" idx="11"/>
+          </p:nvPr>
+        </p:nvSpPr>
+        <p:spPr>
+          <a:xfrm>
+            <a:off x="1075351" y="43657"/>
+            <a:ext cx="9186249" cy="598488"/>
+          </a:xfrm>
+        </p:spPr>
+        <p:txBody>
+          <a:bodyPr/>
+          <a:lstStyle/>
+          <a:p>
+            <a:r>
+              <a:rPr lang="en-US" altLang="zh-CN" dirty="0"/>
+              <a:t>DC</a:t>
+            </a:r>
+            <a:r>
+              <a:rPr lang="zh-CN" altLang="en-US" dirty="0"/>
+              <a:t>综合结果</a:t>
+            </a:r>
+          </a:p>
+        </p:txBody>
+      </p:sp>
+      <p:sp>
+        <p:nvSpPr>
+          <p:cNvPr id="7" name="文本占位符 5">
+            <a:extLst>
+              <a:ext uri="{FF2B5EF4-FFF2-40B4-BE49-F238E27FC236}">
+                <a16:creationId xmlns:a16="http://schemas.microsoft.com/office/drawing/2014/main" id="{08664482-F7B5-4622-8A8C-18371A03964E}"/>
+              </a:ext>
+            </a:extLst>
+          </p:cNvPr>
+          <p:cNvSpPr txBox="1">
+            <a:spLocks/>
+          </p:cNvSpPr>
+          <p:nvPr/>
+        </p:nvSpPr>
+        <p:spPr>
+          <a:xfrm>
+            <a:off x="304798" y="812801"/>
+            <a:ext cx="11582402" cy="5520706"/>
+          </a:xfrm>
+          <a:prstGeom prst="rect">
+            <a:avLst/>
+          </a:prstGeom>
+        </p:spPr>
+        <p:txBody>
+          <a:bodyPr/>
+          <a:lstStyle>
+            <a:lvl1pPr marL="228600" indent="-228600" algn="l" defTabSz="914400" rtl="0" eaLnBrk="1" latinLnBrk="0" hangingPunct="1">
+              <a:lnSpc>
+                <a:spcPct val="130000"/>
+              </a:lnSpc>
+              <a:spcBef>
+                <a:spcPts val="1000"/>
+              </a:spcBef>
+              <a:buFontTx/>
+              <a:buBlip>
+                <a:blip r:embed="rId2"/>
+              </a:buBlip>
+              <a:defRPr sz="2000" kern="1200">
+                <a:solidFill>
+                  <a:schemeClr val="accent2"/>
+                </a:solidFill>
+                <a:latin typeface="+mn-lt"/>
+                <a:ea typeface="+mn-ea"/>
+                <a:cs typeface="+mn-cs"/>
+              </a:defRPr>
+            </a:lvl1pPr>
+            <a:lvl2pPr marL="685800" indent="-228600" algn="l" defTabSz="914400" rtl="0" eaLnBrk="1" latinLnBrk="0" hangingPunct="1">
+              <a:lnSpc>
+                <a:spcPct val="130000"/>
+              </a:lnSpc>
+              <a:spcBef>
+                <a:spcPts val="500"/>
+              </a:spcBef>
+              <a:buFont typeface="Arial" panose="020B0604020202020204" pitchFamily="34" charset="0"/>
+              <a:buChar char="•"/>
+              <a:defRPr sz="2000" kern="1200">
+                <a:solidFill>
+                  <a:schemeClr val="accent2"/>
+                </a:solidFill>
+                <a:latin typeface="+mn-lt"/>
+                <a:ea typeface="+mn-ea"/>
+                <a:cs typeface="+mn-cs"/>
+              </a:defRPr>
+            </a:lvl2pPr>
+            <a:lvl3pPr marL="1143000" indent="-228600" algn="l" defTabSz="914400" rtl="0" eaLnBrk="1" latinLnBrk="0" hangingPunct="1">
+              <a:lnSpc>
+                <a:spcPct val="130000"/>
+              </a:lnSpc>
+              <a:spcBef>
+                <a:spcPts val="500"/>
+              </a:spcBef>
+              <a:buFont typeface="Arial" panose="020B0604020202020204" pitchFamily="34" charset="0"/>
+              <a:buChar char="•"/>
+              <a:defRPr sz="1800" kern="1200">
+                <a:solidFill>
+                  <a:schemeClr val="accent2"/>
+                </a:solidFill>
+                <a:latin typeface="+mn-lt"/>
+                <a:ea typeface="+mn-ea"/>
+                <a:cs typeface="+mn-cs"/>
+              </a:defRPr>
+            </a:lvl3pPr>
+            <a:lvl4pPr marL="1600200" indent="-228600" algn="l" defTabSz="914400" rtl="0" eaLnBrk="1" latinLnBrk="0" hangingPunct="1">
+              <a:lnSpc>
+                <a:spcPct val="130000"/>
+              </a:lnSpc>
+              <a:spcBef>
+                <a:spcPts val="500"/>
+              </a:spcBef>
+              <a:buFont typeface="Arial" panose="020B0604020202020204" pitchFamily="34" charset="0"/>
+              <a:buChar char="•"/>
+              <a:defRPr sz="1600" kern="1200">
+                <a:solidFill>
+                  <a:schemeClr val="accent2"/>
+                </a:solidFill>
+                <a:latin typeface="+mn-lt"/>
+                <a:ea typeface="+mn-ea"/>
+                <a:cs typeface="+mn-cs"/>
+              </a:defRPr>
+            </a:lvl4pPr>
+            <a:lvl5pPr marL="2057400" indent="-228600" algn="l" defTabSz="914400" rtl="0" eaLnBrk="1" latinLnBrk="0" hangingPunct="1">
+              <a:lnSpc>
+                <a:spcPct val="130000"/>
+              </a:lnSpc>
+              <a:spcBef>
+                <a:spcPts val="500"/>
+              </a:spcBef>
+              <a:buFont typeface="Arial" panose="020B0604020202020204" pitchFamily="34" charset="0"/>
+              <a:buChar char="•"/>
+              <a:defRPr sz="1600" kern="1200">
+                <a:solidFill>
+                  <a:schemeClr val="accent2"/>
+                </a:solidFill>
+                <a:latin typeface="+mn-lt"/>
+                <a:ea typeface="+mn-ea"/>
+                <a:cs typeface="+mn-cs"/>
+              </a:defRPr>
+            </a:lvl5pPr>
+            <a:lvl6pPr marL="2514600" indent="-228600" algn="l" defTabSz="914400" rtl="0" eaLnBrk="1" latinLnBrk="0" hangingPunct="1">
+              <a:lnSpc>
+                <a:spcPct val="90000"/>
+              </a:lnSpc>
+              <a:spcBef>
+                <a:spcPts val="500"/>
+              </a:spcBef>
+              <a:buFont typeface="Arial" panose="020B0604020202020204" pitchFamily="34" charset="0"/>
+              <a:buChar char="•"/>
+              <a:defRPr sz="1800" kern="1200">
+                <a:solidFill>
+                  <a:schemeClr val="tx1"/>
+                </a:solidFill>
+                <a:latin typeface="+mn-lt"/>
+                <a:ea typeface="+mn-ea"/>
+                <a:cs typeface="+mn-cs"/>
+              </a:defRPr>
+            </a:lvl6pPr>
+            <a:lvl7pPr marL="2971800" indent="-228600" algn="l" defTabSz="914400" rtl="0" eaLnBrk="1" latinLnBrk="0" hangingPunct="1">
+              <a:lnSpc>
+                <a:spcPct val="90000"/>
+              </a:lnSpc>
+              <a:spcBef>
+                <a:spcPts val="500"/>
+              </a:spcBef>
+              <a:buFont typeface="Arial" panose="020B0604020202020204" pitchFamily="34" charset="0"/>
+              <a:buChar char="•"/>
+              <a:defRPr sz="1800" kern="1200">
+                <a:solidFill>
+                  <a:schemeClr val="tx1"/>
+                </a:solidFill>
+                <a:latin typeface="+mn-lt"/>
+                <a:ea typeface="+mn-ea"/>
+                <a:cs typeface="+mn-cs"/>
+              </a:defRPr>
+            </a:lvl7pPr>
+            <a:lvl8pPr marL="3429000" indent="-228600" algn="l" defTabSz="914400" rtl="0" eaLnBrk="1" latinLnBrk="0" hangingPunct="1">
+              <a:lnSpc>
+                <a:spcPct val="90000"/>
+              </a:lnSpc>
+              <a:spcBef>
+                <a:spcPts val="500"/>
+              </a:spcBef>
+              <a:buFont typeface="Arial" panose="020B0604020202020204" pitchFamily="34" charset="0"/>
+              <a:buChar char="•"/>
+              <a:defRPr sz="1800" kern="1200">
+                <a:solidFill>
+                  <a:schemeClr val="tx1"/>
+                </a:solidFill>
+                <a:latin typeface="+mn-lt"/>
+                <a:ea typeface="+mn-ea"/>
+                <a:cs typeface="+mn-cs"/>
+              </a:defRPr>
+            </a:lvl8pPr>
+            <a:lvl9pPr marL="3886200" indent="-228600" algn="l" defTabSz="914400" rtl="0" eaLnBrk="1" latinLnBrk="0" hangingPunct="1">
+              <a:lnSpc>
+                <a:spcPct val="90000"/>
+              </a:lnSpc>
+              <a:spcBef>
+                <a:spcPts val="500"/>
+              </a:spcBef>
+              <a:buFont typeface="Arial" panose="020B0604020202020204" pitchFamily="34" charset="0"/>
+              <a:buChar char="•"/>
+              <a:defRPr sz="1800" kern="1200">
+                <a:solidFill>
+                  <a:schemeClr val="tx1"/>
+                </a:solidFill>
+                <a:latin typeface="+mn-lt"/>
+                <a:ea typeface="+mn-ea"/>
+                <a:cs typeface="+mn-cs"/>
+              </a:defRPr>
+            </a:lvl9pPr>
+          </a:lstStyle>
+          <a:p>
+            <a:pPr>
+              <a:lnSpc>
+                <a:spcPct val="100000"/>
+              </a:lnSpc>
+              <a:buFont typeface="Wingdings" panose="05000000000000000000" pitchFamily="2" charset="2"/>
+              <a:buChar char="p"/>
+            </a:pPr>
+            <a:r>
+              <a:rPr lang="zh-CN" altLang="en-US" b="1" dirty="0">
+                <a:solidFill>
+                  <a:schemeClr val="tx1"/>
+                </a:solidFill>
+                <a:sym typeface="Wingdings" panose="05000000000000000000" pitchFamily="2" charset="2"/>
+              </a:rPr>
+              <a:t>卷积神经网络等人工智能算法被广泛应用于多种计算场景</a:t>
+            </a:r>
+          </a:p>
+          <a:p>
+            <a:pPr>
+              <a:lnSpc>
+                <a:spcPct val="100000"/>
+              </a:lnSpc>
+              <a:buFont typeface="Wingdings" panose="05000000000000000000" pitchFamily="2" charset="2"/>
+              <a:buChar char="p"/>
+            </a:pPr>
+            <a:r>
+              <a:rPr lang="zh-CN" altLang="en-US" b="1" dirty="0">
+                <a:solidFill>
+                  <a:schemeClr val="tx1"/>
+                </a:solidFill>
+                <a:sym typeface="Wingdings" panose="05000000000000000000" pitchFamily="2" charset="2"/>
+              </a:rPr>
+              <a:t>传统冯</a:t>
+            </a:r>
+            <a:r>
+              <a:rPr lang="en-US" altLang="zh-CN" b="1" dirty="0">
+                <a:solidFill>
+                  <a:schemeClr val="tx1"/>
+                </a:solidFill>
+                <a:sym typeface="Wingdings" panose="05000000000000000000" pitchFamily="2" charset="2"/>
+              </a:rPr>
+              <a:t>·</a:t>
+            </a:r>
+            <a:r>
+              <a:rPr lang="zh-CN" altLang="en-US" b="1" dirty="0">
+                <a:solidFill>
+                  <a:schemeClr val="tx1"/>
+                </a:solidFill>
+                <a:sym typeface="Wingdings" panose="05000000000000000000" pitchFamily="2" charset="2"/>
+              </a:rPr>
+              <a:t>诺依曼架构存算分离，处理</a:t>
+            </a:r>
+            <a:r>
+              <a:rPr lang="en-US" altLang="zh-CN" b="1" dirty="0">
+                <a:solidFill>
+                  <a:schemeClr val="tx1"/>
+                </a:solidFill>
+                <a:sym typeface="Wingdings" panose="05000000000000000000" pitchFamily="2" charset="2"/>
+              </a:rPr>
+              <a:t>CNN</a:t>
+            </a:r>
+            <a:r>
+              <a:rPr lang="zh-CN" altLang="en-US" b="1" dirty="0">
+                <a:solidFill>
+                  <a:schemeClr val="tx1"/>
+                </a:solidFill>
+                <a:sym typeface="Wingdings" panose="05000000000000000000" pitchFamily="2" charset="2"/>
+              </a:rPr>
+              <a:t>等数据密集型应用时数据搬移开销巨大</a:t>
+            </a:r>
+          </a:p>
+          <a:p>
+            <a:pPr>
+              <a:lnSpc>
+                <a:spcPct val="100000"/>
+              </a:lnSpc>
+              <a:buFont typeface="Wingdings" panose="05000000000000000000" pitchFamily="2" charset="2"/>
+              <a:buChar char="p"/>
+            </a:pPr>
+            <a:r>
+              <a:rPr lang="zh-CN" altLang="en-US" b="1" dirty="0">
+                <a:solidFill>
+                  <a:schemeClr val="tx1"/>
+                </a:solidFill>
+                <a:sym typeface="Wingdings" panose="05000000000000000000" pitchFamily="2" charset="2"/>
+              </a:rPr>
+              <a:t>存内计算将计算功能集成到存储单元中，可有效避免数据搬移开销</a:t>
+            </a:r>
+          </a:p>
+        </p:txBody>
+      </p:sp>
+    </p:spTree>
+    <p:extLst>
+      <p:ext uri="{BB962C8B-B14F-4D97-AF65-F5344CB8AC3E}">
+        <p14:creationId xmlns:p14="http://schemas.microsoft.com/office/powerpoint/2010/main" val="2406116444"/>
+      </p:ext>
+    </p:extLst>
+  </p:cSld>
+  <p:clrMapOvr>
+    <a:masterClrMapping/>
+  </p:clrMapOvr>
+</p:sld>
+</file>
+
+<file path=ppt/slides/slide9.xml><?xml version="1.0" encoding="utf-8"?>
 <p:sld xmlns:a="http://schemas.openxmlformats.org/drawingml/2006/main" xmlns:r="http://schemas.openxmlformats.org/officeDocument/2006/relationships" xmlns:p="http://schemas.openxmlformats.org/presentationml/2006/main">
   <p:cSld>
     <p:spTree>
